--- a/examples/pp_force_pos.pptx
+++ b/examples/pp_force_pos.pptx
@@ -5,7 +5,7 @@
     <p:sldMasterId id="2147483648" r:id="rId1"/>
   </p:sldMasterIdLst>
   <p:sldIdLst>
-    <p:sldId id="882401111" r:id="rId6"/>
+    <p:sldId id="1432755334" r:id="rId6"/>
   </p:sldIdLst>
   <p:sldSz cx="12192000" cy="6858000"/>
   <p:notesSz cx="6858000" cy="9144000"/>
@@ -9137,7 +9137,7 @@
                       </a:r>
                     </a:p>
                   </a:txBody>
-                  <a:tcPr marL="12700" marR="12700" marT="12700" marB="12700" anchor="ctr">
+                  <a:tcPr anchor="ctr">
                     <a:lnL w="12700">
                       <a:solidFill>
                         <a:srgbClr val="000000"/>
@@ -9194,7 +9194,7 @@
                       </a:r>
                     </a:p>
                   </a:txBody>
-                  <a:tcPr marL="12700" marR="12700" marT="12700" marB="12700" anchor="ctr">
+                  <a:tcPr anchor="ctr">
                     <a:lnL w="12700">
                       <a:solidFill>
                         <a:srgbClr val="000000"/>
@@ -9251,7 +9251,7 @@
                       </a:r>
                     </a:p>
                   </a:txBody>
-                  <a:tcPr marL="12700" marR="12700" marT="12700" marB="12700" anchor="ctr">
+                  <a:tcPr anchor="ctr">
                     <a:lnL w="12700">
                       <a:solidFill>
                         <a:srgbClr val="000000"/>
@@ -9308,7 +9308,7 @@
                       </a:r>
                     </a:p>
                   </a:txBody>
-                  <a:tcPr marL="12700" marR="12700" marT="12700" marB="12700" anchor="ctr">
+                  <a:tcPr anchor="ctr">
                     <a:lnL w="12700">
                       <a:solidFill>
                         <a:srgbClr val="000000"/>
@@ -9365,7 +9365,7 @@
                       </a:r>
                     </a:p>
                   </a:txBody>
-                  <a:tcPr marL="12700" marR="12700" marT="12700" marB="12700" anchor="ctr">
+                  <a:tcPr anchor="ctr">
                     <a:lnL w="12700">
                       <a:solidFill>
                         <a:srgbClr val="000000"/>
@@ -9435,7 +9435,7 @@
                       </a:r>
                     </a:p>
                   </a:txBody>
-                  <a:tcPr marL="12700" marR="12700" marT="12700" marB="12700" anchor="ctr">
+                  <a:tcPr anchor="ctr">
                     <a:lnL w="12700">
                       <a:solidFill>
                         <a:srgbClr val="000000"/>
@@ -9503,7 +9503,7 @@
                       </a:r>
                     </a:p>
                   </a:txBody>
-                  <a:tcPr marL="12700" marR="12700" marT="12700" marB="12700" anchor="ctr">
+                  <a:tcPr anchor="ctr">
                     <a:lnL w="12700">
                       <a:solidFill>
                         <a:srgbClr val="000000"/>
@@ -9571,7 +9571,7 @@
                       </a:r>
                     </a:p>
                   </a:txBody>
-                  <a:tcPr marL="12700" marR="12700" marT="12700" marB="12700" anchor="ctr">
+                  <a:tcPr anchor="ctr">
                     <a:lnL w="12700">
                       <a:solidFill>
                         <a:srgbClr val="000000"/>
@@ -9639,7 +9639,7 @@
                       </a:r>
                     </a:p>
                   </a:txBody>
-                  <a:tcPr marL="12700" marR="12700" marT="12700" marB="12700" anchor="ctr">
+                  <a:tcPr anchor="ctr">
                     <a:lnL w="12700">
                       <a:solidFill>
                         <a:srgbClr val="000000"/>
@@ -9707,7 +9707,7 @@
                       </a:r>
                     </a:p>
                   </a:txBody>
-                  <a:tcPr marL="12700" marR="12700" marT="12700" marB="12700" anchor="ctr">
+                  <a:tcPr anchor="ctr">
                     <a:lnL w="12700">
                       <a:solidFill>
                         <a:srgbClr val="000000"/>
@@ -9777,7 +9777,7 @@
                       </a:r>
                     </a:p>
                   </a:txBody>
-                  <a:tcPr marL="12700" marR="12700" marT="12700" marB="12700" anchor="ctr">
+                  <a:tcPr anchor="ctr">
                     <a:lnL w="12700">
                       <a:solidFill>
                         <a:srgbClr val="000000"/>
@@ -9845,7 +9845,7 @@
                       </a:r>
                     </a:p>
                   </a:txBody>
-                  <a:tcPr marL="12700" marR="12700" marT="12700" marB="12700" anchor="ctr">
+                  <a:tcPr anchor="ctr">
                     <a:lnL w="12700">
                       <a:solidFill>
                         <a:srgbClr val="000000"/>
@@ -9913,7 +9913,7 @@
                       </a:r>
                     </a:p>
                   </a:txBody>
-                  <a:tcPr marL="12700" marR="12700" marT="12700" marB="12700" anchor="ctr">
+                  <a:tcPr anchor="ctr">
                     <a:lnL w="12700">
                       <a:solidFill>
                         <a:srgbClr val="000000"/>
@@ -9981,7 +9981,7 @@
                       </a:r>
                     </a:p>
                   </a:txBody>
-                  <a:tcPr marL="12700" marR="12700" marT="12700" marB="12700" anchor="ctr">
+                  <a:tcPr anchor="ctr">
                     <a:lnL w="12700">
                       <a:solidFill>
                         <a:srgbClr val="000000"/>
@@ -10049,7 +10049,7 @@
                       </a:r>
                     </a:p>
                   </a:txBody>
-                  <a:tcPr marL="12700" marR="12700" marT="12700" marB="12700" anchor="ctr">
+                  <a:tcPr anchor="ctr">
                     <a:lnL w="12700">
                       <a:solidFill>
                         <a:srgbClr val="000000"/>
@@ -10119,7 +10119,7 @@
                       </a:r>
                     </a:p>
                   </a:txBody>
-                  <a:tcPr marL="12700" marR="12700" marT="12700" marB="12700" anchor="ctr">
+                  <a:tcPr anchor="ctr">
                     <a:lnL w="12700">
                       <a:solidFill>
                         <a:srgbClr val="000000"/>
@@ -10187,7 +10187,7 @@
                       </a:r>
                     </a:p>
                   </a:txBody>
-                  <a:tcPr marL="12700" marR="12700" marT="12700" marB="12700" anchor="ctr">
+                  <a:tcPr anchor="ctr">
                     <a:lnL w="12700">
                       <a:solidFill>
                         <a:srgbClr val="000000"/>
@@ -10255,7 +10255,7 @@
                       </a:r>
                     </a:p>
                   </a:txBody>
-                  <a:tcPr marL="12700" marR="12700" marT="12700" marB="12700" anchor="ctr">
+                  <a:tcPr anchor="ctr">
                     <a:lnL w="12700">
                       <a:solidFill>
                         <a:srgbClr val="000000"/>
@@ -10323,7 +10323,7 @@
                       </a:r>
                     </a:p>
                   </a:txBody>
-                  <a:tcPr marL="12700" marR="12700" marT="12700" marB="12700" anchor="ctr">
+                  <a:tcPr anchor="ctr">
                     <a:lnL w="12700">
                       <a:solidFill>
                         <a:srgbClr val="000000"/>
@@ -10391,7 +10391,7 @@
                       </a:r>
                     </a:p>
                   </a:txBody>
-                  <a:tcPr marL="12700" marR="12700" marT="12700" marB="12700" anchor="ctr">
+                  <a:tcPr anchor="ctr">
                     <a:lnL w="12700">
                       <a:solidFill>
                         <a:srgbClr val="000000"/>
@@ -10461,7 +10461,7 @@
                       </a:r>
                     </a:p>
                   </a:txBody>
-                  <a:tcPr marL="12700" marR="12700" marT="12700" marB="12700" anchor="ctr">
+                  <a:tcPr anchor="ctr">
                     <a:lnL w="12700">
                       <a:solidFill>
                         <a:srgbClr val="000000"/>
@@ -10529,7 +10529,7 @@
                       </a:r>
                     </a:p>
                   </a:txBody>
-                  <a:tcPr marL="12700" marR="12700" marT="12700" marB="12700" anchor="ctr">
+                  <a:tcPr anchor="ctr">
                     <a:lnL w="12700">
                       <a:solidFill>
                         <a:srgbClr val="000000"/>
@@ -10597,7 +10597,7 @@
                       </a:r>
                     </a:p>
                   </a:txBody>
-                  <a:tcPr marL="12700" marR="12700" marT="12700" marB="12700" anchor="ctr">
+                  <a:tcPr anchor="ctr">
                     <a:lnL w="12700">
                       <a:solidFill>
                         <a:srgbClr val="000000"/>
@@ -10665,7 +10665,7 @@
                       </a:r>
                     </a:p>
                   </a:txBody>
-                  <a:tcPr marL="12700" marR="12700" marT="12700" marB="12700" anchor="ctr">
+                  <a:tcPr anchor="ctr">
                     <a:lnL w="12700">
                       <a:solidFill>
                         <a:srgbClr val="000000"/>
@@ -10733,7 +10733,7 @@
                       </a:r>
                     </a:p>
                   </a:txBody>
-                  <a:tcPr marL="12700" marR="12700" marT="12700" marB="12700" anchor="ctr">
+                  <a:tcPr anchor="ctr">
                     <a:lnL w="12700">
                       <a:solidFill>
                         <a:srgbClr val="000000"/>
@@ -10803,7 +10803,7 @@
                       </a:r>
                     </a:p>
                   </a:txBody>
-                  <a:tcPr marL="12700" marR="12700" marT="12700" marB="12700" anchor="ctr">
+                  <a:tcPr anchor="ctr">
                     <a:lnL w="12700">
                       <a:solidFill>
                         <a:srgbClr val="000000"/>
@@ -10871,7 +10871,7 @@
                       </a:r>
                     </a:p>
                   </a:txBody>
-                  <a:tcPr marL="12700" marR="12700" marT="12700" marB="12700" anchor="ctr">
+                  <a:tcPr anchor="ctr">
                     <a:lnL w="12700">
                       <a:solidFill>
                         <a:srgbClr val="000000"/>
@@ -10939,7 +10939,7 @@
                       </a:r>
                     </a:p>
                   </a:txBody>
-                  <a:tcPr marL="12700" marR="12700" marT="12700" marB="12700" anchor="ctr">
+                  <a:tcPr anchor="ctr">
                     <a:lnL w="12700">
                       <a:solidFill>
                         <a:srgbClr val="000000"/>
@@ -11007,7 +11007,7 @@
                       </a:r>
                     </a:p>
                   </a:txBody>
-                  <a:tcPr marL="12700" marR="12700" marT="12700" marB="12700" anchor="ctr">
+                  <a:tcPr anchor="ctr">
                     <a:lnL w="12700">
                       <a:solidFill>
                         <a:srgbClr val="000000"/>
@@ -11075,7 +11075,7 @@
                       </a:r>
                     </a:p>
                   </a:txBody>
-                  <a:tcPr marL="12700" marR="12700" marT="12700" marB="12700" anchor="ctr">
+                  <a:tcPr anchor="ctr">
                     <a:lnL w="12700">
                       <a:solidFill>
                         <a:srgbClr val="000000"/>
@@ -11145,7 +11145,7 @@
                       </a:r>
                     </a:p>
                   </a:txBody>
-                  <a:tcPr marL="12700" marR="12700" marT="12700" marB="12700" anchor="ctr">
+                  <a:tcPr anchor="ctr">
                     <a:lnL w="12700">
                       <a:solidFill>
                         <a:srgbClr val="000000"/>
@@ -11213,7 +11213,7 @@
                       </a:r>
                     </a:p>
                   </a:txBody>
-                  <a:tcPr marL="12700" marR="12700" marT="12700" marB="12700" anchor="ctr">
+                  <a:tcPr anchor="ctr">
                     <a:lnL w="12700">
                       <a:solidFill>
                         <a:srgbClr val="000000"/>
@@ -11281,7 +11281,7 @@
                       </a:r>
                     </a:p>
                   </a:txBody>
-                  <a:tcPr marL="12700" marR="12700" marT="12700" marB="12700" anchor="ctr">
+                  <a:tcPr anchor="ctr">
                     <a:lnL w="12700">
                       <a:solidFill>
                         <a:srgbClr val="000000"/>
@@ -11349,7 +11349,7 @@
                       </a:r>
                     </a:p>
                   </a:txBody>
-                  <a:tcPr marL="12700" marR="12700" marT="12700" marB="12700" anchor="ctr">
+                  <a:tcPr anchor="ctr">
                     <a:lnL w="12700">
                       <a:solidFill>
                         <a:srgbClr val="000000"/>
@@ -11417,7 +11417,7 @@
                       </a:r>
                     </a:p>
                   </a:txBody>
-                  <a:tcPr marL="12700" marR="12700" marT="12700" marB="12700" anchor="ctr">
+                  <a:tcPr anchor="ctr">
                     <a:lnL w="12700">
                       <a:solidFill>
                         <a:srgbClr val="000000"/>

--- a/examples/pp_force_pos.pptx
+++ b/examples/pp_force_pos.pptx
@@ -2,19 +2,19 @@
 <file path=ppt/presentation.xml><?xml version="1.0" encoding="utf-8"?>
 <p:presentation xmlns:r="http://schemas.openxmlformats.org/officeDocument/2006/relationships" xmlns:a="http://schemas.openxmlformats.org/drawingml/2006/main" xmlns:p="http://schemas.openxmlformats.org/presentationml/2006/main" xmlns:mc="http://schemas.openxmlformats.org/markup-compatibility/2006" xmlns:c="http://schemas.openxmlformats.org/drawingml/2006/chart" xmlns:ns6="http://schemas.openxmlformats.org/drawingml/2006/chartDrawing" xmlns:dgm="http://schemas.openxmlformats.org/drawingml/2006/diagram" xmlns:pic="http://schemas.openxmlformats.org/drawingml/2006/picture" xmlns:wp="http://schemas.openxmlformats.org/drawingml/2006/wordprocessingDrawing" xmlns:xdr="http://schemas.openxmlformats.org/drawingml/2006/spreadsheetDrawing" xmlns:ns11="http://schemas.openxmlformats.org/drawingml/2006/compatibility" xmlns:ns12="http://schemas.openxmlformats.org/drawingml/2006/lockedCanvas" saveSubsetFonts="true">
   <p:sldMasterIdLst>
-    <p:sldMasterId id="2147483648" r:id="rId1"/>
+    <p:sldMasterId r:id="rId1" id="2147483648"/>
   </p:sldMasterIdLst>
   <p:sldIdLst>
-    <p:sldId id="1432755334" r:id="rId6"/>
+    <p:sldId r:id="rId6" id="1246702887"/>
   </p:sldIdLst>
-  <p:sldSz cx="12192000" cy="6858000"/>
-  <p:notesSz cx="6858000" cy="9144000"/>
+  <p:sldSz cy="6858000" cx="12192000"/>
+  <p:notesSz cy="9144000" cx="6858000"/>
   <p:defaultTextStyle>
     <a:defPPr>
       <a:defRPr lang="fr-FR"/>
     </a:defPPr>
-    <a:lvl1pPr marL="0" algn="l" defTabSz="914400" rtl="false" eaLnBrk="true" latinLnBrk="false" hangingPunct="true">
-      <a:defRPr sz="1800" kern="1200">
+    <a:lvl1pPr hangingPunct="true" latinLnBrk="false" eaLnBrk="true" rtl="false" defTabSz="914400" algn="l" marL="0">
+      <a:defRPr kern="1200" sz="1800">
         <a:solidFill>
           <a:schemeClr val="tx1"/>
         </a:solidFill>
@@ -23,8 +23,8 @@
         <a:cs typeface="+mn-cs"/>
       </a:defRPr>
     </a:lvl1pPr>
-    <a:lvl2pPr marL="457200" algn="l" defTabSz="914400" rtl="false" eaLnBrk="true" latinLnBrk="false" hangingPunct="true">
-      <a:defRPr sz="1800" kern="1200">
+    <a:lvl2pPr hangingPunct="true" latinLnBrk="false" eaLnBrk="true" rtl="false" defTabSz="914400" algn="l" marL="457200">
+      <a:defRPr kern="1200" sz="1800">
         <a:solidFill>
           <a:schemeClr val="tx1"/>
         </a:solidFill>
@@ -33,8 +33,8 @@
         <a:cs typeface="+mn-cs"/>
       </a:defRPr>
     </a:lvl2pPr>
-    <a:lvl3pPr marL="914400" algn="l" defTabSz="914400" rtl="false" eaLnBrk="true" latinLnBrk="false" hangingPunct="true">
-      <a:defRPr sz="1800" kern="1200">
+    <a:lvl3pPr hangingPunct="true" latinLnBrk="false" eaLnBrk="true" rtl="false" defTabSz="914400" algn="l" marL="914400">
+      <a:defRPr kern="1200" sz="1800">
         <a:solidFill>
           <a:schemeClr val="tx1"/>
         </a:solidFill>
@@ -43,8 +43,8 @@
         <a:cs typeface="+mn-cs"/>
       </a:defRPr>
     </a:lvl3pPr>
-    <a:lvl4pPr marL="1371600" algn="l" defTabSz="914400" rtl="false" eaLnBrk="true" latinLnBrk="false" hangingPunct="true">
-      <a:defRPr sz="1800" kern="1200">
+    <a:lvl4pPr hangingPunct="true" latinLnBrk="false" eaLnBrk="true" rtl="false" defTabSz="914400" algn="l" marL="1371600">
+      <a:defRPr kern="1200" sz="1800">
         <a:solidFill>
           <a:schemeClr val="tx1"/>
         </a:solidFill>
@@ -53,8 +53,8 @@
         <a:cs typeface="+mn-cs"/>
       </a:defRPr>
     </a:lvl4pPr>
-    <a:lvl5pPr marL="1828800" algn="l" defTabSz="914400" rtl="false" eaLnBrk="true" latinLnBrk="false" hangingPunct="true">
-      <a:defRPr sz="1800" kern="1200">
+    <a:lvl5pPr hangingPunct="true" latinLnBrk="false" eaLnBrk="true" rtl="false" defTabSz="914400" algn="l" marL="1828800">
+      <a:defRPr kern="1200" sz="1800">
         <a:solidFill>
           <a:schemeClr val="tx1"/>
         </a:solidFill>
@@ -63,8 +63,8 @@
         <a:cs typeface="+mn-cs"/>
       </a:defRPr>
     </a:lvl5pPr>
-    <a:lvl6pPr marL="2286000" algn="l" defTabSz="914400" rtl="false" eaLnBrk="true" latinLnBrk="false" hangingPunct="true">
-      <a:defRPr sz="1800" kern="1200">
+    <a:lvl6pPr hangingPunct="true" latinLnBrk="false" eaLnBrk="true" rtl="false" defTabSz="914400" algn="l" marL="2286000">
+      <a:defRPr kern="1200" sz="1800">
         <a:solidFill>
           <a:schemeClr val="tx1"/>
         </a:solidFill>
@@ -73,8 +73,8 @@
         <a:cs typeface="+mn-cs"/>
       </a:defRPr>
     </a:lvl6pPr>
-    <a:lvl7pPr marL="2743200" algn="l" defTabSz="914400" rtl="false" eaLnBrk="true" latinLnBrk="false" hangingPunct="true">
-      <a:defRPr sz="1800" kern="1200">
+    <a:lvl7pPr hangingPunct="true" latinLnBrk="false" eaLnBrk="true" rtl="false" defTabSz="914400" algn="l" marL="2743200">
+      <a:defRPr kern="1200" sz="1800">
         <a:solidFill>
           <a:schemeClr val="tx1"/>
         </a:solidFill>
@@ -83,8 +83,8 @@
         <a:cs typeface="+mn-cs"/>
       </a:defRPr>
     </a:lvl7pPr>
-    <a:lvl8pPr marL="3200400" algn="l" defTabSz="914400" rtl="false" eaLnBrk="true" latinLnBrk="false" hangingPunct="true">
-      <a:defRPr sz="1800" kern="1200">
+    <a:lvl8pPr hangingPunct="true" latinLnBrk="false" eaLnBrk="true" rtl="false" defTabSz="914400" algn="l" marL="3200400">
+      <a:defRPr kern="1200" sz="1800">
         <a:solidFill>
           <a:schemeClr val="tx1"/>
         </a:solidFill>
@@ -93,8 +93,8 @@
         <a:cs typeface="+mn-cs"/>
       </a:defRPr>
     </a:lvl8pPr>
-    <a:lvl9pPr marL="3657600" algn="l" defTabSz="914400" rtl="false" eaLnBrk="true" latinLnBrk="false" hangingPunct="true">
-      <a:defRPr sz="1800" kern="1200">
+    <a:lvl9pPr hangingPunct="true" latinLnBrk="false" eaLnBrk="true" rtl="false" defTabSz="914400" algn="l" marL="3657600">
+      <a:defRPr kern="1200" sz="1800">
         <a:solidFill>
           <a:schemeClr val="tx1"/>
         </a:solidFill>
@@ -113,25 +113,25 @@
 </file>
 
 <file path=ppt/slideLayouts/slideLayout1.xml><?xml version="1.0" encoding="utf-8"?>
-<p:sldLayout xmlns:r="http://schemas.openxmlformats.org/officeDocument/2006/relationships" xmlns:a="http://schemas.openxmlformats.org/drawingml/2006/main" xmlns:p="http://schemas.openxmlformats.org/presentationml/2006/main" xmlns:mc="http://schemas.openxmlformats.org/markup-compatibility/2006" xmlns:c="http://schemas.openxmlformats.org/drawingml/2006/chart" xmlns:ns6="http://schemas.openxmlformats.org/drawingml/2006/chartDrawing" xmlns:dgm="http://schemas.openxmlformats.org/drawingml/2006/diagram" xmlns:pic="http://schemas.openxmlformats.org/drawingml/2006/picture" xmlns:wp="http://schemas.openxmlformats.org/drawingml/2006/wordprocessingDrawing" xmlns:xdr="http://schemas.openxmlformats.org/drawingml/2006/spreadsheetDrawing" xmlns:ns11="http://schemas.openxmlformats.org/drawingml/2006/compatibility" xmlns:ns12="http://schemas.openxmlformats.org/drawingml/2006/lockedCanvas" type="title" preserve="true">
+<p:sldLayout xmlns:r="http://schemas.openxmlformats.org/officeDocument/2006/relationships" xmlns:a="http://schemas.openxmlformats.org/drawingml/2006/main" xmlns:p="http://schemas.openxmlformats.org/presentationml/2006/main" xmlns:mc="http://schemas.openxmlformats.org/markup-compatibility/2006" xmlns:c="http://schemas.openxmlformats.org/drawingml/2006/chart" xmlns:ns6="http://schemas.openxmlformats.org/drawingml/2006/chartDrawing" xmlns:dgm="http://schemas.openxmlformats.org/drawingml/2006/diagram" xmlns:pic="http://schemas.openxmlformats.org/drawingml/2006/picture" xmlns:wp="http://schemas.openxmlformats.org/drawingml/2006/wordprocessingDrawing" xmlns:xdr="http://schemas.openxmlformats.org/drawingml/2006/spreadsheetDrawing" xmlns:ns11="http://schemas.openxmlformats.org/drawingml/2006/compatibility" xmlns:ns12="http://schemas.openxmlformats.org/drawingml/2006/lockedCanvas" preserve="true" type="title">
   <p:cSld name="Title Slide">
     <p:spTree>
       <p:nvGrpSpPr>
-        <p:cNvPr id="1" name=""/>
+        <p:cNvPr name="" id="1"/>
         <p:cNvGrpSpPr/>
         <p:nvPr/>
       </p:nvGrpSpPr>
       <p:grpSpPr>
         <a:xfrm>
-          <a:off x="0" y="0"/>
-          <a:ext cx="0" cy="0"/>
-          <a:chOff x="0" y="0"/>
-          <a:chExt cx="0" cy="0"/>
+          <a:off y="0" x="0"/>
+          <a:ext cy="0" cx="0"/>
+          <a:chOff y="0" x="0"/>
+          <a:chExt cy="0" cx="0"/>
         </a:xfrm>
       </p:grpSpPr>
       <p:sp>
         <p:nvSpPr>
-          <p:cNvPr id="2" name="Titre 1"/>
+          <p:cNvPr name="Titre 1" id="2"/>
           <p:cNvSpPr>
             <a:spLocks noGrp="true"/>
           </p:cNvSpPr>
@@ -141,8 +141,8 @@
         </p:nvSpPr>
         <p:spPr>
           <a:xfrm>
-            <a:off x="1524000" y="1122363"/>
-            <a:ext cx="9144000" cy="2387600"/>
+            <a:off y="1122363" x="1524000"/>
+            <a:ext cy="2387600" cx="9144000"/>
           </a:xfrm>
         </p:spPr>
         <p:txBody>
@@ -154,7 +154,7 @@
           </a:lstStyle>
           <a:p>
             <a:r>
-              <a:rPr lang="fr-FR" smtClean="false"/>
+              <a:rPr smtClean="false" lang="fr-FR"/>
               <a:t>Modifiez le style du titre</a:t>
             </a:r>
             <a:endParaRPr lang="fr-FR"/>
@@ -163,63 +163,63 @@
       </p:sp>
       <p:sp>
         <p:nvSpPr>
-          <p:cNvPr id="3" name="Sous-titre 2"/>
+          <p:cNvPr name="Sous-titre 2" id="3"/>
           <p:cNvSpPr>
             <a:spLocks noGrp="true"/>
           </p:cNvSpPr>
           <p:nvPr>
-            <p:ph type="subTitle" idx="1"/>
+            <p:ph idx="1" type="subTitle"/>
           </p:nvPr>
         </p:nvSpPr>
         <p:spPr>
           <a:xfrm>
-            <a:off x="1524000" y="3602038"/>
-            <a:ext cx="9144000" cy="1655762"/>
+            <a:off y="3602038" x="1524000"/>
+            <a:ext cy="1655762" cx="9144000"/>
           </a:xfrm>
         </p:spPr>
         <p:txBody>
           <a:bodyPr/>
           <a:lstStyle>
-            <a:lvl1pPr marL="0" indent="0" algn="ctr">
+            <a:lvl1pPr algn="ctr" indent="0" marL="0">
               <a:buNone/>
               <a:defRPr sz="2400"/>
             </a:lvl1pPr>
-            <a:lvl2pPr marL="457200" indent="0" algn="ctr">
+            <a:lvl2pPr algn="ctr" indent="0" marL="457200">
               <a:buNone/>
               <a:defRPr sz="2000"/>
             </a:lvl2pPr>
-            <a:lvl3pPr marL="914400" indent="0" algn="ctr">
+            <a:lvl3pPr algn="ctr" indent="0" marL="914400">
               <a:buNone/>
               <a:defRPr sz="1800"/>
             </a:lvl3pPr>
-            <a:lvl4pPr marL="1371600" indent="0" algn="ctr">
+            <a:lvl4pPr algn="ctr" indent="0" marL="1371600">
               <a:buNone/>
               <a:defRPr sz="1600"/>
             </a:lvl4pPr>
-            <a:lvl5pPr marL="1828800" indent="0" algn="ctr">
+            <a:lvl5pPr algn="ctr" indent="0" marL="1828800">
               <a:buNone/>
               <a:defRPr sz="1600"/>
             </a:lvl5pPr>
-            <a:lvl6pPr marL="2286000" indent="0" algn="ctr">
+            <a:lvl6pPr algn="ctr" indent="0" marL="2286000">
               <a:buNone/>
               <a:defRPr sz="1600"/>
             </a:lvl6pPr>
-            <a:lvl7pPr marL="2743200" indent="0" algn="ctr">
+            <a:lvl7pPr algn="ctr" indent="0" marL="2743200">
               <a:buNone/>
               <a:defRPr sz="1600"/>
             </a:lvl7pPr>
-            <a:lvl8pPr marL="3200400" indent="0" algn="ctr">
+            <a:lvl8pPr algn="ctr" indent="0" marL="3200400">
               <a:buNone/>
               <a:defRPr sz="1600"/>
             </a:lvl8pPr>
-            <a:lvl9pPr marL="3657600" indent="0" algn="ctr">
+            <a:lvl9pPr algn="ctr" indent="0" marL="3657600">
               <a:buNone/>
               <a:defRPr sz="1600"/>
             </a:lvl9pPr>
           </a:lstStyle>
           <a:p>
             <a:r>
-              <a:rPr lang="fr-FR" smtClean="false"/>
+              <a:rPr smtClean="false" lang="fr-FR"/>
               <a:t>Modifiez le style des sous-titres du masque</a:t>
             </a:r>
             <a:endParaRPr lang="fr-FR"/>
@@ -228,12 +228,12 @@
       </p:sp>
       <p:sp>
         <p:nvSpPr>
-          <p:cNvPr id="4" name="Espace réservé de la date 3"/>
+          <p:cNvPr name="Espace réservé de la date 3" id="4"/>
           <p:cNvSpPr>
             <a:spLocks noGrp="true"/>
           </p:cNvSpPr>
           <p:nvPr>
-            <p:ph type="dt" sz="half" idx="10"/>
+            <p:ph idx="10" sz="half" type="dt"/>
           </p:nvPr>
         </p:nvSpPr>
         <p:spPr/>
@@ -241,8 +241,8 @@
           <a:bodyPr/>
           <a:lstStyle/>
           <a:p>
-            <a:fld id="{CE3110EA-6548-4EF6-B0A9-8F847AEECEDD}" type="datetimeFigureOut">
-              <a:rPr lang="fr-FR" smtClean="false"/>
+            <a:fld type="datetimeFigureOut" id="{CE3110EA-6548-4EF6-B0A9-8F847AEECEDD}">
+              <a:rPr smtClean="false" lang="fr-FR"/>
               <a:t>07/12/2013</a:t>
             </a:fld>
             <a:endParaRPr lang="fr-FR"/>
@@ -251,12 +251,12 @@
       </p:sp>
       <p:sp>
         <p:nvSpPr>
-          <p:cNvPr id="5" name="Espace réservé du pied de page 4"/>
+          <p:cNvPr name="Espace réservé du pied de page 4" id="5"/>
           <p:cNvSpPr>
             <a:spLocks noGrp="true"/>
           </p:cNvSpPr>
           <p:nvPr>
-            <p:ph type="ftr" sz="quarter" idx="11"/>
+            <p:ph idx="11" sz="quarter" type="ftr"/>
           </p:nvPr>
         </p:nvSpPr>
         <p:spPr/>
@@ -270,12 +270,12 @@
       </p:sp>
       <p:sp>
         <p:nvSpPr>
-          <p:cNvPr id="6" name="Espace réservé du numéro de diapositive 5"/>
+          <p:cNvPr name="Espace réservé du numéro de diapositive 5" id="6"/>
           <p:cNvSpPr>
             <a:spLocks noGrp="true"/>
           </p:cNvSpPr>
           <p:nvPr>
-            <p:ph type="sldNum" sz="quarter" idx="12"/>
+            <p:ph idx="12" sz="quarter" type="sldNum"/>
           </p:nvPr>
         </p:nvSpPr>
         <p:spPr/>
@@ -283,8 +283,8 @@
           <a:bodyPr/>
           <a:lstStyle/>
           <a:p>
-            <a:fld id="{C47AABF0-D73A-43C1-84CC-8A30B6535388}" type="slidenum">
-              <a:rPr lang="fr-FR" smtClean="false"/>
+            <a:fld type="slidenum" id="{C47AABF0-D73A-43C1-84CC-8A30B6535388}">
+              <a:rPr smtClean="false" lang="fr-FR"/>
               <a:t>‹N°›</a:t>
             </a:fld>
             <a:endParaRPr lang="fr-FR"/>
@@ -304,7 +304,7 @@
   <p:timing>
     <p:tnLst>
       <p:par>
-        <p:cTn id="1" dur="indefinite" restart="never" nodeType="tmRoot"/>
+        <p:cTn nodeType="tmRoot" restart="never" dur="indefinite" id="1"/>
       </p:par>
     </p:tnLst>
   </p:timing>
@@ -312,36 +312,36 @@
 </file>
 
 <file path=ppt/slideLayouts/slideLayout10.xml><?xml version="1.0" encoding="utf-8"?>
-<p:sldLayout xmlns:r="http://schemas.openxmlformats.org/officeDocument/2006/relationships" xmlns:a="http://schemas.openxmlformats.org/drawingml/2006/main" xmlns:p="http://schemas.openxmlformats.org/presentationml/2006/main" xmlns:mc="http://schemas.openxmlformats.org/markup-compatibility/2006" xmlns:c="http://schemas.openxmlformats.org/drawingml/2006/chart" xmlns:ns6="http://schemas.openxmlformats.org/drawingml/2006/chartDrawing" xmlns:dgm="http://schemas.openxmlformats.org/drawingml/2006/diagram" xmlns:pic="http://schemas.openxmlformats.org/drawingml/2006/picture" xmlns:wp="http://schemas.openxmlformats.org/drawingml/2006/wordprocessingDrawing" xmlns:xdr="http://schemas.openxmlformats.org/drawingml/2006/spreadsheetDrawing" xmlns:ns11="http://schemas.openxmlformats.org/drawingml/2006/compatibility" xmlns:ns12="http://schemas.openxmlformats.org/drawingml/2006/lockedCanvas" type="vertTitleAndTx" preserve="true">
+<p:sldLayout xmlns:r="http://schemas.openxmlformats.org/officeDocument/2006/relationships" xmlns:a="http://schemas.openxmlformats.org/drawingml/2006/main" xmlns:p="http://schemas.openxmlformats.org/presentationml/2006/main" xmlns:mc="http://schemas.openxmlformats.org/markup-compatibility/2006" xmlns:c="http://schemas.openxmlformats.org/drawingml/2006/chart" xmlns:ns6="http://schemas.openxmlformats.org/drawingml/2006/chartDrawing" xmlns:dgm="http://schemas.openxmlformats.org/drawingml/2006/diagram" xmlns:pic="http://schemas.openxmlformats.org/drawingml/2006/picture" xmlns:wp="http://schemas.openxmlformats.org/drawingml/2006/wordprocessingDrawing" xmlns:xdr="http://schemas.openxmlformats.org/drawingml/2006/spreadsheetDrawing" xmlns:ns11="http://schemas.openxmlformats.org/drawingml/2006/compatibility" xmlns:ns12="http://schemas.openxmlformats.org/drawingml/2006/lockedCanvas" preserve="true" type="vertTitleAndTx">
   <p:cSld name="Vertical Title and Text">
     <p:spTree>
       <p:nvGrpSpPr>
-        <p:cNvPr id="1" name=""/>
+        <p:cNvPr name="" id="1"/>
         <p:cNvGrpSpPr/>
         <p:nvPr/>
       </p:nvGrpSpPr>
       <p:grpSpPr>
         <a:xfrm>
-          <a:off x="0" y="0"/>
-          <a:ext cx="0" cy="0"/>
-          <a:chOff x="0" y="0"/>
-          <a:chExt cx="0" cy="0"/>
+          <a:off y="0" x="0"/>
+          <a:ext cy="0" cx="0"/>
+          <a:chOff y="0" x="0"/>
+          <a:chExt cy="0" cx="0"/>
         </a:xfrm>
       </p:grpSpPr>
       <p:sp>
         <p:nvSpPr>
-          <p:cNvPr id="2" name="Titre vertical 1"/>
+          <p:cNvPr name="Titre vertical 1" id="2"/>
           <p:cNvSpPr>
             <a:spLocks noGrp="true"/>
           </p:cNvSpPr>
           <p:nvPr>
-            <p:ph type="title" orient="vert"/>
+            <p:ph orient="vert" type="title"/>
           </p:nvPr>
         </p:nvSpPr>
         <p:spPr>
           <a:xfrm>
-            <a:off x="8724900" y="365125"/>
-            <a:ext cx="2628900" cy="5811838"/>
+            <a:off y="365125" x="8724900"/>
+            <a:ext cy="5811838" cx="2628900"/>
           </a:xfrm>
         </p:spPr>
         <p:txBody>
@@ -349,7 +349,7 @@
           <a:lstStyle/>
           <a:p>
             <a:r>
-              <a:rPr lang="fr-FR" smtClean="false"/>
+              <a:rPr smtClean="false" lang="fr-FR"/>
               <a:t>Modifiez le style du titre</a:t>
             </a:r>
             <a:endParaRPr lang="fr-FR"/>
@@ -358,18 +358,18 @@
       </p:sp>
       <p:sp>
         <p:nvSpPr>
-          <p:cNvPr id="3" name="Espace réservé du texte vertical 2"/>
+          <p:cNvPr name="Espace réservé du texte vertical 2" id="3"/>
           <p:cNvSpPr>
             <a:spLocks noGrp="true"/>
           </p:cNvSpPr>
           <p:nvPr>
-            <p:ph type="body" orient="vert" idx="1"/>
+            <p:ph idx="1" orient="vert" type="body"/>
           </p:nvPr>
         </p:nvSpPr>
         <p:spPr>
           <a:xfrm>
-            <a:off x="838200" y="365125"/>
-            <a:ext cx="7734300" cy="5811838"/>
+            <a:off y="365125" x="838200"/>
+            <a:ext cy="5811838" cx="7734300"/>
           </a:xfrm>
         </p:spPr>
         <p:txBody>
@@ -378,35 +378,35 @@
           <a:p>
             <a:pPr lvl="0"/>
             <a:r>
-              <a:rPr lang="fr-FR" smtClean="false"/>
+              <a:rPr smtClean="false" lang="fr-FR"/>
               <a:t>Modifiez les styles du texte du masque</a:t>
             </a:r>
           </a:p>
           <a:p>
             <a:pPr lvl="1"/>
             <a:r>
-              <a:rPr lang="fr-FR" smtClean="false"/>
+              <a:rPr smtClean="false" lang="fr-FR"/>
               <a:t>Deuxième niveau</a:t>
             </a:r>
           </a:p>
           <a:p>
             <a:pPr lvl="2"/>
             <a:r>
-              <a:rPr lang="fr-FR" smtClean="false"/>
+              <a:rPr smtClean="false" lang="fr-FR"/>
               <a:t>Troisième niveau</a:t>
             </a:r>
           </a:p>
           <a:p>
             <a:pPr lvl="3"/>
             <a:r>
-              <a:rPr lang="fr-FR" smtClean="false"/>
+              <a:rPr smtClean="false" lang="fr-FR"/>
               <a:t>Quatrième niveau</a:t>
             </a:r>
           </a:p>
           <a:p>
             <a:pPr lvl="4"/>
             <a:r>
-              <a:rPr lang="fr-FR" smtClean="false"/>
+              <a:rPr smtClean="false" lang="fr-FR"/>
               <a:t>Cinquième niveau</a:t>
             </a:r>
             <a:endParaRPr lang="fr-FR"/>
@@ -415,12 +415,12 @@
       </p:sp>
       <p:sp>
         <p:nvSpPr>
-          <p:cNvPr id="4" name="Espace réservé de la date 3"/>
+          <p:cNvPr name="Espace réservé de la date 3" id="4"/>
           <p:cNvSpPr>
             <a:spLocks noGrp="true"/>
           </p:cNvSpPr>
           <p:nvPr>
-            <p:ph type="dt" sz="half" idx="10"/>
+            <p:ph idx="10" sz="half" type="dt"/>
           </p:nvPr>
         </p:nvSpPr>
         <p:spPr/>
@@ -428,8 +428,8 @@
           <a:bodyPr/>
           <a:lstStyle/>
           <a:p>
-            <a:fld id="{CE3110EA-6548-4EF6-B0A9-8F847AEECEDD}" type="datetimeFigureOut">
-              <a:rPr lang="fr-FR" smtClean="false"/>
+            <a:fld type="datetimeFigureOut" id="{CE3110EA-6548-4EF6-B0A9-8F847AEECEDD}">
+              <a:rPr smtClean="false" lang="fr-FR"/>
               <a:t>07/12/2013</a:t>
             </a:fld>
             <a:endParaRPr lang="fr-FR"/>
@@ -438,12 +438,12 @@
       </p:sp>
       <p:sp>
         <p:nvSpPr>
-          <p:cNvPr id="5" name="Espace réservé du pied de page 4"/>
+          <p:cNvPr name="Espace réservé du pied de page 4" id="5"/>
           <p:cNvSpPr>
             <a:spLocks noGrp="true"/>
           </p:cNvSpPr>
           <p:nvPr>
-            <p:ph type="ftr" sz="quarter" idx="11"/>
+            <p:ph idx="11" sz="quarter" type="ftr"/>
           </p:nvPr>
         </p:nvSpPr>
         <p:spPr/>
@@ -457,12 +457,12 @@
       </p:sp>
       <p:sp>
         <p:nvSpPr>
-          <p:cNvPr id="6" name="Espace réservé du numéro de diapositive 5"/>
+          <p:cNvPr name="Espace réservé du numéro de diapositive 5" id="6"/>
           <p:cNvSpPr>
             <a:spLocks noGrp="true"/>
           </p:cNvSpPr>
           <p:nvPr>
-            <p:ph type="sldNum" sz="quarter" idx="12"/>
+            <p:ph idx="12" sz="quarter" type="sldNum"/>
           </p:nvPr>
         </p:nvSpPr>
         <p:spPr/>
@@ -470,8 +470,8 @@
           <a:bodyPr/>
           <a:lstStyle/>
           <a:p>
-            <a:fld id="{C47AABF0-D73A-43C1-84CC-8A30B6535388}" type="slidenum">
-              <a:rPr lang="fr-FR" smtClean="false"/>
+            <a:fld type="slidenum" id="{C47AABF0-D73A-43C1-84CC-8A30B6535388}">
+              <a:rPr smtClean="false" lang="fr-FR"/>
               <a:t>‹N°›</a:t>
             </a:fld>
             <a:endParaRPr lang="fr-FR"/>
@@ -491,7 +491,7 @@
   <p:timing>
     <p:tnLst>
       <p:par>
-        <p:cTn id="1" dur="indefinite" restart="never" nodeType="tmRoot"/>
+        <p:cTn nodeType="tmRoot" restart="never" dur="indefinite" id="1"/>
       </p:par>
     </p:tnLst>
   </p:timing>
@@ -499,25 +499,25 @@
 </file>
 
 <file path=ppt/slideLayouts/slideLayout2.xml><?xml version="1.0" encoding="utf-8"?>
-<p:sldLayout xmlns:r="http://schemas.openxmlformats.org/officeDocument/2006/relationships" xmlns:a="http://schemas.openxmlformats.org/drawingml/2006/main" xmlns:p="http://schemas.openxmlformats.org/presentationml/2006/main" xmlns:mc="http://schemas.openxmlformats.org/markup-compatibility/2006" xmlns:c="http://schemas.openxmlformats.org/drawingml/2006/chart" xmlns:ns6="http://schemas.openxmlformats.org/drawingml/2006/chartDrawing" xmlns:dgm="http://schemas.openxmlformats.org/drawingml/2006/diagram" xmlns:pic="http://schemas.openxmlformats.org/drawingml/2006/picture" xmlns:wp="http://schemas.openxmlformats.org/drawingml/2006/wordprocessingDrawing" xmlns:xdr="http://schemas.openxmlformats.org/drawingml/2006/spreadsheetDrawing" xmlns:ns11="http://schemas.openxmlformats.org/drawingml/2006/compatibility" xmlns:ns12="http://schemas.openxmlformats.org/drawingml/2006/lockedCanvas" type="obj" preserve="true">
+<p:sldLayout xmlns:r="http://schemas.openxmlformats.org/officeDocument/2006/relationships" xmlns:a="http://schemas.openxmlformats.org/drawingml/2006/main" xmlns:p="http://schemas.openxmlformats.org/presentationml/2006/main" xmlns:mc="http://schemas.openxmlformats.org/markup-compatibility/2006" xmlns:c="http://schemas.openxmlformats.org/drawingml/2006/chart" xmlns:ns6="http://schemas.openxmlformats.org/drawingml/2006/chartDrawing" xmlns:dgm="http://schemas.openxmlformats.org/drawingml/2006/diagram" xmlns:pic="http://schemas.openxmlformats.org/drawingml/2006/picture" xmlns:wp="http://schemas.openxmlformats.org/drawingml/2006/wordprocessingDrawing" xmlns:xdr="http://schemas.openxmlformats.org/drawingml/2006/spreadsheetDrawing" xmlns:ns11="http://schemas.openxmlformats.org/drawingml/2006/compatibility" xmlns:ns12="http://schemas.openxmlformats.org/drawingml/2006/lockedCanvas" preserve="true" type="obj">
   <p:cSld name="Title and Content">
     <p:spTree>
       <p:nvGrpSpPr>
-        <p:cNvPr id="1" name=""/>
+        <p:cNvPr name="" id="1"/>
         <p:cNvGrpSpPr/>
         <p:nvPr/>
       </p:nvGrpSpPr>
       <p:grpSpPr>
         <a:xfrm>
-          <a:off x="0" y="0"/>
-          <a:ext cx="0" cy="0"/>
-          <a:chOff x="0" y="0"/>
-          <a:chExt cx="0" cy="0"/>
+          <a:off y="0" x="0"/>
+          <a:ext cy="0" cx="0"/>
+          <a:chOff y="0" x="0"/>
+          <a:chExt cy="0" cx="0"/>
         </a:xfrm>
       </p:grpSpPr>
       <p:sp>
         <p:nvSpPr>
-          <p:cNvPr id="2" name="Titre 1"/>
+          <p:cNvPr name="Titre 1" id="2"/>
           <p:cNvSpPr>
             <a:spLocks noGrp="true"/>
           </p:cNvSpPr>
@@ -531,7 +531,7 @@
           <a:lstStyle/>
           <a:p>
             <a:r>
-              <a:rPr lang="fr-FR" smtClean="false"/>
+              <a:rPr smtClean="false" lang="fr-FR"/>
               <a:t>Modifiez le style du titre</a:t>
             </a:r>
             <a:endParaRPr lang="fr-FR"/>
@@ -540,7 +540,7 @@
       </p:sp>
       <p:sp>
         <p:nvSpPr>
-          <p:cNvPr id="3" name="Espace réservé du contenu 2"/>
+          <p:cNvPr name="Espace réservé du contenu 2" id="3"/>
           <p:cNvSpPr>
             <a:spLocks noGrp="true"/>
           </p:cNvSpPr>
@@ -550,8 +550,8 @@
         </p:nvSpPr>
         <p:spPr>
           <a:xfrm>
-            <a:off x="838200" y="1825625"/>
-            <a:ext cx="10515600" cy="4351338"/>
+            <a:off y="1825625" x="838200"/>
+            <a:ext cy="4351338" cx="10515600"/>
           </a:xfrm>
         </p:spPr>
         <p:txBody>
@@ -560,35 +560,35 @@
           <a:p>
             <a:pPr lvl="0"/>
             <a:r>
-              <a:rPr lang="fr-FR" smtClean="false"/>
+              <a:rPr smtClean="false" lang="fr-FR"/>
               <a:t>Modifiez les styles du texte du masque</a:t>
             </a:r>
           </a:p>
           <a:p>
             <a:pPr lvl="1"/>
             <a:r>
-              <a:rPr lang="fr-FR" smtClean="false"/>
+              <a:rPr smtClean="false" lang="fr-FR"/>
               <a:t>Deuxième niveau</a:t>
             </a:r>
           </a:p>
           <a:p>
             <a:pPr lvl="2"/>
             <a:r>
-              <a:rPr lang="fr-FR" smtClean="false"/>
+              <a:rPr smtClean="false" lang="fr-FR"/>
               <a:t>Troisième niveau</a:t>
             </a:r>
           </a:p>
           <a:p>
             <a:pPr lvl="3"/>
             <a:r>
-              <a:rPr lang="fr-FR" smtClean="false"/>
+              <a:rPr smtClean="false" lang="fr-FR"/>
               <a:t>Quatrième niveau</a:t>
             </a:r>
           </a:p>
           <a:p>
             <a:pPr lvl="4"/>
             <a:r>
-              <a:rPr lang="fr-FR" smtClean="false"/>
+              <a:rPr smtClean="false" lang="fr-FR"/>
               <a:t>Cinquième niveau</a:t>
             </a:r>
             <a:endParaRPr lang="fr-FR"/>
@@ -597,12 +597,12 @@
       </p:sp>
       <p:sp>
         <p:nvSpPr>
-          <p:cNvPr id="4" name="Espace réservé de la date 3"/>
+          <p:cNvPr name="Espace réservé de la date 3" id="4"/>
           <p:cNvSpPr>
             <a:spLocks noGrp="true"/>
           </p:cNvSpPr>
           <p:nvPr>
-            <p:ph type="dt" sz="half" idx="10"/>
+            <p:ph idx="10" sz="half" type="dt"/>
           </p:nvPr>
         </p:nvSpPr>
         <p:spPr/>
@@ -610,8 +610,8 @@
           <a:bodyPr/>
           <a:lstStyle/>
           <a:p>
-            <a:fld id="{CE3110EA-6548-4EF6-B0A9-8F847AEECEDD}" type="datetimeFigureOut">
-              <a:rPr lang="fr-FR" smtClean="false"/>
+            <a:fld type="datetimeFigureOut" id="{CE3110EA-6548-4EF6-B0A9-8F847AEECEDD}">
+              <a:rPr smtClean="false" lang="fr-FR"/>
               <a:t>07/12/2013</a:t>
             </a:fld>
             <a:endParaRPr lang="fr-FR"/>
@@ -620,12 +620,12 @@
       </p:sp>
       <p:sp>
         <p:nvSpPr>
-          <p:cNvPr id="5" name="Espace réservé du pied de page 4"/>
+          <p:cNvPr name="Espace réservé du pied de page 4" id="5"/>
           <p:cNvSpPr>
             <a:spLocks noGrp="true"/>
           </p:cNvSpPr>
           <p:nvPr>
-            <p:ph type="ftr" sz="quarter" idx="11"/>
+            <p:ph idx="11" sz="quarter" type="ftr"/>
           </p:nvPr>
         </p:nvSpPr>
         <p:spPr/>
@@ -639,12 +639,12 @@
       </p:sp>
       <p:sp>
         <p:nvSpPr>
-          <p:cNvPr id="6" name="Espace réservé du numéro de diapositive 5"/>
+          <p:cNvPr name="Espace réservé du numéro de diapositive 5" id="6"/>
           <p:cNvSpPr>
             <a:spLocks noGrp="true"/>
           </p:cNvSpPr>
           <p:nvPr>
-            <p:ph type="sldNum" sz="quarter" idx="12"/>
+            <p:ph idx="12" sz="quarter" type="sldNum"/>
           </p:nvPr>
         </p:nvSpPr>
         <p:spPr/>
@@ -652,8 +652,8 @@
           <a:bodyPr/>
           <a:lstStyle/>
           <a:p>
-            <a:fld id="{C47AABF0-D73A-43C1-84CC-8A30B6535388}" type="slidenum">
-              <a:rPr lang="fr-FR" smtClean="false"/>
+            <a:fld type="slidenum" id="{C47AABF0-D73A-43C1-84CC-8A30B6535388}">
+              <a:rPr smtClean="false" lang="fr-FR"/>
               <a:t>‹N°›</a:t>
             </a:fld>
             <a:endParaRPr lang="fr-FR"/>
@@ -673,7 +673,7 @@
   <p:timing>
     <p:tnLst>
       <p:par>
-        <p:cTn id="1" dur="indefinite" restart="never" nodeType="tmRoot"/>
+        <p:cTn nodeType="tmRoot" restart="never" dur="indefinite" id="1"/>
       </p:par>
     </p:tnLst>
   </p:timing>
@@ -681,25 +681,25 @@
 </file>
 
 <file path=ppt/slideLayouts/slideLayout3.xml><?xml version="1.0" encoding="utf-8"?>
-<p:sldLayout xmlns:r="http://schemas.openxmlformats.org/officeDocument/2006/relationships" xmlns:a="http://schemas.openxmlformats.org/drawingml/2006/main" xmlns:p="http://schemas.openxmlformats.org/presentationml/2006/main" xmlns:mc="http://schemas.openxmlformats.org/markup-compatibility/2006" xmlns:c="http://schemas.openxmlformats.org/drawingml/2006/chart" xmlns:ns6="http://schemas.openxmlformats.org/drawingml/2006/chartDrawing" xmlns:dgm="http://schemas.openxmlformats.org/drawingml/2006/diagram" xmlns:pic="http://schemas.openxmlformats.org/drawingml/2006/picture" xmlns:wp="http://schemas.openxmlformats.org/drawingml/2006/wordprocessingDrawing" xmlns:xdr="http://schemas.openxmlformats.org/drawingml/2006/spreadsheetDrawing" xmlns:ns11="http://schemas.openxmlformats.org/drawingml/2006/compatibility" xmlns:ns12="http://schemas.openxmlformats.org/drawingml/2006/lockedCanvas" type="secHead" preserve="true">
+<p:sldLayout xmlns:r="http://schemas.openxmlformats.org/officeDocument/2006/relationships" xmlns:a="http://schemas.openxmlformats.org/drawingml/2006/main" xmlns:p="http://schemas.openxmlformats.org/presentationml/2006/main" xmlns:mc="http://schemas.openxmlformats.org/markup-compatibility/2006" xmlns:c="http://schemas.openxmlformats.org/drawingml/2006/chart" xmlns:ns6="http://schemas.openxmlformats.org/drawingml/2006/chartDrawing" xmlns:dgm="http://schemas.openxmlformats.org/drawingml/2006/diagram" xmlns:pic="http://schemas.openxmlformats.org/drawingml/2006/picture" xmlns:wp="http://schemas.openxmlformats.org/drawingml/2006/wordprocessingDrawing" xmlns:xdr="http://schemas.openxmlformats.org/drawingml/2006/spreadsheetDrawing" xmlns:ns11="http://schemas.openxmlformats.org/drawingml/2006/compatibility" xmlns:ns12="http://schemas.openxmlformats.org/drawingml/2006/lockedCanvas" preserve="true" type="secHead">
   <p:cSld name="Section Header">
     <p:spTree>
       <p:nvGrpSpPr>
-        <p:cNvPr id="1" name=""/>
+        <p:cNvPr name="" id="1"/>
         <p:cNvGrpSpPr/>
         <p:nvPr/>
       </p:nvGrpSpPr>
       <p:grpSpPr>
         <a:xfrm>
-          <a:off x="0" y="0"/>
-          <a:ext cx="0" cy="0"/>
-          <a:chOff x="0" y="0"/>
-          <a:chExt cx="0" cy="0"/>
+          <a:off y="0" x="0"/>
+          <a:ext cy="0" cx="0"/>
+          <a:chOff y="0" x="0"/>
+          <a:chExt cy="0" cx="0"/>
         </a:xfrm>
       </p:grpSpPr>
       <p:sp>
         <p:nvSpPr>
-          <p:cNvPr id="2" name="Titre 1"/>
+          <p:cNvPr name="Titre 1" id="2"/>
           <p:cNvSpPr>
             <a:spLocks noGrp="true"/>
           </p:cNvSpPr>
@@ -709,8 +709,8 @@
         </p:nvSpPr>
         <p:spPr>
           <a:xfrm>
-            <a:off x="831850" y="1709738"/>
-            <a:ext cx="10515600" cy="2852737"/>
+            <a:off y="1709738" x="831850"/>
+            <a:ext cy="2852737" cx="10515600"/>
           </a:xfrm>
         </p:spPr>
         <p:txBody>
@@ -722,7 +722,7 @@
           </a:lstStyle>
           <a:p>
             <a:r>
-              <a:rPr lang="fr-FR" smtClean="false"/>
+              <a:rPr smtClean="false" lang="fr-FR"/>
               <a:t>Modifiez le style du titre</a:t>
             </a:r>
             <a:endParaRPr lang="fr-FR"/>
@@ -731,24 +731,24 @@
       </p:sp>
       <p:sp>
         <p:nvSpPr>
-          <p:cNvPr id="3" name="Espace réservé du texte 2"/>
+          <p:cNvPr name="Espace réservé du texte 2" id="3"/>
           <p:cNvSpPr>
             <a:spLocks noGrp="true"/>
           </p:cNvSpPr>
           <p:nvPr>
-            <p:ph type="body" idx="1"/>
+            <p:ph idx="1" type="body"/>
           </p:nvPr>
         </p:nvSpPr>
         <p:spPr>
           <a:xfrm>
-            <a:off x="831850" y="4589463"/>
-            <a:ext cx="10515600" cy="1500187"/>
+            <a:off y="4589463" x="831850"/>
+            <a:ext cy="1500187" cx="10515600"/>
           </a:xfrm>
         </p:spPr>
         <p:txBody>
           <a:bodyPr/>
           <a:lstStyle>
-            <a:lvl1pPr marL="0" indent="0">
+            <a:lvl1pPr indent="0" marL="0">
               <a:buNone/>
               <a:defRPr sz="2400">
                 <a:solidFill>
@@ -758,7 +758,7 @@
                 </a:solidFill>
               </a:defRPr>
             </a:lvl1pPr>
-            <a:lvl2pPr marL="457200" indent="0">
+            <a:lvl2pPr indent="0" marL="457200">
               <a:buNone/>
               <a:defRPr sz="2000">
                 <a:solidFill>
@@ -768,7 +768,7 @@
                 </a:solidFill>
               </a:defRPr>
             </a:lvl2pPr>
-            <a:lvl3pPr marL="914400" indent="0">
+            <a:lvl3pPr indent="0" marL="914400">
               <a:buNone/>
               <a:defRPr sz="1800">
                 <a:solidFill>
@@ -778,7 +778,7 @@
                 </a:solidFill>
               </a:defRPr>
             </a:lvl3pPr>
-            <a:lvl4pPr marL="1371600" indent="0">
+            <a:lvl4pPr indent="0" marL="1371600">
               <a:buNone/>
               <a:defRPr sz="1600">
                 <a:solidFill>
@@ -788,7 +788,7 @@
                 </a:solidFill>
               </a:defRPr>
             </a:lvl4pPr>
-            <a:lvl5pPr marL="1828800" indent="0">
+            <a:lvl5pPr indent="0" marL="1828800">
               <a:buNone/>
               <a:defRPr sz="1600">
                 <a:solidFill>
@@ -798,7 +798,7 @@
                 </a:solidFill>
               </a:defRPr>
             </a:lvl5pPr>
-            <a:lvl6pPr marL="2286000" indent="0">
+            <a:lvl6pPr indent="0" marL="2286000">
               <a:buNone/>
               <a:defRPr sz="1600">
                 <a:solidFill>
@@ -808,7 +808,7 @@
                 </a:solidFill>
               </a:defRPr>
             </a:lvl6pPr>
-            <a:lvl7pPr marL="2743200" indent="0">
+            <a:lvl7pPr indent="0" marL="2743200">
               <a:buNone/>
               <a:defRPr sz="1600">
                 <a:solidFill>
@@ -818,7 +818,7 @@
                 </a:solidFill>
               </a:defRPr>
             </a:lvl7pPr>
-            <a:lvl8pPr marL="3200400" indent="0">
+            <a:lvl8pPr indent="0" marL="3200400">
               <a:buNone/>
               <a:defRPr sz="1600">
                 <a:solidFill>
@@ -828,7 +828,7 @@
                 </a:solidFill>
               </a:defRPr>
             </a:lvl8pPr>
-            <a:lvl9pPr marL="3657600" indent="0">
+            <a:lvl9pPr indent="0" marL="3657600">
               <a:buNone/>
               <a:defRPr sz="1600">
                 <a:solidFill>
@@ -842,7 +842,7 @@
           <a:p>
             <a:pPr lvl="0"/>
             <a:r>
-              <a:rPr lang="fr-FR" smtClean="false"/>
+              <a:rPr smtClean="false" lang="fr-FR"/>
               <a:t>Modifiez les styles du texte du masque</a:t>
             </a:r>
           </a:p>
@@ -850,12 +850,12 @@
       </p:sp>
       <p:sp>
         <p:nvSpPr>
-          <p:cNvPr id="4" name="Espace réservé de la date 3"/>
+          <p:cNvPr name="Espace réservé de la date 3" id="4"/>
           <p:cNvSpPr>
             <a:spLocks noGrp="true"/>
           </p:cNvSpPr>
           <p:nvPr>
-            <p:ph type="dt" sz="half" idx="10"/>
+            <p:ph idx="10" sz="half" type="dt"/>
           </p:nvPr>
         </p:nvSpPr>
         <p:spPr/>
@@ -863,8 +863,8 @@
           <a:bodyPr/>
           <a:lstStyle/>
           <a:p>
-            <a:fld id="{CE3110EA-6548-4EF6-B0A9-8F847AEECEDD}" type="datetimeFigureOut">
-              <a:rPr lang="fr-FR" smtClean="false"/>
+            <a:fld type="datetimeFigureOut" id="{CE3110EA-6548-4EF6-B0A9-8F847AEECEDD}">
+              <a:rPr smtClean="false" lang="fr-FR"/>
               <a:t>07/12/2013</a:t>
             </a:fld>
             <a:endParaRPr lang="fr-FR"/>
@@ -873,12 +873,12 @@
       </p:sp>
       <p:sp>
         <p:nvSpPr>
-          <p:cNvPr id="5" name="Espace réservé du pied de page 4"/>
+          <p:cNvPr name="Espace réservé du pied de page 4" id="5"/>
           <p:cNvSpPr>
             <a:spLocks noGrp="true"/>
           </p:cNvSpPr>
           <p:nvPr>
-            <p:ph type="ftr" sz="quarter" idx="11"/>
+            <p:ph idx="11" sz="quarter" type="ftr"/>
           </p:nvPr>
         </p:nvSpPr>
         <p:spPr/>
@@ -892,12 +892,12 @@
       </p:sp>
       <p:sp>
         <p:nvSpPr>
-          <p:cNvPr id="6" name="Espace réservé du numéro de diapositive 5"/>
+          <p:cNvPr name="Espace réservé du numéro de diapositive 5" id="6"/>
           <p:cNvSpPr>
             <a:spLocks noGrp="true"/>
           </p:cNvSpPr>
           <p:nvPr>
-            <p:ph type="sldNum" sz="quarter" idx="12"/>
+            <p:ph idx="12" sz="quarter" type="sldNum"/>
           </p:nvPr>
         </p:nvSpPr>
         <p:spPr/>
@@ -905,8 +905,8 @@
           <a:bodyPr/>
           <a:lstStyle/>
           <a:p>
-            <a:fld id="{C47AABF0-D73A-43C1-84CC-8A30B6535388}" type="slidenum">
-              <a:rPr lang="fr-FR" smtClean="false"/>
+            <a:fld type="slidenum" id="{C47AABF0-D73A-43C1-84CC-8A30B6535388}">
+              <a:rPr smtClean="false" lang="fr-FR"/>
               <a:t>‹N°›</a:t>
             </a:fld>
             <a:endParaRPr lang="fr-FR"/>
@@ -926,7 +926,7 @@
   <p:timing>
     <p:tnLst>
       <p:par>
-        <p:cTn id="1" dur="indefinite" restart="never" nodeType="tmRoot"/>
+        <p:cTn nodeType="tmRoot" restart="never" dur="indefinite" id="1"/>
       </p:par>
     </p:tnLst>
   </p:timing>
@@ -934,25 +934,25 @@
 </file>
 
 <file path=ppt/slideLayouts/slideLayout4.xml><?xml version="1.0" encoding="utf-8"?>
-<p:sldLayout xmlns:r="http://schemas.openxmlformats.org/officeDocument/2006/relationships" xmlns:a="http://schemas.openxmlformats.org/drawingml/2006/main" xmlns:p="http://schemas.openxmlformats.org/presentationml/2006/main" xmlns:mc="http://schemas.openxmlformats.org/markup-compatibility/2006" xmlns:c="http://schemas.openxmlformats.org/drawingml/2006/chart" xmlns:ns6="http://schemas.openxmlformats.org/drawingml/2006/chartDrawing" xmlns:dgm="http://schemas.openxmlformats.org/drawingml/2006/diagram" xmlns:pic="http://schemas.openxmlformats.org/drawingml/2006/picture" xmlns:wp="http://schemas.openxmlformats.org/drawingml/2006/wordprocessingDrawing" xmlns:xdr="http://schemas.openxmlformats.org/drawingml/2006/spreadsheetDrawing" xmlns:ns11="http://schemas.openxmlformats.org/drawingml/2006/compatibility" xmlns:ns12="http://schemas.openxmlformats.org/drawingml/2006/lockedCanvas" type="twoObj" preserve="true">
+<p:sldLayout xmlns:r="http://schemas.openxmlformats.org/officeDocument/2006/relationships" xmlns:a="http://schemas.openxmlformats.org/drawingml/2006/main" xmlns:p="http://schemas.openxmlformats.org/presentationml/2006/main" xmlns:mc="http://schemas.openxmlformats.org/markup-compatibility/2006" xmlns:c="http://schemas.openxmlformats.org/drawingml/2006/chart" xmlns:ns6="http://schemas.openxmlformats.org/drawingml/2006/chartDrawing" xmlns:dgm="http://schemas.openxmlformats.org/drawingml/2006/diagram" xmlns:pic="http://schemas.openxmlformats.org/drawingml/2006/picture" xmlns:wp="http://schemas.openxmlformats.org/drawingml/2006/wordprocessingDrawing" xmlns:xdr="http://schemas.openxmlformats.org/drawingml/2006/spreadsheetDrawing" xmlns:ns11="http://schemas.openxmlformats.org/drawingml/2006/compatibility" xmlns:ns12="http://schemas.openxmlformats.org/drawingml/2006/lockedCanvas" preserve="true" type="twoObj">
   <p:cSld name="Two Content">
     <p:spTree>
       <p:nvGrpSpPr>
-        <p:cNvPr id="1" name=""/>
+        <p:cNvPr name="" id="1"/>
         <p:cNvGrpSpPr/>
         <p:nvPr/>
       </p:nvGrpSpPr>
       <p:grpSpPr>
         <a:xfrm>
-          <a:off x="0" y="0"/>
-          <a:ext cx="0" cy="0"/>
-          <a:chOff x="0" y="0"/>
-          <a:chExt cx="0" cy="0"/>
+          <a:off y="0" x="0"/>
+          <a:ext cy="0" cx="0"/>
+          <a:chOff y="0" x="0"/>
+          <a:chExt cy="0" cx="0"/>
         </a:xfrm>
       </p:grpSpPr>
       <p:sp>
         <p:nvSpPr>
-          <p:cNvPr id="2" name="Titre 1"/>
+          <p:cNvPr name="Titre 1" id="2"/>
           <p:cNvSpPr>
             <a:spLocks noGrp="true"/>
           </p:cNvSpPr>
@@ -966,7 +966,7 @@
           <a:lstStyle/>
           <a:p>
             <a:r>
-              <a:rPr lang="fr-FR" smtClean="false"/>
+              <a:rPr smtClean="false" lang="fr-FR"/>
               <a:t>Modifiez le style du titre</a:t>
             </a:r>
             <a:endParaRPr lang="fr-FR"/>
@@ -975,18 +975,18 @@
       </p:sp>
       <p:sp>
         <p:nvSpPr>
-          <p:cNvPr id="3" name="Espace réservé du contenu 2"/>
+          <p:cNvPr name="Espace réservé du contenu 2" id="3"/>
           <p:cNvSpPr>
             <a:spLocks noGrp="true"/>
           </p:cNvSpPr>
           <p:nvPr>
-            <p:ph sz="half" idx="1"/>
+            <p:ph idx="1" sz="half"/>
           </p:nvPr>
         </p:nvSpPr>
         <p:spPr>
           <a:xfrm>
-            <a:off x="838200" y="1825625"/>
-            <a:ext cx="5181600" cy="4351338"/>
+            <a:off y="1825625" x="838200"/>
+            <a:ext cy="4351338" cx="5181600"/>
           </a:xfrm>
         </p:spPr>
         <p:txBody>
@@ -995,35 +995,35 @@
           <a:p>
             <a:pPr lvl="0"/>
             <a:r>
-              <a:rPr lang="fr-FR" smtClean="false"/>
+              <a:rPr smtClean="false" lang="fr-FR"/>
               <a:t>Modifiez les styles du texte du masque</a:t>
             </a:r>
           </a:p>
           <a:p>
             <a:pPr lvl="1"/>
             <a:r>
-              <a:rPr lang="fr-FR" smtClean="false"/>
+              <a:rPr smtClean="false" lang="fr-FR"/>
               <a:t>Deuxième niveau</a:t>
             </a:r>
           </a:p>
           <a:p>
             <a:pPr lvl="2"/>
             <a:r>
-              <a:rPr lang="fr-FR" smtClean="false"/>
+              <a:rPr smtClean="false" lang="fr-FR"/>
               <a:t>Troisième niveau</a:t>
             </a:r>
           </a:p>
           <a:p>
             <a:pPr lvl="3"/>
             <a:r>
-              <a:rPr lang="fr-FR" smtClean="false"/>
+              <a:rPr smtClean="false" lang="fr-FR"/>
               <a:t>Quatrième niveau</a:t>
             </a:r>
           </a:p>
           <a:p>
             <a:pPr lvl="4"/>
             <a:r>
-              <a:rPr lang="fr-FR" smtClean="false"/>
+              <a:rPr smtClean="false" lang="fr-FR"/>
               <a:t>Cinquième niveau</a:t>
             </a:r>
             <a:endParaRPr lang="fr-FR"/>
@@ -1032,18 +1032,18 @@
       </p:sp>
       <p:sp>
         <p:nvSpPr>
-          <p:cNvPr id="4" name="Espace réservé du contenu 3"/>
+          <p:cNvPr name="Espace réservé du contenu 3" id="4"/>
           <p:cNvSpPr>
             <a:spLocks noGrp="true"/>
           </p:cNvSpPr>
           <p:nvPr>
-            <p:ph sz="half" idx="2"/>
+            <p:ph idx="2" sz="half"/>
           </p:nvPr>
         </p:nvSpPr>
         <p:spPr>
           <a:xfrm>
-            <a:off x="6172200" y="1825625"/>
-            <a:ext cx="5181600" cy="4351338"/>
+            <a:off y="1825625" x="6172200"/>
+            <a:ext cy="4351338" cx="5181600"/>
           </a:xfrm>
         </p:spPr>
         <p:txBody>
@@ -1052,35 +1052,35 @@
           <a:p>
             <a:pPr lvl="0"/>
             <a:r>
-              <a:rPr lang="fr-FR" smtClean="false"/>
+              <a:rPr smtClean="false" lang="fr-FR"/>
               <a:t>Modifiez les styles du texte du masque</a:t>
             </a:r>
           </a:p>
           <a:p>
             <a:pPr lvl="1"/>
             <a:r>
-              <a:rPr lang="fr-FR" smtClean="false"/>
+              <a:rPr smtClean="false" lang="fr-FR"/>
               <a:t>Deuxième niveau</a:t>
             </a:r>
           </a:p>
           <a:p>
             <a:pPr lvl="2"/>
             <a:r>
-              <a:rPr lang="fr-FR" smtClean="false"/>
+              <a:rPr smtClean="false" lang="fr-FR"/>
               <a:t>Troisième niveau</a:t>
             </a:r>
           </a:p>
           <a:p>
             <a:pPr lvl="3"/>
             <a:r>
-              <a:rPr lang="fr-FR" smtClean="false"/>
+              <a:rPr smtClean="false" lang="fr-FR"/>
               <a:t>Quatrième niveau</a:t>
             </a:r>
           </a:p>
           <a:p>
             <a:pPr lvl="4"/>
             <a:r>
-              <a:rPr lang="fr-FR" smtClean="false"/>
+              <a:rPr smtClean="false" lang="fr-FR"/>
               <a:t>Cinquième niveau</a:t>
             </a:r>
             <a:endParaRPr lang="fr-FR"/>
@@ -1089,12 +1089,12 @@
       </p:sp>
       <p:sp>
         <p:nvSpPr>
-          <p:cNvPr id="5" name="Espace réservé de la date 4"/>
+          <p:cNvPr name="Espace réservé de la date 4" id="5"/>
           <p:cNvSpPr>
             <a:spLocks noGrp="true"/>
           </p:cNvSpPr>
           <p:nvPr>
-            <p:ph type="dt" sz="half" idx="10"/>
+            <p:ph idx="10" sz="half" type="dt"/>
           </p:nvPr>
         </p:nvSpPr>
         <p:spPr/>
@@ -1102,8 +1102,8 @@
           <a:bodyPr/>
           <a:lstStyle/>
           <a:p>
-            <a:fld id="{CE3110EA-6548-4EF6-B0A9-8F847AEECEDD}" type="datetimeFigureOut">
-              <a:rPr lang="fr-FR" smtClean="false"/>
+            <a:fld type="datetimeFigureOut" id="{CE3110EA-6548-4EF6-B0A9-8F847AEECEDD}">
+              <a:rPr smtClean="false" lang="fr-FR"/>
               <a:t>07/12/2013</a:t>
             </a:fld>
             <a:endParaRPr lang="fr-FR"/>
@@ -1112,12 +1112,12 @@
       </p:sp>
       <p:sp>
         <p:nvSpPr>
-          <p:cNvPr id="7" name="Espace réservé du numéro de diapositive 6"/>
+          <p:cNvPr name="Espace réservé du numéro de diapositive 6" id="7"/>
           <p:cNvSpPr>
             <a:spLocks noGrp="true"/>
           </p:cNvSpPr>
           <p:nvPr>
-            <p:ph type="sldNum" sz="quarter" idx="12"/>
+            <p:ph idx="12" sz="quarter" type="sldNum"/>
           </p:nvPr>
         </p:nvSpPr>
         <p:spPr/>
@@ -1125,8 +1125,8 @@
           <a:bodyPr/>
           <a:lstStyle/>
           <a:p>
-            <a:fld id="{C47AABF0-D73A-43C1-84CC-8A30B6535388}" type="slidenum">
-              <a:rPr lang="fr-FR" smtClean="false"/>
+            <a:fld type="slidenum" id="{C47AABF0-D73A-43C1-84CC-8A30B6535388}">
+              <a:rPr smtClean="false" lang="fr-FR"/>
               <a:t>‹N°›</a:t>
             </a:fld>
             <a:endParaRPr lang="fr-FR"/>
@@ -1135,12 +1135,12 @@
       </p:sp>
       <p:sp>
         <p:nvSpPr>
-          <p:cNvPr id="6" name="Espace réservé du pied de page 5"/>
+          <p:cNvPr name="Espace réservé du pied de page 5" id="6"/>
           <p:cNvSpPr>
             <a:spLocks noGrp="true"/>
           </p:cNvSpPr>
           <p:nvPr>
-            <p:ph type="ftr" sz="quarter" idx="13"/>
+            <p:ph idx="13" sz="quarter" type="ftr"/>
           </p:nvPr>
         </p:nvSpPr>
         <p:spPr/>
@@ -1165,7 +1165,7 @@
   <p:timing>
     <p:tnLst>
       <p:par>
-        <p:cTn id="1" dur="indefinite" restart="never" nodeType="tmRoot"/>
+        <p:cTn nodeType="tmRoot" restart="never" dur="indefinite" id="1"/>
       </p:par>
     </p:tnLst>
   </p:timing>
@@ -1173,25 +1173,25 @@
 </file>
 
 <file path=ppt/slideLayouts/slideLayout5.xml><?xml version="1.0" encoding="utf-8"?>
-<p:sldLayout xmlns:r="http://schemas.openxmlformats.org/officeDocument/2006/relationships" xmlns:a="http://schemas.openxmlformats.org/drawingml/2006/main" xmlns:p="http://schemas.openxmlformats.org/presentationml/2006/main" xmlns:mc="http://schemas.openxmlformats.org/markup-compatibility/2006" xmlns:c="http://schemas.openxmlformats.org/drawingml/2006/chart" xmlns:ns6="http://schemas.openxmlformats.org/drawingml/2006/chartDrawing" xmlns:dgm="http://schemas.openxmlformats.org/drawingml/2006/diagram" xmlns:pic="http://schemas.openxmlformats.org/drawingml/2006/picture" xmlns:wp="http://schemas.openxmlformats.org/drawingml/2006/wordprocessingDrawing" xmlns:xdr="http://schemas.openxmlformats.org/drawingml/2006/spreadsheetDrawing" xmlns:ns11="http://schemas.openxmlformats.org/drawingml/2006/compatibility" xmlns:ns12="http://schemas.openxmlformats.org/drawingml/2006/lockedCanvas" type="twoTxTwoObj" preserve="true">
+<p:sldLayout xmlns:r="http://schemas.openxmlformats.org/officeDocument/2006/relationships" xmlns:a="http://schemas.openxmlformats.org/drawingml/2006/main" xmlns:p="http://schemas.openxmlformats.org/presentationml/2006/main" xmlns:mc="http://schemas.openxmlformats.org/markup-compatibility/2006" xmlns:c="http://schemas.openxmlformats.org/drawingml/2006/chart" xmlns:ns6="http://schemas.openxmlformats.org/drawingml/2006/chartDrawing" xmlns:dgm="http://schemas.openxmlformats.org/drawingml/2006/diagram" xmlns:pic="http://schemas.openxmlformats.org/drawingml/2006/picture" xmlns:wp="http://schemas.openxmlformats.org/drawingml/2006/wordprocessingDrawing" xmlns:xdr="http://schemas.openxmlformats.org/drawingml/2006/spreadsheetDrawing" xmlns:ns11="http://schemas.openxmlformats.org/drawingml/2006/compatibility" xmlns:ns12="http://schemas.openxmlformats.org/drawingml/2006/lockedCanvas" preserve="true" type="twoTxTwoObj">
   <p:cSld name="Comparison">
     <p:spTree>
       <p:nvGrpSpPr>
-        <p:cNvPr id="1" name=""/>
+        <p:cNvPr name="" id="1"/>
         <p:cNvGrpSpPr/>
         <p:nvPr/>
       </p:nvGrpSpPr>
       <p:grpSpPr>
         <a:xfrm>
-          <a:off x="0" y="0"/>
-          <a:ext cx="0" cy="0"/>
-          <a:chOff x="0" y="0"/>
-          <a:chExt cx="0" cy="0"/>
+          <a:off y="0" x="0"/>
+          <a:ext cy="0" cx="0"/>
+          <a:chOff y="0" x="0"/>
+          <a:chExt cy="0" cx="0"/>
         </a:xfrm>
       </p:grpSpPr>
       <p:sp>
         <p:nvSpPr>
-          <p:cNvPr id="2" name="Titre 1"/>
+          <p:cNvPr name="Titre 1" id="2"/>
           <p:cNvSpPr>
             <a:spLocks noGrp="true"/>
           </p:cNvSpPr>
@@ -1201,8 +1201,8 @@
         </p:nvSpPr>
         <p:spPr>
           <a:xfrm>
-            <a:off x="839788" y="365125"/>
-            <a:ext cx="10515600" cy="1325563"/>
+            <a:off y="365125" x="839788"/>
+            <a:ext cy="1325563" cx="10515600"/>
           </a:xfrm>
         </p:spPr>
         <p:txBody>
@@ -1210,7 +1210,7 @@
           <a:lstStyle/>
           <a:p>
             <a:r>
-              <a:rPr lang="fr-FR" smtClean="false"/>
+              <a:rPr smtClean="false" lang="fr-FR"/>
               <a:t>Modifiez le style du titre</a:t>
             </a:r>
             <a:endParaRPr lang="fr-FR"/>
@@ -1219,64 +1219,64 @@
       </p:sp>
       <p:sp>
         <p:nvSpPr>
-          <p:cNvPr id="3" name="Espace réservé du texte 2"/>
+          <p:cNvPr name="Espace réservé du texte 2" id="3"/>
           <p:cNvSpPr>
             <a:spLocks noGrp="true"/>
           </p:cNvSpPr>
           <p:nvPr>
-            <p:ph type="body" idx="1"/>
+            <p:ph idx="1" type="body"/>
           </p:nvPr>
         </p:nvSpPr>
         <p:spPr>
           <a:xfrm>
-            <a:off x="839788" y="1681163"/>
-            <a:ext cx="5157787" cy="823912"/>
+            <a:off y="1681163" x="839788"/>
+            <a:ext cy="823912" cx="5157787"/>
           </a:xfrm>
         </p:spPr>
         <p:txBody>
           <a:bodyPr anchor="b"/>
           <a:lstStyle>
-            <a:lvl1pPr marL="0" indent="0">
+            <a:lvl1pPr indent="0" marL="0">
               <a:buNone/>
-              <a:defRPr sz="2400" b="true"/>
+              <a:defRPr b="true" sz="2400"/>
             </a:lvl1pPr>
-            <a:lvl2pPr marL="457200" indent="0">
+            <a:lvl2pPr indent="0" marL="457200">
               <a:buNone/>
-              <a:defRPr sz="2000" b="true"/>
+              <a:defRPr b="true" sz="2000"/>
             </a:lvl2pPr>
-            <a:lvl3pPr marL="914400" indent="0">
+            <a:lvl3pPr indent="0" marL="914400">
               <a:buNone/>
-              <a:defRPr sz="1800" b="true"/>
+              <a:defRPr b="true" sz="1800"/>
             </a:lvl3pPr>
-            <a:lvl4pPr marL="1371600" indent="0">
+            <a:lvl4pPr indent="0" marL="1371600">
               <a:buNone/>
-              <a:defRPr sz="1600" b="true"/>
+              <a:defRPr b="true" sz="1600"/>
             </a:lvl4pPr>
-            <a:lvl5pPr marL="1828800" indent="0">
+            <a:lvl5pPr indent="0" marL="1828800">
               <a:buNone/>
-              <a:defRPr sz="1600" b="true"/>
+              <a:defRPr b="true" sz="1600"/>
             </a:lvl5pPr>
-            <a:lvl6pPr marL="2286000" indent="0">
+            <a:lvl6pPr indent="0" marL="2286000">
               <a:buNone/>
-              <a:defRPr sz="1600" b="true"/>
+              <a:defRPr b="true" sz="1600"/>
             </a:lvl6pPr>
-            <a:lvl7pPr marL="2743200" indent="0">
+            <a:lvl7pPr indent="0" marL="2743200">
               <a:buNone/>
-              <a:defRPr sz="1600" b="true"/>
+              <a:defRPr b="true" sz="1600"/>
             </a:lvl7pPr>
-            <a:lvl8pPr marL="3200400" indent="0">
+            <a:lvl8pPr indent="0" marL="3200400">
               <a:buNone/>
-              <a:defRPr sz="1600" b="true"/>
+              <a:defRPr b="true" sz="1600"/>
             </a:lvl8pPr>
-            <a:lvl9pPr marL="3657600" indent="0">
+            <a:lvl9pPr indent="0" marL="3657600">
               <a:buNone/>
-              <a:defRPr sz="1600" b="true"/>
+              <a:defRPr b="true" sz="1600"/>
             </a:lvl9pPr>
           </a:lstStyle>
           <a:p>
             <a:pPr lvl="0"/>
             <a:r>
-              <a:rPr lang="fr-FR" smtClean="false"/>
+              <a:rPr smtClean="false" lang="fr-FR"/>
               <a:t>Modifiez les styles du texte du masque</a:t>
             </a:r>
           </a:p>
@@ -1284,18 +1284,18 @@
       </p:sp>
       <p:sp>
         <p:nvSpPr>
-          <p:cNvPr id="4" name="Espace réservé du contenu 3"/>
+          <p:cNvPr name="Espace réservé du contenu 3" id="4"/>
           <p:cNvSpPr>
             <a:spLocks noGrp="true"/>
           </p:cNvSpPr>
           <p:nvPr>
-            <p:ph sz="half" idx="2"/>
+            <p:ph idx="2" sz="half"/>
           </p:nvPr>
         </p:nvSpPr>
         <p:spPr>
           <a:xfrm>
-            <a:off x="839788" y="2505075"/>
-            <a:ext cx="5157787" cy="3684588"/>
+            <a:off y="2505075" x="839788"/>
+            <a:ext cy="3684588" cx="5157787"/>
           </a:xfrm>
         </p:spPr>
         <p:txBody>
@@ -1304,35 +1304,35 @@
           <a:p>
             <a:pPr lvl="0"/>
             <a:r>
-              <a:rPr lang="fr-FR" smtClean="false"/>
+              <a:rPr smtClean="false" lang="fr-FR"/>
               <a:t>Modifiez les styles du texte du masque</a:t>
             </a:r>
           </a:p>
           <a:p>
             <a:pPr lvl="1"/>
             <a:r>
-              <a:rPr lang="fr-FR" smtClean="false"/>
+              <a:rPr smtClean="false" lang="fr-FR"/>
               <a:t>Deuxième niveau</a:t>
             </a:r>
           </a:p>
           <a:p>
             <a:pPr lvl="2"/>
             <a:r>
-              <a:rPr lang="fr-FR" smtClean="false"/>
+              <a:rPr smtClean="false" lang="fr-FR"/>
               <a:t>Troisième niveau</a:t>
             </a:r>
           </a:p>
           <a:p>
             <a:pPr lvl="3"/>
             <a:r>
-              <a:rPr lang="fr-FR" smtClean="false"/>
+              <a:rPr smtClean="false" lang="fr-FR"/>
               <a:t>Quatrième niveau</a:t>
             </a:r>
           </a:p>
           <a:p>
             <a:pPr lvl="4"/>
             <a:r>
-              <a:rPr lang="fr-FR" smtClean="false"/>
+              <a:rPr smtClean="false" lang="fr-FR"/>
               <a:t>Cinquième niveau</a:t>
             </a:r>
             <a:endParaRPr lang="fr-FR"/>
@@ -1341,64 +1341,64 @@
       </p:sp>
       <p:sp>
         <p:nvSpPr>
-          <p:cNvPr id="5" name="Espace réservé du texte 4"/>
+          <p:cNvPr name="Espace réservé du texte 4" id="5"/>
           <p:cNvSpPr>
             <a:spLocks noGrp="true"/>
           </p:cNvSpPr>
           <p:nvPr>
-            <p:ph type="body" sz="quarter" idx="3"/>
+            <p:ph idx="3" sz="quarter" type="body"/>
           </p:nvPr>
         </p:nvSpPr>
         <p:spPr>
           <a:xfrm>
-            <a:off x="6172200" y="1681163"/>
-            <a:ext cx="5183188" cy="823912"/>
+            <a:off y="1681163" x="6172200"/>
+            <a:ext cy="823912" cx="5183188"/>
           </a:xfrm>
         </p:spPr>
         <p:txBody>
           <a:bodyPr anchor="b"/>
           <a:lstStyle>
-            <a:lvl1pPr marL="0" indent="0">
+            <a:lvl1pPr indent="0" marL="0">
               <a:buNone/>
-              <a:defRPr sz="2400" b="true"/>
+              <a:defRPr b="true" sz="2400"/>
             </a:lvl1pPr>
-            <a:lvl2pPr marL="457200" indent="0">
+            <a:lvl2pPr indent="0" marL="457200">
               <a:buNone/>
-              <a:defRPr sz="2000" b="true"/>
+              <a:defRPr b="true" sz="2000"/>
             </a:lvl2pPr>
-            <a:lvl3pPr marL="914400" indent="0">
+            <a:lvl3pPr indent="0" marL="914400">
               <a:buNone/>
-              <a:defRPr sz="1800" b="true"/>
+              <a:defRPr b="true" sz="1800"/>
             </a:lvl3pPr>
-            <a:lvl4pPr marL="1371600" indent="0">
+            <a:lvl4pPr indent="0" marL="1371600">
               <a:buNone/>
-              <a:defRPr sz="1600" b="true"/>
+              <a:defRPr b="true" sz="1600"/>
             </a:lvl4pPr>
-            <a:lvl5pPr marL="1828800" indent="0">
+            <a:lvl5pPr indent="0" marL="1828800">
               <a:buNone/>
-              <a:defRPr sz="1600" b="true"/>
+              <a:defRPr b="true" sz="1600"/>
             </a:lvl5pPr>
-            <a:lvl6pPr marL="2286000" indent="0">
+            <a:lvl6pPr indent="0" marL="2286000">
               <a:buNone/>
-              <a:defRPr sz="1600" b="true"/>
+              <a:defRPr b="true" sz="1600"/>
             </a:lvl6pPr>
-            <a:lvl7pPr marL="2743200" indent="0">
+            <a:lvl7pPr indent="0" marL="2743200">
               <a:buNone/>
-              <a:defRPr sz="1600" b="true"/>
+              <a:defRPr b="true" sz="1600"/>
             </a:lvl7pPr>
-            <a:lvl8pPr marL="3200400" indent="0">
+            <a:lvl8pPr indent="0" marL="3200400">
               <a:buNone/>
-              <a:defRPr sz="1600" b="true"/>
+              <a:defRPr b="true" sz="1600"/>
             </a:lvl8pPr>
-            <a:lvl9pPr marL="3657600" indent="0">
+            <a:lvl9pPr indent="0" marL="3657600">
               <a:buNone/>
-              <a:defRPr sz="1600" b="true"/>
+              <a:defRPr b="true" sz="1600"/>
             </a:lvl9pPr>
           </a:lstStyle>
           <a:p>
             <a:pPr lvl="0"/>
             <a:r>
-              <a:rPr lang="fr-FR" smtClean="false"/>
+              <a:rPr smtClean="false" lang="fr-FR"/>
               <a:t>Modifiez les styles du texte du masque</a:t>
             </a:r>
           </a:p>
@@ -1406,18 +1406,18 @@
       </p:sp>
       <p:sp>
         <p:nvSpPr>
-          <p:cNvPr id="6" name="Espace réservé du contenu 5"/>
+          <p:cNvPr name="Espace réservé du contenu 5" id="6"/>
           <p:cNvSpPr>
             <a:spLocks noGrp="true"/>
           </p:cNvSpPr>
           <p:nvPr>
-            <p:ph sz="quarter" idx="4"/>
+            <p:ph idx="4" sz="quarter"/>
           </p:nvPr>
         </p:nvSpPr>
         <p:spPr>
           <a:xfrm>
-            <a:off x="6172200" y="2505075"/>
-            <a:ext cx="5183188" cy="3684588"/>
+            <a:off y="2505075" x="6172200"/>
+            <a:ext cy="3684588" cx="5183188"/>
           </a:xfrm>
         </p:spPr>
         <p:txBody>
@@ -1426,35 +1426,35 @@
           <a:p>
             <a:pPr lvl="0"/>
             <a:r>
-              <a:rPr lang="fr-FR" smtClean="false"/>
+              <a:rPr smtClean="false" lang="fr-FR"/>
               <a:t>Modifiez les styles du texte du masque</a:t>
             </a:r>
           </a:p>
           <a:p>
             <a:pPr lvl="1"/>
             <a:r>
-              <a:rPr lang="fr-FR" smtClean="false"/>
+              <a:rPr smtClean="false" lang="fr-FR"/>
               <a:t>Deuxième niveau</a:t>
             </a:r>
           </a:p>
           <a:p>
             <a:pPr lvl="2"/>
             <a:r>
-              <a:rPr lang="fr-FR" smtClean="false"/>
+              <a:rPr smtClean="false" lang="fr-FR"/>
               <a:t>Troisième niveau</a:t>
             </a:r>
           </a:p>
           <a:p>
             <a:pPr lvl="3"/>
             <a:r>
-              <a:rPr lang="fr-FR" smtClean="false"/>
+              <a:rPr smtClean="false" lang="fr-FR"/>
               <a:t>Quatrième niveau</a:t>
             </a:r>
           </a:p>
           <a:p>
             <a:pPr lvl="4"/>
             <a:r>
-              <a:rPr lang="fr-FR" smtClean="false"/>
+              <a:rPr smtClean="false" lang="fr-FR"/>
               <a:t>Cinquième niveau</a:t>
             </a:r>
             <a:endParaRPr lang="fr-FR"/>
@@ -1463,12 +1463,12 @@
       </p:sp>
       <p:sp>
         <p:nvSpPr>
-          <p:cNvPr id="7" name="Espace réservé de la date 6"/>
+          <p:cNvPr name="Espace réservé de la date 6" id="7"/>
           <p:cNvSpPr>
             <a:spLocks noGrp="true"/>
           </p:cNvSpPr>
           <p:nvPr>
-            <p:ph type="dt" sz="half" idx="10"/>
+            <p:ph idx="10" sz="half" type="dt"/>
           </p:nvPr>
         </p:nvSpPr>
         <p:spPr/>
@@ -1476,8 +1476,8 @@
           <a:bodyPr/>
           <a:lstStyle/>
           <a:p>
-            <a:fld id="{CE3110EA-6548-4EF6-B0A9-8F847AEECEDD}" type="datetimeFigureOut">
-              <a:rPr lang="fr-FR" smtClean="false"/>
+            <a:fld type="datetimeFigureOut" id="{CE3110EA-6548-4EF6-B0A9-8F847AEECEDD}">
+              <a:rPr smtClean="false" lang="fr-FR"/>
               <a:t>07/12/2013</a:t>
             </a:fld>
             <a:endParaRPr lang="fr-FR"/>
@@ -1486,12 +1486,12 @@
       </p:sp>
       <p:sp>
         <p:nvSpPr>
-          <p:cNvPr id="9" name="Espace réservé du numéro de diapositive 8"/>
+          <p:cNvPr name="Espace réservé du numéro de diapositive 8" id="9"/>
           <p:cNvSpPr>
             <a:spLocks noGrp="true"/>
           </p:cNvSpPr>
           <p:nvPr>
-            <p:ph type="sldNum" sz="quarter" idx="12"/>
+            <p:ph idx="12" sz="quarter" type="sldNum"/>
           </p:nvPr>
         </p:nvSpPr>
         <p:spPr/>
@@ -1499,8 +1499,8 @@
           <a:bodyPr/>
           <a:lstStyle/>
           <a:p>
-            <a:fld id="{C47AABF0-D73A-43C1-84CC-8A30B6535388}" type="slidenum">
-              <a:rPr lang="fr-FR" smtClean="false"/>
+            <a:fld type="slidenum" id="{C47AABF0-D73A-43C1-84CC-8A30B6535388}">
+              <a:rPr smtClean="false" lang="fr-FR"/>
               <a:t>‹N°›</a:t>
             </a:fld>
             <a:endParaRPr lang="fr-FR"/>
@@ -1520,7 +1520,7 @@
   <p:timing>
     <p:tnLst>
       <p:par>
-        <p:cTn id="1" dur="indefinite" restart="never" nodeType="tmRoot"/>
+        <p:cTn nodeType="tmRoot" restart="never" dur="indefinite" id="1"/>
       </p:par>
     </p:tnLst>
   </p:timing>
@@ -1528,25 +1528,25 @@
 </file>
 
 <file path=ppt/slideLayouts/slideLayout6.xml><?xml version="1.0" encoding="utf-8"?>
-<p:sldLayout xmlns:r="http://schemas.openxmlformats.org/officeDocument/2006/relationships" xmlns:a="http://schemas.openxmlformats.org/drawingml/2006/main" xmlns:p="http://schemas.openxmlformats.org/presentationml/2006/main" xmlns:mc="http://schemas.openxmlformats.org/markup-compatibility/2006" xmlns:c="http://schemas.openxmlformats.org/drawingml/2006/chart" xmlns:ns6="http://schemas.openxmlformats.org/drawingml/2006/chartDrawing" xmlns:dgm="http://schemas.openxmlformats.org/drawingml/2006/diagram" xmlns:pic="http://schemas.openxmlformats.org/drawingml/2006/picture" xmlns:wp="http://schemas.openxmlformats.org/drawingml/2006/wordprocessingDrawing" xmlns:xdr="http://schemas.openxmlformats.org/drawingml/2006/spreadsheetDrawing" xmlns:ns11="http://schemas.openxmlformats.org/drawingml/2006/compatibility" xmlns:ns12="http://schemas.openxmlformats.org/drawingml/2006/lockedCanvas" type="titleOnly" preserve="true">
+<p:sldLayout xmlns:r="http://schemas.openxmlformats.org/officeDocument/2006/relationships" xmlns:a="http://schemas.openxmlformats.org/drawingml/2006/main" xmlns:p="http://schemas.openxmlformats.org/presentationml/2006/main" xmlns:mc="http://schemas.openxmlformats.org/markup-compatibility/2006" xmlns:c="http://schemas.openxmlformats.org/drawingml/2006/chart" xmlns:ns6="http://schemas.openxmlformats.org/drawingml/2006/chartDrawing" xmlns:dgm="http://schemas.openxmlformats.org/drawingml/2006/diagram" xmlns:pic="http://schemas.openxmlformats.org/drawingml/2006/picture" xmlns:wp="http://schemas.openxmlformats.org/drawingml/2006/wordprocessingDrawing" xmlns:xdr="http://schemas.openxmlformats.org/drawingml/2006/spreadsheetDrawing" xmlns:ns11="http://schemas.openxmlformats.org/drawingml/2006/compatibility" xmlns:ns12="http://schemas.openxmlformats.org/drawingml/2006/lockedCanvas" preserve="true" type="titleOnly">
   <p:cSld name="Title Only">
     <p:spTree>
       <p:nvGrpSpPr>
-        <p:cNvPr id="1" name=""/>
+        <p:cNvPr name="" id="1"/>
         <p:cNvGrpSpPr/>
         <p:nvPr/>
       </p:nvGrpSpPr>
       <p:grpSpPr>
         <a:xfrm>
-          <a:off x="0" y="0"/>
-          <a:ext cx="0" cy="0"/>
-          <a:chOff x="0" y="0"/>
-          <a:chExt cx="0" cy="0"/>
+          <a:off y="0" x="0"/>
+          <a:ext cy="0" cx="0"/>
+          <a:chOff y="0" x="0"/>
+          <a:chExt cy="0" cx="0"/>
         </a:xfrm>
       </p:grpSpPr>
       <p:sp>
         <p:nvSpPr>
-          <p:cNvPr id="2" name="Titre 1"/>
+          <p:cNvPr name="Titre 1" id="2"/>
           <p:cNvSpPr>
             <a:spLocks noGrp="true"/>
           </p:cNvSpPr>
@@ -1560,7 +1560,7 @@
           <a:lstStyle/>
           <a:p>
             <a:r>
-              <a:rPr lang="fr-FR" smtClean="false"/>
+              <a:rPr smtClean="false" lang="fr-FR"/>
               <a:t>Modifiez le style du titre</a:t>
             </a:r>
             <a:endParaRPr lang="fr-FR"/>
@@ -1569,12 +1569,12 @@
       </p:sp>
       <p:sp>
         <p:nvSpPr>
-          <p:cNvPr id="3" name="Espace réservé de la date 2"/>
+          <p:cNvPr name="Espace réservé de la date 2" id="3"/>
           <p:cNvSpPr>
             <a:spLocks noGrp="true"/>
           </p:cNvSpPr>
           <p:nvPr>
-            <p:ph type="dt" sz="half" idx="10"/>
+            <p:ph idx="10" sz="half" type="dt"/>
           </p:nvPr>
         </p:nvSpPr>
         <p:spPr/>
@@ -1582,8 +1582,8 @@
           <a:bodyPr/>
           <a:lstStyle/>
           <a:p>
-            <a:fld id="{CE3110EA-6548-4EF6-B0A9-8F847AEECEDD}" type="datetimeFigureOut">
-              <a:rPr lang="fr-FR" smtClean="false"/>
+            <a:fld type="datetimeFigureOut" id="{CE3110EA-6548-4EF6-B0A9-8F847AEECEDD}">
+              <a:rPr smtClean="false" lang="fr-FR"/>
               <a:t>07/12/2013</a:t>
             </a:fld>
             <a:endParaRPr lang="fr-FR"/>
@@ -1592,12 +1592,12 @@
       </p:sp>
       <p:sp>
         <p:nvSpPr>
-          <p:cNvPr id="4" name="Espace réservé du pied de page 3"/>
+          <p:cNvPr name="Espace réservé du pied de page 3" id="4"/>
           <p:cNvSpPr>
             <a:spLocks noGrp="true"/>
           </p:cNvSpPr>
           <p:nvPr>
-            <p:ph type="ftr" sz="quarter" idx="11"/>
+            <p:ph idx="11" sz="quarter" type="ftr"/>
           </p:nvPr>
         </p:nvSpPr>
         <p:spPr/>
@@ -1611,12 +1611,12 @@
       </p:sp>
       <p:sp>
         <p:nvSpPr>
-          <p:cNvPr id="5" name="Espace réservé du numéro de diapositive 4"/>
+          <p:cNvPr name="Espace réservé du numéro de diapositive 4" id="5"/>
           <p:cNvSpPr>
             <a:spLocks noGrp="true"/>
           </p:cNvSpPr>
           <p:nvPr>
-            <p:ph type="sldNum" sz="quarter" idx="12"/>
+            <p:ph idx="12" sz="quarter" type="sldNum"/>
           </p:nvPr>
         </p:nvSpPr>
         <p:spPr/>
@@ -1624,8 +1624,8 @@
           <a:bodyPr/>
           <a:lstStyle/>
           <a:p>
-            <a:fld id="{C47AABF0-D73A-43C1-84CC-8A30B6535388}" type="slidenum">
-              <a:rPr lang="fr-FR" smtClean="false"/>
+            <a:fld type="slidenum" id="{C47AABF0-D73A-43C1-84CC-8A30B6535388}">
+              <a:rPr smtClean="false" lang="fr-FR"/>
               <a:t>‹N°›</a:t>
             </a:fld>
             <a:endParaRPr lang="fr-FR"/>
@@ -1645,7 +1645,7 @@
   <p:timing>
     <p:tnLst>
       <p:par>
-        <p:cTn id="1" dur="indefinite" restart="never" nodeType="tmRoot"/>
+        <p:cTn nodeType="tmRoot" restart="never" dur="indefinite" id="1"/>
       </p:par>
     </p:tnLst>
   </p:timing>
@@ -1653,30 +1653,30 @@
 </file>
 
 <file path=ppt/slideLayouts/slideLayout7.xml><?xml version="1.0" encoding="utf-8"?>
-<p:sldLayout xmlns:r="http://schemas.openxmlformats.org/officeDocument/2006/relationships" xmlns:a="http://schemas.openxmlformats.org/drawingml/2006/main" xmlns:p="http://schemas.openxmlformats.org/presentationml/2006/main" xmlns:mc="http://schemas.openxmlformats.org/markup-compatibility/2006" xmlns:c="http://schemas.openxmlformats.org/drawingml/2006/chart" xmlns:ns6="http://schemas.openxmlformats.org/drawingml/2006/chartDrawing" xmlns:dgm="http://schemas.openxmlformats.org/drawingml/2006/diagram" xmlns:pic="http://schemas.openxmlformats.org/drawingml/2006/picture" xmlns:wp="http://schemas.openxmlformats.org/drawingml/2006/wordprocessingDrawing" xmlns:xdr="http://schemas.openxmlformats.org/drawingml/2006/spreadsheetDrawing" xmlns:ns11="http://schemas.openxmlformats.org/drawingml/2006/compatibility" xmlns:ns12="http://schemas.openxmlformats.org/drawingml/2006/lockedCanvas" type="blank" preserve="true">
+<p:sldLayout xmlns:r="http://schemas.openxmlformats.org/officeDocument/2006/relationships" xmlns:a="http://schemas.openxmlformats.org/drawingml/2006/main" xmlns:p="http://schemas.openxmlformats.org/presentationml/2006/main" xmlns:mc="http://schemas.openxmlformats.org/markup-compatibility/2006" xmlns:c="http://schemas.openxmlformats.org/drawingml/2006/chart" xmlns:ns6="http://schemas.openxmlformats.org/drawingml/2006/chartDrawing" xmlns:dgm="http://schemas.openxmlformats.org/drawingml/2006/diagram" xmlns:pic="http://schemas.openxmlformats.org/drawingml/2006/picture" xmlns:wp="http://schemas.openxmlformats.org/drawingml/2006/wordprocessingDrawing" xmlns:xdr="http://schemas.openxmlformats.org/drawingml/2006/spreadsheetDrawing" xmlns:ns11="http://schemas.openxmlformats.org/drawingml/2006/compatibility" xmlns:ns12="http://schemas.openxmlformats.org/drawingml/2006/lockedCanvas" preserve="true" type="blank">
   <p:cSld name="Blank">
     <p:spTree>
       <p:nvGrpSpPr>
-        <p:cNvPr id="1" name=""/>
+        <p:cNvPr name="" id="1"/>
         <p:cNvGrpSpPr/>
         <p:nvPr/>
       </p:nvGrpSpPr>
       <p:grpSpPr>
         <a:xfrm>
-          <a:off x="0" y="0"/>
-          <a:ext cx="0" cy="0"/>
-          <a:chOff x="0" y="0"/>
-          <a:chExt cx="0" cy="0"/>
+          <a:off y="0" x="0"/>
+          <a:ext cy="0" cx="0"/>
+          <a:chOff y="0" x="0"/>
+          <a:chExt cy="0" cx="0"/>
         </a:xfrm>
       </p:grpSpPr>
       <p:sp>
         <p:nvSpPr>
-          <p:cNvPr id="2" name="Espace réservé de la date 1"/>
+          <p:cNvPr name="Espace réservé de la date 1" id="2"/>
           <p:cNvSpPr>
             <a:spLocks noGrp="true"/>
           </p:cNvSpPr>
           <p:nvPr>
-            <p:ph type="dt" sz="half" idx="10"/>
+            <p:ph idx="10" sz="half" type="dt"/>
           </p:nvPr>
         </p:nvSpPr>
         <p:spPr/>
@@ -1684,8 +1684,8 @@
           <a:bodyPr/>
           <a:lstStyle/>
           <a:p>
-            <a:fld id="{CE3110EA-6548-4EF6-B0A9-8F847AEECEDD}" type="datetimeFigureOut">
-              <a:rPr lang="fr-FR" smtClean="false"/>
+            <a:fld type="datetimeFigureOut" id="{CE3110EA-6548-4EF6-B0A9-8F847AEECEDD}">
+              <a:rPr smtClean="false" lang="fr-FR"/>
               <a:t>07/12/2013</a:t>
             </a:fld>
             <a:endParaRPr lang="fr-FR"/>
@@ -1694,12 +1694,12 @@
       </p:sp>
       <p:sp>
         <p:nvSpPr>
-          <p:cNvPr id="3" name="Espace réservé du pied de page 2"/>
+          <p:cNvPr name="Espace réservé du pied de page 2" id="3"/>
           <p:cNvSpPr>
             <a:spLocks noGrp="true"/>
           </p:cNvSpPr>
           <p:nvPr>
-            <p:ph type="ftr" sz="quarter" idx="11"/>
+            <p:ph idx="11" sz="quarter" type="ftr"/>
           </p:nvPr>
         </p:nvSpPr>
         <p:spPr/>
@@ -1713,12 +1713,12 @@
       </p:sp>
       <p:sp>
         <p:nvSpPr>
-          <p:cNvPr id="4" name="Espace réservé du numéro de diapositive 3"/>
+          <p:cNvPr name="Espace réservé du numéro de diapositive 3" id="4"/>
           <p:cNvSpPr>
             <a:spLocks noGrp="true"/>
           </p:cNvSpPr>
           <p:nvPr>
-            <p:ph type="sldNum" sz="quarter" idx="12"/>
+            <p:ph idx="12" sz="quarter" type="sldNum"/>
           </p:nvPr>
         </p:nvSpPr>
         <p:spPr/>
@@ -1726,8 +1726,8 @@
           <a:bodyPr/>
           <a:lstStyle/>
           <a:p>
-            <a:fld id="{C47AABF0-D73A-43C1-84CC-8A30B6535388}" type="slidenum">
-              <a:rPr lang="fr-FR" smtClean="false"/>
+            <a:fld type="slidenum" id="{C47AABF0-D73A-43C1-84CC-8A30B6535388}">
+              <a:rPr smtClean="false" lang="fr-FR"/>
               <a:t>‹N°›</a:t>
             </a:fld>
             <a:endParaRPr lang="fr-FR"/>
@@ -1747,7 +1747,7 @@
   <p:timing>
     <p:tnLst>
       <p:par>
-        <p:cTn id="1" dur="indefinite" restart="never" nodeType="tmRoot"/>
+        <p:cTn nodeType="tmRoot" restart="never" dur="indefinite" id="1"/>
       </p:par>
     </p:tnLst>
   </p:timing>
@@ -1755,25 +1755,25 @@
 </file>
 
 <file path=ppt/slideLayouts/slideLayout8.xml><?xml version="1.0" encoding="utf-8"?>
-<p:sldLayout xmlns:r="http://schemas.openxmlformats.org/officeDocument/2006/relationships" xmlns:a="http://schemas.openxmlformats.org/drawingml/2006/main" xmlns:p="http://schemas.openxmlformats.org/presentationml/2006/main" xmlns:mc="http://schemas.openxmlformats.org/markup-compatibility/2006" xmlns:c="http://schemas.openxmlformats.org/drawingml/2006/chart" xmlns:ns6="http://schemas.openxmlformats.org/drawingml/2006/chartDrawing" xmlns:dgm="http://schemas.openxmlformats.org/drawingml/2006/diagram" xmlns:pic="http://schemas.openxmlformats.org/drawingml/2006/picture" xmlns:wp="http://schemas.openxmlformats.org/drawingml/2006/wordprocessingDrawing" xmlns:xdr="http://schemas.openxmlformats.org/drawingml/2006/spreadsheetDrawing" xmlns:ns11="http://schemas.openxmlformats.org/drawingml/2006/compatibility" xmlns:ns12="http://schemas.openxmlformats.org/drawingml/2006/lockedCanvas" type="objTx" preserve="true">
+<p:sldLayout xmlns:r="http://schemas.openxmlformats.org/officeDocument/2006/relationships" xmlns:a="http://schemas.openxmlformats.org/drawingml/2006/main" xmlns:p="http://schemas.openxmlformats.org/presentationml/2006/main" xmlns:mc="http://schemas.openxmlformats.org/markup-compatibility/2006" xmlns:c="http://schemas.openxmlformats.org/drawingml/2006/chart" xmlns:ns6="http://schemas.openxmlformats.org/drawingml/2006/chartDrawing" xmlns:dgm="http://schemas.openxmlformats.org/drawingml/2006/diagram" xmlns:pic="http://schemas.openxmlformats.org/drawingml/2006/picture" xmlns:wp="http://schemas.openxmlformats.org/drawingml/2006/wordprocessingDrawing" xmlns:xdr="http://schemas.openxmlformats.org/drawingml/2006/spreadsheetDrawing" xmlns:ns11="http://schemas.openxmlformats.org/drawingml/2006/compatibility" xmlns:ns12="http://schemas.openxmlformats.org/drawingml/2006/lockedCanvas" preserve="true" type="objTx">
   <p:cSld name="Content with Caption">
     <p:spTree>
       <p:nvGrpSpPr>
-        <p:cNvPr id="1" name=""/>
+        <p:cNvPr name="" id="1"/>
         <p:cNvGrpSpPr/>
         <p:nvPr/>
       </p:nvGrpSpPr>
       <p:grpSpPr>
         <a:xfrm>
-          <a:off x="0" y="0"/>
-          <a:ext cx="0" cy="0"/>
-          <a:chOff x="0" y="0"/>
-          <a:chExt cx="0" cy="0"/>
+          <a:off y="0" x="0"/>
+          <a:ext cy="0" cx="0"/>
+          <a:chOff y="0" x="0"/>
+          <a:chExt cy="0" cx="0"/>
         </a:xfrm>
       </p:grpSpPr>
       <p:sp>
         <p:nvSpPr>
-          <p:cNvPr id="2" name="Titre 1"/>
+          <p:cNvPr name="Titre 1" id="2"/>
           <p:cNvSpPr>
             <a:spLocks noGrp="true"/>
           </p:cNvSpPr>
@@ -1783,8 +1783,8 @@
         </p:nvSpPr>
         <p:spPr>
           <a:xfrm>
-            <a:off x="839788" y="457200"/>
-            <a:ext cx="3932237" cy="1600200"/>
+            <a:off y="457200" x="839788"/>
+            <a:ext cy="1600200" cx="3932237"/>
           </a:xfrm>
         </p:spPr>
         <p:txBody>
@@ -1796,7 +1796,7 @@
           </a:lstStyle>
           <a:p>
             <a:r>
-              <a:rPr lang="fr-FR" smtClean="false"/>
+              <a:rPr smtClean="false" lang="fr-FR"/>
               <a:t>Modifiez le style du titre</a:t>
             </a:r>
             <a:endParaRPr lang="fr-FR"/>
@@ -1805,7 +1805,7 @@
       </p:sp>
       <p:sp>
         <p:nvSpPr>
-          <p:cNvPr id="3" name="Espace réservé du contenu 2"/>
+          <p:cNvPr name="Espace réservé du contenu 2" id="3"/>
           <p:cNvSpPr>
             <a:spLocks noGrp="true"/>
           </p:cNvSpPr>
@@ -1815,8 +1815,8 @@
         </p:nvSpPr>
         <p:spPr>
           <a:xfrm>
-            <a:off x="5183188" y="987425"/>
-            <a:ext cx="6172200" cy="4873625"/>
+            <a:off y="987425" x="5183188"/>
+            <a:ext cy="4873625" cx="6172200"/>
           </a:xfrm>
         </p:spPr>
         <p:txBody>
@@ -1853,35 +1853,35 @@
           <a:p>
             <a:pPr lvl="0"/>
             <a:r>
-              <a:rPr lang="fr-FR" smtClean="false"/>
+              <a:rPr smtClean="false" lang="fr-FR"/>
               <a:t>Modifiez les styles du texte du masque</a:t>
             </a:r>
           </a:p>
           <a:p>
             <a:pPr lvl="1"/>
             <a:r>
-              <a:rPr lang="fr-FR" smtClean="false"/>
+              <a:rPr smtClean="false" lang="fr-FR"/>
               <a:t>Deuxième niveau</a:t>
             </a:r>
           </a:p>
           <a:p>
             <a:pPr lvl="2"/>
             <a:r>
-              <a:rPr lang="fr-FR" smtClean="false"/>
+              <a:rPr smtClean="false" lang="fr-FR"/>
               <a:t>Troisième niveau</a:t>
             </a:r>
           </a:p>
           <a:p>
             <a:pPr lvl="3"/>
             <a:r>
-              <a:rPr lang="fr-FR" smtClean="false"/>
+              <a:rPr smtClean="false" lang="fr-FR"/>
               <a:t>Quatrième niveau</a:t>
             </a:r>
           </a:p>
           <a:p>
             <a:pPr lvl="4"/>
             <a:r>
-              <a:rPr lang="fr-FR" smtClean="false"/>
+              <a:rPr smtClean="false" lang="fr-FR"/>
               <a:t>Cinquième niveau</a:t>
             </a:r>
             <a:endParaRPr lang="fr-FR"/>
@@ -1890,56 +1890,56 @@
       </p:sp>
       <p:sp>
         <p:nvSpPr>
-          <p:cNvPr id="4" name="Espace réservé du texte 3"/>
+          <p:cNvPr name="Espace réservé du texte 3" id="4"/>
           <p:cNvSpPr>
             <a:spLocks noGrp="true"/>
           </p:cNvSpPr>
           <p:nvPr>
-            <p:ph type="body" sz="half" idx="2"/>
+            <p:ph idx="2" sz="half" type="body"/>
           </p:nvPr>
         </p:nvSpPr>
         <p:spPr>
           <a:xfrm>
-            <a:off x="839788" y="2057400"/>
-            <a:ext cx="3932237" cy="3811588"/>
+            <a:off y="2057400" x="839788"/>
+            <a:ext cy="3811588" cx="3932237"/>
           </a:xfrm>
         </p:spPr>
         <p:txBody>
           <a:bodyPr/>
           <a:lstStyle>
-            <a:lvl1pPr marL="0" indent="0">
+            <a:lvl1pPr indent="0" marL="0">
               <a:buNone/>
               <a:defRPr sz="1600"/>
             </a:lvl1pPr>
-            <a:lvl2pPr marL="457200" indent="0">
+            <a:lvl2pPr indent="0" marL="457200">
               <a:buNone/>
               <a:defRPr sz="1400"/>
             </a:lvl2pPr>
-            <a:lvl3pPr marL="914400" indent="0">
+            <a:lvl3pPr indent="0" marL="914400">
               <a:buNone/>
               <a:defRPr sz="1200"/>
             </a:lvl3pPr>
-            <a:lvl4pPr marL="1371600" indent="0">
+            <a:lvl4pPr indent="0" marL="1371600">
               <a:buNone/>
               <a:defRPr sz="1000"/>
             </a:lvl4pPr>
-            <a:lvl5pPr marL="1828800" indent="0">
+            <a:lvl5pPr indent="0" marL="1828800">
               <a:buNone/>
               <a:defRPr sz="1000"/>
             </a:lvl5pPr>
-            <a:lvl6pPr marL="2286000" indent="0">
+            <a:lvl6pPr indent="0" marL="2286000">
               <a:buNone/>
               <a:defRPr sz="1000"/>
             </a:lvl6pPr>
-            <a:lvl7pPr marL="2743200" indent="0">
+            <a:lvl7pPr indent="0" marL="2743200">
               <a:buNone/>
               <a:defRPr sz="1000"/>
             </a:lvl7pPr>
-            <a:lvl8pPr marL="3200400" indent="0">
+            <a:lvl8pPr indent="0" marL="3200400">
               <a:buNone/>
               <a:defRPr sz="1000"/>
             </a:lvl8pPr>
-            <a:lvl9pPr marL="3657600" indent="0">
+            <a:lvl9pPr indent="0" marL="3657600">
               <a:buNone/>
               <a:defRPr sz="1000"/>
             </a:lvl9pPr>
@@ -1947,7 +1947,7 @@
           <a:p>
             <a:pPr lvl="0"/>
             <a:r>
-              <a:rPr lang="fr-FR" smtClean="false"/>
+              <a:rPr smtClean="false" lang="fr-FR"/>
               <a:t>Modifiez les styles du texte du masque</a:t>
             </a:r>
           </a:p>
@@ -1955,12 +1955,12 @@
       </p:sp>
       <p:sp>
         <p:nvSpPr>
-          <p:cNvPr id="5" name="Espace réservé de la date 4"/>
+          <p:cNvPr name="Espace réservé de la date 4" id="5"/>
           <p:cNvSpPr>
             <a:spLocks noGrp="true"/>
           </p:cNvSpPr>
           <p:nvPr>
-            <p:ph type="dt" sz="half" idx="10"/>
+            <p:ph idx="10" sz="half" type="dt"/>
           </p:nvPr>
         </p:nvSpPr>
         <p:spPr/>
@@ -1968,8 +1968,8 @@
           <a:bodyPr/>
           <a:lstStyle/>
           <a:p>
-            <a:fld id="{CE3110EA-6548-4EF6-B0A9-8F847AEECEDD}" type="datetimeFigureOut">
-              <a:rPr lang="fr-FR" smtClean="false"/>
+            <a:fld type="datetimeFigureOut" id="{CE3110EA-6548-4EF6-B0A9-8F847AEECEDD}">
+              <a:rPr smtClean="false" lang="fr-FR"/>
               <a:t>07/12/2013</a:t>
             </a:fld>
             <a:endParaRPr lang="fr-FR"/>
@@ -1978,12 +1978,12 @@
       </p:sp>
       <p:sp>
         <p:nvSpPr>
-          <p:cNvPr id="6" name="Espace réservé du pied de page 5"/>
+          <p:cNvPr name="Espace réservé du pied de page 5" id="6"/>
           <p:cNvSpPr>
             <a:spLocks noGrp="true"/>
           </p:cNvSpPr>
           <p:nvPr>
-            <p:ph type="ftr" sz="quarter" idx="11"/>
+            <p:ph idx="11" sz="quarter" type="ftr"/>
           </p:nvPr>
         </p:nvSpPr>
         <p:spPr/>
@@ -1997,12 +1997,12 @@
       </p:sp>
       <p:sp>
         <p:nvSpPr>
-          <p:cNvPr id="7" name="Espace réservé du numéro de diapositive 6"/>
+          <p:cNvPr name="Espace réservé du numéro de diapositive 6" id="7"/>
           <p:cNvSpPr>
             <a:spLocks noGrp="true"/>
           </p:cNvSpPr>
           <p:nvPr>
-            <p:ph type="sldNum" sz="quarter" idx="12"/>
+            <p:ph idx="12" sz="quarter" type="sldNum"/>
           </p:nvPr>
         </p:nvSpPr>
         <p:spPr/>
@@ -2010,8 +2010,8 @@
           <a:bodyPr/>
           <a:lstStyle/>
           <a:p>
-            <a:fld id="{C47AABF0-D73A-43C1-84CC-8A30B6535388}" type="slidenum">
-              <a:rPr lang="fr-FR" smtClean="false"/>
+            <a:fld type="slidenum" id="{C47AABF0-D73A-43C1-84CC-8A30B6535388}">
+              <a:rPr smtClean="false" lang="fr-FR"/>
               <a:t>‹N°›</a:t>
             </a:fld>
             <a:endParaRPr lang="fr-FR"/>
@@ -2031,7 +2031,7 @@
   <p:timing>
     <p:tnLst>
       <p:par>
-        <p:cTn id="1" dur="indefinite" restart="never" nodeType="tmRoot"/>
+        <p:cTn nodeType="tmRoot" restart="never" dur="indefinite" id="1"/>
       </p:par>
     </p:tnLst>
   </p:timing>
@@ -2039,25 +2039,25 @@
 </file>
 
 <file path=ppt/slideLayouts/slideLayout9.xml><?xml version="1.0" encoding="utf-8"?>
-<p:sldLayout xmlns:r="http://schemas.openxmlformats.org/officeDocument/2006/relationships" xmlns:a="http://schemas.openxmlformats.org/drawingml/2006/main" xmlns:p="http://schemas.openxmlformats.org/presentationml/2006/main" xmlns:mc="http://schemas.openxmlformats.org/markup-compatibility/2006" xmlns:c="http://schemas.openxmlformats.org/drawingml/2006/chart" xmlns:ns6="http://schemas.openxmlformats.org/drawingml/2006/chartDrawing" xmlns:dgm="http://schemas.openxmlformats.org/drawingml/2006/diagram" xmlns:pic="http://schemas.openxmlformats.org/drawingml/2006/picture" xmlns:wp="http://schemas.openxmlformats.org/drawingml/2006/wordprocessingDrawing" xmlns:xdr="http://schemas.openxmlformats.org/drawingml/2006/spreadsheetDrawing" xmlns:ns11="http://schemas.openxmlformats.org/drawingml/2006/compatibility" xmlns:ns12="http://schemas.openxmlformats.org/drawingml/2006/lockedCanvas" type="vertTx" preserve="true">
+<p:sldLayout xmlns:r="http://schemas.openxmlformats.org/officeDocument/2006/relationships" xmlns:a="http://schemas.openxmlformats.org/drawingml/2006/main" xmlns:p="http://schemas.openxmlformats.org/presentationml/2006/main" xmlns:mc="http://schemas.openxmlformats.org/markup-compatibility/2006" xmlns:c="http://schemas.openxmlformats.org/drawingml/2006/chart" xmlns:ns6="http://schemas.openxmlformats.org/drawingml/2006/chartDrawing" xmlns:dgm="http://schemas.openxmlformats.org/drawingml/2006/diagram" xmlns:pic="http://schemas.openxmlformats.org/drawingml/2006/picture" xmlns:wp="http://schemas.openxmlformats.org/drawingml/2006/wordprocessingDrawing" xmlns:xdr="http://schemas.openxmlformats.org/drawingml/2006/spreadsheetDrawing" xmlns:ns11="http://schemas.openxmlformats.org/drawingml/2006/compatibility" xmlns:ns12="http://schemas.openxmlformats.org/drawingml/2006/lockedCanvas" preserve="true" type="vertTx">
   <p:cSld name="Title and Vertical Text">
     <p:spTree>
       <p:nvGrpSpPr>
-        <p:cNvPr id="1" name=""/>
+        <p:cNvPr name="" id="1"/>
         <p:cNvGrpSpPr/>
         <p:nvPr/>
       </p:nvGrpSpPr>
       <p:grpSpPr>
         <a:xfrm>
-          <a:off x="0" y="0"/>
-          <a:ext cx="0" cy="0"/>
-          <a:chOff x="0" y="0"/>
-          <a:chExt cx="0" cy="0"/>
+          <a:off y="0" x="0"/>
+          <a:ext cy="0" cx="0"/>
+          <a:chOff y="0" x="0"/>
+          <a:chExt cy="0" cx="0"/>
         </a:xfrm>
       </p:grpSpPr>
       <p:sp>
         <p:nvSpPr>
-          <p:cNvPr id="2" name="Titre 1"/>
+          <p:cNvPr name="Titre 1" id="2"/>
           <p:cNvSpPr>
             <a:spLocks noGrp="true"/>
           </p:cNvSpPr>
@@ -2071,7 +2071,7 @@
           <a:lstStyle/>
           <a:p>
             <a:r>
-              <a:rPr lang="fr-FR" smtClean="false"/>
+              <a:rPr smtClean="false" lang="fr-FR"/>
               <a:t>Modifiez le style du titre</a:t>
             </a:r>
             <a:endParaRPr lang="fr-FR"/>
@@ -2080,12 +2080,12 @@
       </p:sp>
       <p:sp>
         <p:nvSpPr>
-          <p:cNvPr id="3" name="Espace réservé du texte vertical 2"/>
+          <p:cNvPr name="Espace réservé du texte vertical 2" id="3"/>
           <p:cNvSpPr>
             <a:spLocks noGrp="true"/>
           </p:cNvSpPr>
           <p:nvPr>
-            <p:ph type="body" orient="vert" idx="1"/>
+            <p:ph idx="1" orient="vert" type="body"/>
           </p:nvPr>
         </p:nvSpPr>
         <p:spPr/>
@@ -2095,35 +2095,35 @@
           <a:p>
             <a:pPr lvl="0"/>
             <a:r>
-              <a:rPr lang="fr-FR" smtClean="false"/>
+              <a:rPr smtClean="false" lang="fr-FR"/>
               <a:t>Modifiez les styles du texte du masque</a:t>
             </a:r>
           </a:p>
           <a:p>
             <a:pPr lvl="1"/>
             <a:r>
-              <a:rPr lang="fr-FR" smtClean="false"/>
+              <a:rPr smtClean="false" lang="fr-FR"/>
               <a:t>Deuxième niveau</a:t>
             </a:r>
           </a:p>
           <a:p>
             <a:pPr lvl="2"/>
             <a:r>
-              <a:rPr lang="fr-FR" smtClean="false"/>
+              <a:rPr smtClean="false" lang="fr-FR"/>
               <a:t>Troisième niveau</a:t>
             </a:r>
           </a:p>
           <a:p>
             <a:pPr lvl="3"/>
             <a:r>
-              <a:rPr lang="fr-FR" smtClean="false"/>
+              <a:rPr smtClean="false" lang="fr-FR"/>
               <a:t>Quatrième niveau</a:t>
             </a:r>
           </a:p>
           <a:p>
             <a:pPr lvl="4"/>
             <a:r>
-              <a:rPr lang="fr-FR" smtClean="false"/>
+              <a:rPr smtClean="false" lang="fr-FR"/>
               <a:t>Cinquième niveau</a:t>
             </a:r>
             <a:endParaRPr lang="fr-FR"/>
@@ -2132,12 +2132,12 @@
       </p:sp>
       <p:sp>
         <p:nvSpPr>
-          <p:cNvPr id="4" name="Espace réservé de la date 3"/>
+          <p:cNvPr name="Espace réservé de la date 3" id="4"/>
           <p:cNvSpPr>
             <a:spLocks noGrp="true"/>
           </p:cNvSpPr>
           <p:nvPr>
-            <p:ph type="dt" sz="half" idx="10"/>
+            <p:ph idx="10" sz="half" type="dt"/>
           </p:nvPr>
         </p:nvSpPr>
         <p:spPr/>
@@ -2145,8 +2145,8 @@
           <a:bodyPr/>
           <a:lstStyle/>
           <a:p>
-            <a:fld id="{CE3110EA-6548-4EF6-B0A9-8F847AEECEDD}" type="datetimeFigureOut">
-              <a:rPr lang="fr-FR" smtClean="false"/>
+            <a:fld type="datetimeFigureOut" id="{CE3110EA-6548-4EF6-B0A9-8F847AEECEDD}">
+              <a:rPr smtClean="false" lang="fr-FR"/>
               <a:t>07/12/2013</a:t>
             </a:fld>
             <a:endParaRPr lang="fr-FR"/>
@@ -2155,12 +2155,12 @@
       </p:sp>
       <p:sp>
         <p:nvSpPr>
-          <p:cNvPr id="5" name="Espace réservé du pied de page 4"/>
+          <p:cNvPr name="Espace réservé du pied de page 4" id="5"/>
           <p:cNvSpPr>
             <a:spLocks noGrp="true"/>
           </p:cNvSpPr>
           <p:nvPr>
-            <p:ph type="ftr" sz="quarter" idx="11"/>
+            <p:ph idx="11" sz="quarter" type="ftr"/>
           </p:nvPr>
         </p:nvSpPr>
         <p:spPr/>
@@ -2174,12 +2174,12 @@
       </p:sp>
       <p:sp>
         <p:nvSpPr>
-          <p:cNvPr id="6" name="Espace réservé du numéro de diapositive 5"/>
+          <p:cNvPr name="Espace réservé du numéro de diapositive 5" id="6"/>
           <p:cNvSpPr>
             <a:spLocks noGrp="true"/>
           </p:cNvSpPr>
           <p:nvPr>
-            <p:ph type="sldNum" sz="quarter" idx="12"/>
+            <p:ph idx="12" sz="quarter" type="sldNum"/>
           </p:nvPr>
         </p:nvSpPr>
         <p:spPr/>
@@ -2187,8 +2187,8 @@
           <a:bodyPr/>
           <a:lstStyle/>
           <a:p>
-            <a:fld id="{C47AABF0-D73A-43C1-84CC-8A30B6535388}" type="slidenum">
-              <a:rPr lang="fr-FR" smtClean="false"/>
+            <a:fld type="slidenum" id="{C47AABF0-D73A-43C1-84CC-8A30B6535388}">
+              <a:rPr smtClean="false" lang="fr-FR"/>
               <a:t>‹N°›</a:t>
             </a:fld>
             <a:endParaRPr lang="fr-FR"/>
@@ -2208,7 +2208,7 @@
   <p:timing>
     <p:tnLst>
       <p:par>
-        <p:cTn id="1" dur="indefinite" restart="never" nodeType="tmRoot"/>
+        <p:cTn nodeType="tmRoot" restart="never" dur="indefinite" id="1"/>
       </p:par>
     </p:tnLst>
   </p:timing>
@@ -2225,21 +2225,21 @@
     </p:bg>
     <p:spTree>
       <p:nvGrpSpPr>
-        <p:cNvPr id="1" name=""/>
+        <p:cNvPr name="" id="1"/>
         <p:cNvGrpSpPr/>
         <p:nvPr/>
       </p:nvGrpSpPr>
       <p:grpSpPr>
         <a:xfrm>
-          <a:off x="0" y="0"/>
-          <a:ext cx="0" cy="0"/>
-          <a:chOff x="0" y="0"/>
-          <a:chExt cx="0" cy="0"/>
+          <a:off y="0" x="0"/>
+          <a:ext cy="0" cx="0"/>
+          <a:chOff y="0" x="0"/>
+          <a:chExt cy="0" cx="0"/>
         </a:xfrm>
       </p:grpSpPr>
       <p:sp>
         <p:nvSpPr>
-          <p:cNvPr id="2" name="Espace réservé du titre 1"/>
+          <p:cNvPr name="Espace réservé du titre 1" id="2"/>
           <p:cNvSpPr>
             <a:spLocks noGrp="true"/>
           </p:cNvSpPr>
@@ -2249,21 +2249,21 @@
         </p:nvSpPr>
         <p:spPr>
           <a:xfrm>
-            <a:off x="838200" y="360000"/>
-            <a:ext cx="10515600" cy="1325563"/>
+            <a:off y="360000" x="838200"/>
+            <a:ext cy="1325563" cx="10515600"/>
           </a:xfrm>
           <a:prstGeom prst="rect">
             <a:avLst/>
           </a:prstGeom>
         </p:spPr>
         <p:txBody>
-          <a:bodyPr vert="horz" lIns="91440" tIns="45720" rIns="91440" bIns="45720" rtlCol="false" anchor="ctr">
+          <a:bodyPr anchor="ctr" rtlCol="false" bIns="45720" rIns="91440" tIns="45720" lIns="91440" vert="horz">
             <a:normAutofit/>
           </a:bodyPr>
           <a:lstStyle/>
           <a:p>
             <a:r>
-              <a:rPr lang="fr-FR" smtClean="false"/>
+              <a:rPr smtClean="false" lang="fr-FR"/>
               <a:t>Modifiez le style du titre</a:t>
             </a:r>
             <a:endParaRPr lang="fr-FR"/>
@@ -2272,60 +2272,60 @@
       </p:sp>
       <p:sp>
         <p:nvSpPr>
-          <p:cNvPr id="3" name="Espace réservé du texte 2"/>
+          <p:cNvPr name="Espace réservé du texte 2" id="3"/>
           <p:cNvSpPr>
             <a:spLocks noGrp="true"/>
           </p:cNvSpPr>
           <p:nvPr>
-            <p:ph type="body" idx="1"/>
+            <p:ph idx="1" type="body"/>
           </p:nvPr>
         </p:nvSpPr>
         <p:spPr>
           <a:xfrm>
-            <a:off x="838200" y="1825625"/>
-            <a:ext cx="10515600" cy="4351338"/>
+            <a:off y="1825625" x="838200"/>
+            <a:ext cy="4351338" cx="10515600"/>
           </a:xfrm>
           <a:prstGeom prst="rect">
             <a:avLst/>
           </a:prstGeom>
         </p:spPr>
         <p:txBody>
-          <a:bodyPr vert="horz" lIns="91440" tIns="45720" rIns="91440" bIns="45720" rtlCol="false">
+          <a:bodyPr rtlCol="false" bIns="45720" rIns="91440" tIns="45720" lIns="91440" vert="horz">
             <a:normAutofit/>
           </a:bodyPr>
           <a:lstStyle/>
           <a:p>
             <a:pPr lvl="0"/>
             <a:r>
-              <a:rPr lang="fr-FR" smtClean="false"/>
+              <a:rPr smtClean="false" lang="fr-FR"/>
               <a:t>Modifiez les styles du texte du masque</a:t>
             </a:r>
           </a:p>
           <a:p>
             <a:pPr lvl="1"/>
             <a:r>
-              <a:rPr lang="fr-FR" smtClean="false"/>
+              <a:rPr smtClean="false" lang="fr-FR"/>
               <a:t>Deuxième niveau</a:t>
             </a:r>
           </a:p>
           <a:p>
             <a:pPr lvl="2"/>
             <a:r>
-              <a:rPr lang="fr-FR" smtClean="false"/>
+              <a:rPr smtClean="false" lang="fr-FR"/>
               <a:t>Troisième niveau</a:t>
             </a:r>
           </a:p>
           <a:p>
             <a:pPr lvl="3"/>
             <a:r>
-              <a:rPr lang="fr-FR" smtClean="false"/>
+              <a:rPr smtClean="false" lang="fr-FR"/>
               <a:t>Quatrième niveau</a:t>
             </a:r>
           </a:p>
           <a:p>
             <a:pPr lvl="4"/>
             <a:r>
-              <a:rPr lang="fr-FR" smtClean="false"/>
+              <a:rPr smtClean="false" lang="fr-FR"/>
               <a:t>Cinquième niveau</a:t>
             </a:r>
             <a:endParaRPr lang="fr-FR"/>
@@ -2334,25 +2334,25 @@
       </p:sp>
       <p:sp>
         <p:nvSpPr>
-          <p:cNvPr id="4" name="Espace réservé de la date 3"/>
+          <p:cNvPr name="Espace réservé de la date 3" id="4"/>
           <p:cNvSpPr>
             <a:spLocks noGrp="true"/>
           </p:cNvSpPr>
           <p:nvPr>
-            <p:ph type="dt" sz="half" idx="2"/>
+            <p:ph idx="2" sz="half" type="dt"/>
           </p:nvPr>
         </p:nvSpPr>
         <p:spPr>
           <a:xfrm>
-            <a:off x="838200" y="6356350"/>
-            <a:ext cx="2743200" cy="365125"/>
+            <a:off y="6356350" x="838200"/>
+            <a:ext cy="365125" cx="2743200"/>
           </a:xfrm>
           <a:prstGeom prst="rect">
             <a:avLst/>
           </a:prstGeom>
         </p:spPr>
         <p:txBody>
-          <a:bodyPr vert="horz" lIns="91440" tIns="45720" rIns="91440" bIns="45720" rtlCol="false" anchor="ctr"/>
+          <a:bodyPr anchor="ctr" rtlCol="false" bIns="45720" rIns="91440" tIns="45720" lIns="91440" vert="horz"/>
           <a:lstStyle>
             <a:lvl1pPr algn="l">
               <a:defRPr sz="1200">
@@ -2365,8 +2365,8 @@
             </a:lvl1pPr>
           </a:lstStyle>
           <a:p>
-            <a:fld id="{CE3110EA-6548-4EF6-B0A9-8F847AEECEDD}" type="datetimeFigureOut">
-              <a:rPr lang="fr-FR" smtClean="false"/>
+            <a:fld type="datetimeFigureOut" id="{CE3110EA-6548-4EF6-B0A9-8F847AEECEDD}">
+              <a:rPr smtClean="false" lang="fr-FR"/>
               <a:t>07/12/2013</a:t>
             </a:fld>
             <a:endParaRPr lang="fr-FR"/>
@@ -2375,25 +2375,25 @@
       </p:sp>
       <p:sp>
         <p:nvSpPr>
-          <p:cNvPr id="5" name="Espace réservé du pied de page 4"/>
+          <p:cNvPr name="Espace réservé du pied de page 4" id="5"/>
           <p:cNvSpPr>
             <a:spLocks noGrp="true"/>
           </p:cNvSpPr>
           <p:nvPr>
-            <p:ph type="ftr" sz="quarter" idx="3"/>
+            <p:ph idx="3" sz="quarter" type="ftr"/>
           </p:nvPr>
         </p:nvSpPr>
         <p:spPr>
           <a:xfrm>
-            <a:off x="4038600" y="6356350"/>
-            <a:ext cx="4114800" cy="365125"/>
+            <a:off y="6356350" x="4038600"/>
+            <a:ext cy="365125" cx="4114800"/>
           </a:xfrm>
           <a:prstGeom prst="rect">
             <a:avLst/>
           </a:prstGeom>
         </p:spPr>
         <p:txBody>
-          <a:bodyPr vert="horz" lIns="91440" tIns="45720" rIns="91440" bIns="45720" rtlCol="false" anchor="ctr"/>
+          <a:bodyPr anchor="ctr" rtlCol="false" bIns="45720" rIns="91440" tIns="45720" lIns="91440" vert="horz"/>
           <a:lstStyle>
             <a:lvl1pPr algn="ctr">
               <a:defRPr sz="1200">
@@ -2412,25 +2412,25 @@
       </p:sp>
       <p:sp>
         <p:nvSpPr>
-          <p:cNvPr id="6" name="Espace réservé du numéro de diapositive 5"/>
+          <p:cNvPr name="Espace réservé du numéro de diapositive 5" id="6"/>
           <p:cNvSpPr>
             <a:spLocks noGrp="true"/>
           </p:cNvSpPr>
           <p:nvPr>
-            <p:ph type="sldNum" sz="quarter" idx="4"/>
+            <p:ph idx="4" sz="quarter" type="sldNum"/>
           </p:nvPr>
         </p:nvSpPr>
         <p:spPr>
           <a:xfrm>
-            <a:off x="8610600" y="6356350"/>
-            <a:ext cx="2743200" cy="365125"/>
+            <a:off y="6356350" x="8610600"/>
+            <a:ext cy="365125" cx="2743200"/>
           </a:xfrm>
           <a:prstGeom prst="rect">
             <a:avLst/>
           </a:prstGeom>
         </p:spPr>
         <p:txBody>
-          <a:bodyPr vert="horz" lIns="91440" tIns="45720" rIns="91440" bIns="45720" rtlCol="false" anchor="ctr"/>
+          <a:bodyPr anchor="ctr" rtlCol="false" bIns="45720" rIns="91440" tIns="45720" lIns="91440" vert="horz"/>
           <a:lstStyle>
             <a:lvl1pPr algn="r">
               <a:defRPr sz="1200">
@@ -2443,8 +2443,8 @@
             </a:lvl1pPr>
           </a:lstStyle>
           <a:p>
-            <a:fld id="{C47AABF0-D73A-43C1-84CC-8A30B6535388}" type="slidenum">
-              <a:rPr lang="fr-FR" smtClean="false"/>
+            <a:fld type="slidenum" id="{C47AABF0-D73A-43C1-84CC-8A30B6535388}">
+              <a:rPr smtClean="false" lang="fr-FR"/>
               <a:t>‹N°›</a:t>
             </a:fld>
             <a:endParaRPr lang="fr-FR"/>
@@ -2458,29 +2458,29 @@
       </p:ext>
     </p:extLst>
   </p:cSld>
-  <p:clrMap bg1="lt1" tx1="dk1" bg2="lt2" tx2="dk2" accent1="accent1" accent2="accent2" accent3="accent3" accent4="accent4" accent5="accent5" accent6="accent6" hlink="hlink" folHlink="folHlink"/>
+  <p:clrMap folHlink="folHlink" hlink="hlink" accent6="accent6" accent5="accent5" accent4="accent4" accent3="accent3" accent2="accent2" accent1="accent1" tx2="dk2" bg2="lt2" tx1="dk1" bg1="lt1"/>
   <p:sldLayoutIdLst>
-    <p:sldLayoutId id="2147483649" r:id="rId1"/>
-    <p:sldLayoutId id="2147483650" r:id="rId2"/>
-    <p:sldLayoutId id="2147483651" r:id="rId3"/>
-    <p:sldLayoutId id="2147483652" r:id="rId4"/>
-    <p:sldLayoutId id="2147483653" r:id="rId5"/>
-    <p:sldLayoutId id="2147483654" r:id="rId6"/>
-    <p:sldLayoutId id="2147483655" r:id="rId7"/>
-    <p:sldLayoutId id="2147483656" r:id="rId8"/>
-    <p:sldLayoutId id="2147483658" r:id="rId9"/>
-    <p:sldLayoutId id="2147483659" r:id="rId10"/>
+    <p:sldLayoutId r:id="rId1" id="2147483649"/>
+    <p:sldLayoutId r:id="rId2" id="2147483650"/>
+    <p:sldLayoutId r:id="rId3" id="2147483651"/>
+    <p:sldLayoutId r:id="rId4" id="2147483652"/>
+    <p:sldLayoutId r:id="rId5" id="2147483653"/>
+    <p:sldLayoutId r:id="rId6" id="2147483654"/>
+    <p:sldLayoutId r:id="rId7" id="2147483655"/>
+    <p:sldLayoutId r:id="rId8" id="2147483656"/>
+    <p:sldLayoutId r:id="rId9" id="2147483658"/>
+    <p:sldLayoutId r:id="rId10" id="2147483659"/>
   </p:sldLayoutIdLst>
   <p:timing>
     <p:tnLst>
       <p:par>
-        <p:cTn id="1" dur="indefinite" restart="never" nodeType="tmRoot"/>
+        <p:cTn nodeType="tmRoot" restart="never" dur="indefinite" id="1"/>
       </p:par>
     </p:tnLst>
   </p:timing>
   <p:txStyles>
     <p:titleStyle>
-      <a:lvl1pPr algn="l" defTabSz="914400" rtl="false" eaLnBrk="true" latinLnBrk="false" hangingPunct="true">
+      <a:lvl1pPr hangingPunct="true" latinLnBrk="false" eaLnBrk="true" rtl="false" defTabSz="914400" algn="l">
         <a:lnSpc>
           <a:spcPct val="90000"/>
         </a:lnSpc>
@@ -2488,7 +2488,7 @@
           <a:spcPct val="0"/>
         </a:spcBef>
         <a:buNone/>
-        <a:defRPr sz="4400" kern="1200">
+        <a:defRPr kern="1200" sz="4400">
           <a:solidFill>
             <a:schemeClr val="tx1"/>
           </a:solidFill>
@@ -2499,16 +2499,16 @@
       </a:lvl1pPr>
     </p:titleStyle>
     <p:bodyStyle>
-      <a:lvl1pPr marL="228600" indent="-228600" algn="l" defTabSz="914400" rtl="false" eaLnBrk="true" latinLnBrk="false" hangingPunct="true">
+      <a:lvl1pPr hangingPunct="true" latinLnBrk="false" eaLnBrk="true" rtl="false" defTabSz="914400" algn="l" indent="-228600" marL="228600">
         <a:lnSpc>
           <a:spcPct val="90000"/>
         </a:lnSpc>
         <a:spcBef>
           <a:spcPts val="1000"/>
         </a:spcBef>
-        <a:buFont typeface="Arial" panose="020B0604020202020204" pitchFamily="34" charset="0"/>
+        <a:buFont charset="0" pitchFamily="34" panose="020B0604020202020204" typeface="Arial"/>
         <a:buChar char="•"/>
-        <a:defRPr sz="2800" kern="1200">
+        <a:defRPr kern="1200" sz="2800">
           <a:solidFill>
             <a:schemeClr val="tx1"/>
           </a:solidFill>
@@ -2517,16 +2517,16 @@
           <a:cs typeface="+mn-cs"/>
         </a:defRPr>
       </a:lvl1pPr>
-      <a:lvl2pPr marL="685800" indent="-228600" algn="l" defTabSz="914400" rtl="false" eaLnBrk="true" latinLnBrk="false" hangingPunct="true">
+      <a:lvl2pPr hangingPunct="true" latinLnBrk="false" eaLnBrk="true" rtl="false" defTabSz="914400" algn="l" indent="-228600" marL="685800">
         <a:lnSpc>
           <a:spcPct val="90000"/>
         </a:lnSpc>
         <a:spcBef>
           <a:spcPts val="500"/>
         </a:spcBef>
-        <a:buFont typeface="Arial" panose="020B0604020202020204" pitchFamily="34" charset="0"/>
+        <a:buFont charset="0" pitchFamily="34" panose="020B0604020202020204" typeface="Arial"/>
         <a:buChar char="•"/>
-        <a:defRPr sz="2400" kern="1200">
+        <a:defRPr kern="1200" sz="2400">
           <a:solidFill>
             <a:schemeClr val="tx1"/>
           </a:solidFill>
@@ -2535,16 +2535,16 @@
           <a:cs typeface="+mn-cs"/>
         </a:defRPr>
       </a:lvl2pPr>
-      <a:lvl3pPr marL="1143000" indent="-228600" algn="l" defTabSz="914400" rtl="false" eaLnBrk="true" latinLnBrk="false" hangingPunct="true">
+      <a:lvl3pPr hangingPunct="true" latinLnBrk="false" eaLnBrk="true" rtl="false" defTabSz="914400" algn="l" indent="-228600" marL="1143000">
         <a:lnSpc>
           <a:spcPct val="90000"/>
         </a:lnSpc>
         <a:spcBef>
           <a:spcPts val="500"/>
         </a:spcBef>
-        <a:buFont typeface="Arial" panose="020B0604020202020204" pitchFamily="34" charset="0"/>
+        <a:buFont charset="0" pitchFamily="34" panose="020B0604020202020204" typeface="Arial"/>
         <a:buChar char="•"/>
-        <a:defRPr sz="2000" kern="1200">
+        <a:defRPr kern="1200" sz="2000">
           <a:solidFill>
             <a:schemeClr val="tx1"/>
           </a:solidFill>
@@ -2553,16 +2553,16 @@
           <a:cs typeface="+mn-cs"/>
         </a:defRPr>
       </a:lvl3pPr>
-      <a:lvl4pPr marL="1600200" indent="-228600" algn="l" defTabSz="914400" rtl="false" eaLnBrk="true" latinLnBrk="false" hangingPunct="true">
+      <a:lvl4pPr hangingPunct="true" latinLnBrk="false" eaLnBrk="true" rtl="false" defTabSz="914400" algn="l" indent="-228600" marL="1600200">
         <a:lnSpc>
           <a:spcPct val="90000"/>
         </a:lnSpc>
         <a:spcBef>
           <a:spcPts val="500"/>
         </a:spcBef>
-        <a:buFont typeface="Arial" panose="020B0604020202020204" pitchFamily="34" charset="0"/>
+        <a:buFont charset="0" pitchFamily="34" panose="020B0604020202020204" typeface="Arial"/>
         <a:buChar char="•"/>
-        <a:defRPr sz="1800" kern="1200">
+        <a:defRPr kern="1200" sz="1800">
           <a:solidFill>
             <a:schemeClr val="tx1"/>
           </a:solidFill>
@@ -2571,16 +2571,16 @@
           <a:cs typeface="+mn-cs"/>
         </a:defRPr>
       </a:lvl4pPr>
-      <a:lvl5pPr marL="2057400" indent="-228600" algn="l" defTabSz="914400" rtl="false" eaLnBrk="true" latinLnBrk="false" hangingPunct="true">
+      <a:lvl5pPr hangingPunct="true" latinLnBrk="false" eaLnBrk="true" rtl="false" defTabSz="914400" algn="l" indent="-228600" marL="2057400">
         <a:lnSpc>
           <a:spcPct val="90000"/>
         </a:lnSpc>
         <a:spcBef>
           <a:spcPts val="500"/>
         </a:spcBef>
-        <a:buFont typeface="Arial" panose="020B0604020202020204" pitchFamily="34" charset="0"/>
+        <a:buFont charset="0" pitchFamily="34" panose="020B0604020202020204" typeface="Arial"/>
         <a:buChar char="•"/>
-        <a:defRPr sz="1800" kern="1200">
+        <a:defRPr kern="1200" sz="1800">
           <a:solidFill>
             <a:schemeClr val="tx1"/>
           </a:solidFill>
@@ -2589,16 +2589,16 @@
           <a:cs typeface="+mn-cs"/>
         </a:defRPr>
       </a:lvl5pPr>
-      <a:lvl6pPr marL="2514600" indent="-228600" algn="l" defTabSz="914400" rtl="false" eaLnBrk="true" latinLnBrk="false" hangingPunct="true">
+      <a:lvl6pPr hangingPunct="true" latinLnBrk="false" eaLnBrk="true" rtl="false" defTabSz="914400" algn="l" indent="-228600" marL="2514600">
         <a:lnSpc>
           <a:spcPct val="90000"/>
         </a:lnSpc>
         <a:spcBef>
           <a:spcPts val="500"/>
         </a:spcBef>
-        <a:buFont typeface="Arial" panose="020B0604020202020204" pitchFamily="34" charset="0"/>
+        <a:buFont charset="0" pitchFamily="34" panose="020B0604020202020204" typeface="Arial"/>
         <a:buChar char="•"/>
-        <a:defRPr sz="1800" kern="1200">
+        <a:defRPr kern="1200" sz="1800">
           <a:solidFill>
             <a:schemeClr val="tx1"/>
           </a:solidFill>
@@ -2607,16 +2607,16 @@
           <a:cs typeface="+mn-cs"/>
         </a:defRPr>
       </a:lvl6pPr>
-      <a:lvl7pPr marL="2971800" indent="-228600" algn="l" defTabSz="914400" rtl="false" eaLnBrk="true" latinLnBrk="false" hangingPunct="true">
+      <a:lvl7pPr hangingPunct="true" latinLnBrk="false" eaLnBrk="true" rtl="false" defTabSz="914400" algn="l" indent="-228600" marL="2971800">
         <a:lnSpc>
           <a:spcPct val="90000"/>
         </a:lnSpc>
         <a:spcBef>
           <a:spcPts val="500"/>
         </a:spcBef>
-        <a:buFont typeface="Arial" panose="020B0604020202020204" pitchFamily="34" charset="0"/>
+        <a:buFont charset="0" pitchFamily="34" panose="020B0604020202020204" typeface="Arial"/>
         <a:buChar char="•"/>
-        <a:defRPr sz="1800" kern="1200">
+        <a:defRPr kern="1200" sz="1800">
           <a:solidFill>
             <a:schemeClr val="tx1"/>
           </a:solidFill>
@@ -2625,16 +2625,16 @@
           <a:cs typeface="+mn-cs"/>
         </a:defRPr>
       </a:lvl7pPr>
-      <a:lvl8pPr marL="3429000" indent="-228600" algn="l" defTabSz="914400" rtl="false" eaLnBrk="true" latinLnBrk="false" hangingPunct="true">
+      <a:lvl8pPr hangingPunct="true" latinLnBrk="false" eaLnBrk="true" rtl="false" defTabSz="914400" algn="l" indent="-228600" marL="3429000">
         <a:lnSpc>
           <a:spcPct val="90000"/>
         </a:lnSpc>
         <a:spcBef>
           <a:spcPts val="500"/>
         </a:spcBef>
-        <a:buFont typeface="Arial" panose="020B0604020202020204" pitchFamily="34" charset="0"/>
+        <a:buFont charset="0" pitchFamily="34" panose="020B0604020202020204" typeface="Arial"/>
         <a:buChar char="•"/>
-        <a:defRPr sz="1800" kern="1200">
+        <a:defRPr kern="1200" sz="1800">
           <a:solidFill>
             <a:schemeClr val="tx1"/>
           </a:solidFill>
@@ -2643,16 +2643,16 @@
           <a:cs typeface="+mn-cs"/>
         </a:defRPr>
       </a:lvl8pPr>
-      <a:lvl9pPr marL="3886200" indent="-228600" algn="l" defTabSz="914400" rtl="false" eaLnBrk="true" latinLnBrk="false" hangingPunct="true">
+      <a:lvl9pPr hangingPunct="true" latinLnBrk="false" eaLnBrk="true" rtl="false" defTabSz="914400" algn="l" indent="-228600" marL="3886200">
         <a:lnSpc>
           <a:spcPct val="90000"/>
         </a:lnSpc>
         <a:spcBef>
           <a:spcPts val="500"/>
         </a:spcBef>
-        <a:buFont typeface="Arial" panose="020B0604020202020204" pitchFamily="34" charset="0"/>
+        <a:buFont charset="0" pitchFamily="34" panose="020B0604020202020204" typeface="Arial"/>
         <a:buChar char="•"/>
-        <a:defRPr sz="1800" kern="1200">
+        <a:defRPr kern="1200" sz="1800">
           <a:solidFill>
             <a:schemeClr val="tx1"/>
           </a:solidFill>
@@ -2666,8 +2666,8 @@
       <a:defPPr>
         <a:defRPr lang="fr-FR"/>
       </a:defPPr>
-      <a:lvl1pPr marL="0" algn="l" defTabSz="914400" rtl="false" eaLnBrk="true" latinLnBrk="false" hangingPunct="true">
-        <a:defRPr sz="1800" kern="1200">
+      <a:lvl1pPr hangingPunct="true" latinLnBrk="false" eaLnBrk="true" rtl="false" defTabSz="914400" algn="l" marL="0">
+        <a:defRPr kern="1200" sz="1800">
           <a:solidFill>
             <a:schemeClr val="tx1"/>
           </a:solidFill>
@@ -2676,8 +2676,8 @@
           <a:cs typeface="+mn-cs"/>
         </a:defRPr>
       </a:lvl1pPr>
-      <a:lvl2pPr marL="457200" algn="l" defTabSz="914400" rtl="false" eaLnBrk="true" latinLnBrk="false" hangingPunct="true">
-        <a:defRPr sz="1800" kern="1200">
+      <a:lvl2pPr hangingPunct="true" latinLnBrk="false" eaLnBrk="true" rtl="false" defTabSz="914400" algn="l" marL="457200">
+        <a:defRPr kern="1200" sz="1800">
           <a:solidFill>
             <a:schemeClr val="tx1"/>
           </a:solidFill>
@@ -2686,8 +2686,8 @@
           <a:cs typeface="+mn-cs"/>
         </a:defRPr>
       </a:lvl2pPr>
-      <a:lvl3pPr marL="914400" algn="l" defTabSz="914400" rtl="false" eaLnBrk="true" latinLnBrk="false" hangingPunct="true">
-        <a:defRPr sz="1800" kern="1200">
+      <a:lvl3pPr hangingPunct="true" latinLnBrk="false" eaLnBrk="true" rtl="false" defTabSz="914400" algn="l" marL="914400">
+        <a:defRPr kern="1200" sz="1800">
           <a:solidFill>
             <a:schemeClr val="tx1"/>
           </a:solidFill>
@@ -2696,8 +2696,8 @@
           <a:cs typeface="+mn-cs"/>
         </a:defRPr>
       </a:lvl3pPr>
-      <a:lvl4pPr marL="1371600" algn="l" defTabSz="914400" rtl="false" eaLnBrk="true" latinLnBrk="false" hangingPunct="true">
-        <a:defRPr sz="1800" kern="1200">
+      <a:lvl4pPr hangingPunct="true" latinLnBrk="false" eaLnBrk="true" rtl="false" defTabSz="914400" algn="l" marL="1371600">
+        <a:defRPr kern="1200" sz="1800">
           <a:solidFill>
             <a:schemeClr val="tx1"/>
           </a:solidFill>
@@ -2706,8 +2706,8 @@
           <a:cs typeface="+mn-cs"/>
         </a:defRPr>
       </a:lvl4pPr>
-      <a:lvl5pPr marL="1828800" algn="l" defTabSz="914400" rtl="false" eaLnBrk="true" latinLnBrk="false" hangingPunct="true">
-        <a:defRPr sz="1800" kern="1200">
+      <a:lvl5pPr hangingPunct="true" latinLnBrk="false" eaLnBrk="true" rtl="false" defTabSz="914400" algn="l" marL="1828800">
+        <a:defRPr kern="1200" sz="1800">
           <a:solidFill>
             <a:schemeClr val="tx1"/>
           </a:solidFill>
@@ -2716,8 +2716,8 @@
           <a:cs typeface="+mn-cs"/>
         </a:defRPr>
       </a:lvl5pPr>
-      <a:lvl6pPr marL="2286000" algn="l" defTabSz="914400" rtl="false" eaLnBrk="true" latinLnBrk="false" hangingPunct="true">
-        <a:defRPr sz="1800" kern="1200">
+      <a:lvl6pPr hangingPunct="true" latinLnBrk="false" eaLnBrk="true" rtl="false" defTabSz="914400" algn="l" marL="2286000">
+        <a:defRPr kern="1200" sz="1800">
           <a:solidFill>
             <a:schemeClr val="tx1"/>
           </a:solidFill>
@@ -2726,8 +2726,8 @@
           <a:cs typeface="+mn-cs"/>
         </a:defRPr>
       </a:lvl6pPr>
-      <a:lvl7pPr marL="2743200" algn="l" defTabSz="914400" rtl="false" eaLnBrk="true" latinLnBrk="false" hangingPunct="true">
-        <a:defRPr sz="1800" kern="1200">
+      <a:lvl7pPr hangingPunct="true" latinLnBrk="false" eaLnBrk="true" rtl="false" defTabSz="914400" algn="l" marL="2743200">
+        <a:defRPr kern="1200" sz="1800">
           <a:solidFill>
             <a:schemeClr val="tx1"/>
           </a:solidFill>
@@ -2736,8 +2736,8 @@
           <a:cs typeface="+mn-cs"/>
         </a:defRPr>
       </a:lvl7pPr>
-      <a:lvl8pPr marL="3200400" algn="l" defTabSz="914400" rtl="false" eaLnBrk="true" latinLnBrk="false" hangingPunct="true">
-        <a:defRPr sz="1800" kern="1200">
+      <a:lvl8pPr hangingPunct="true" latinLnBrk="false" eaLnBrk="true" rtl="false" defTabSz="914400" algn="l" marL="3200400">
+        <a:defRPr kern="1200" sz="1800">
           <a:solidFill>
             <a:schemeClr val="tx1"/>
           </a:solidFill>
@@ -2746,8 +2746,8 @@
           <a:cs typeface="+mn-cs"/>
         </a:defRPr>
       </a:lvl8pPr>
-      <a:lvl9pPr marL="3657600" algn="l" defTabSz="914400" rtl="false" eaLnBrk="true" latinLnBrk="false" hangingPunct="true">
-        <a:defRPr sz="1800" kern="1200">
+      <a:lvl9pPr hangingPunct="true" latinLnBrk="false" eaLnBrk="true" rtl="false" defTabSz="914400" algn="l" marL="3657600">
+        <a:defRPr kern="1200" sz="1800">
           <a:solidFill>
             <a:schemeClr val="tx1"/>
           </a:solidFill>
@@ -2766,42 +2766,42 @@
   <p:cSld>
     <p:spTree>
       <p:nvGrpSpPr>
-        <p:cNvPr id="1" name=""/>
+        <p:cNvPr name="" id="1"/>
         <p:cNvGrpSpPr/>
         <p:nvPr/>
       </p:nvGrpSpPr>
       <p:grpSpPr>
         <a:xfrm>
-          <a:off x="0" y="0"/>
-          <a:ext cx="0" cy="0"/>
-          <a:chOff x="0" y="0"/>
-          <a:chExt cx="0" cy="0"/>
+          <a:off y="0" x="0"/>
+          <a:ext cy="0" cx="0"/>
+          <a:chOff y="0" x="0"/>
+          <a:chExt cy="0" cx="0"/>
         </a:xfrm>
       </p:grpSpPr>
       <p:grpSp>
         <p:nvGrpSpPr>
-          <p:cNvPr id="1" name="Groupe 1"/>
+          <p:cNvPr name="Groupe 1" id="1"/>
           <p:cNvGrpSpPr/>
           <p:nvPr/>
         </p:nvGrpSpPr>
         <p:grpSpPr>
-          <a:xfrm>
-            <a:off x="5486400" y="4572000"/>
-            <a:ext cx="914400" cy="914400"/>
-            <a:chOff x="5486400" y="4572000"/>
-            <a:chExt cx="914400" cy="914400"/>
+          <a:xfrm rot="0">
+            <a:off y="4572000" x="5486400"/>
+            <a:ext cy="914400" cx="914400"/>
+            <a:chOff y="4572000" x="5486400"/>
+            <a:chExt cy="914400" cx="914400"/>
           </a:xfrm>
         </p:grpSpPr>
         <p:sp>
           <p:nvSpPr>
-            <p:cNvPr id="2" name="Rectangle 2"/>
-            <p:cNvSpPr/>
-            <p:nvPr/>
-          </p:nvSpPr>
-          <p:spPr>
-            <a:xfrm>
-              <a:off x="916940" y="916940"/>
-              <a:ext cx="5501640" cy="4584700"/>
+            <p:cNvPr name="Rectangle 2" id="2"/>
+            <p:cNvSpPr/>
+            <p:nvPr/>
+          </p:nvSpPr>
+          <p:spPr>
+            <a:xfrm>
+              <a:off y="916940" x="916940"/>
+              <a:ext cy="4584700" cx="5501640"/>
             </a:xfrm>
             <a:prstGeom prst="rect">
               <a:avLst/>
@@ -2829,14 +2829,14 @@
         </p:sp>
         <p:sp>
           <p:nvSpPr>
-            <p:cNvPr id="3" name="Rectangle 3"/>
-            <p:cNvSpPr/>
-            <p:nvPr/>
-          </p:nvSpPr>
-          <p:spPr>
-            <a:xfrm>
-              <a:off x="1375956" y="1085046"/>
-              <a:ext cx="3778270" cy="3918209"/>
+            <p:cNvPr name="Rectangle 3" id="3"/>
+            <p:cNvSpPr/>
+            <p:nvPr/>
+          </p:nvSpPr>
+          <p:spPr>
+            <a:xfrm>
+              <a:off y="1085046" x="1364526"/>
+              <a:ext cy="3929639" cx="3802400"/>
             </a:xfrm>
             <a:prstGeom prst="rect">
               <a:avLst/>
@@ -2855,24 +2855,24 @@
         </p:sp>
         <p:sp>
           <p:nvSpPr>
-            <p:cNvPr id="4" name="Polyline form 4"/>
-            <p:cNvSpPr/>
-            <p:nvPr/>
-          </p:nvSpPr>
-          <p:spPr>
-            <a:xfrm>
-              <a:off x="1375956" y="4825154"/>
-              <a:ext cx="3778270" cy="0"/>
+            <p:cNvPr name="Polyline form 4" id="4"/>
+            <p:cNvSpPr/>
+            <p:nvPr/>
+          </p:nvSpPr>
+          <p:spPr>
+            <a:xfrm>
+              <a:off y="4836064" x="1364526"/>
+              <a:ext cy="0" cx="3802400"/>
             </a:xfrm>
             <a:custGeom>
               <a:avLst/>
               <a:pathLst>
-                <a:path w="3778270" h="0">
+                <a:path h="0" w="3802400">
                   <a:moveTo>
-                    <a:pt x="0" y="0"/>
+                    <a:pt y="0" x="0"/>
                   </a:moveTo>
                   <a:lnTo>
-                    <a:pt x="3778270" y="0"/>
+                    <a:pt y="0" x="3802400"/>
                   </a:lnTo>
                 </a:path>
               </a:pathLst>
@@ -2895,24 +2895,24 @@
         </p:sp>
         <p:sp>
           <p:nvSpPr>
-            <p:cNvPr id="5" name="Polyline form 5"/>
-            <p:cNvSpPr/>
-            <p:nvPr/>
-          </p:nvSpPr>
-          <p:spPr>
-            <a:xfrm>
-              <a:off x="1375956" y="3617694"/>
-              <a:ext cx="3778270" cy="0"/>
+            <p:cNvPr name="Polyline form 5" id="5"/>
+            <p:cNvSpPr/>
+            <p:nvPr/>
+          </p:nvSpPr>
+          <p:spPr>
+            <a:xfrm>
+              <a:off y="3625082" x="1364526"/>
+              <a:ext cy="0" cx="3802400"/>
             </a:xfrm>
             <a:custGeom>
               <a:avLst/>
               <a:pathLst>
-                <a:path w="3778270" h="0">
+                <a:path h="0" w="3802400">
                   <a:moveTo>
-                    <a:pt x="0" y="0"/>
+                    <a:pt y="0" x="0"/>
                   </a:moveTo>
                   <a:lnTo>
-                    <a:pt x="3778270" y="0"/>
+                    <a:pt y="0" x="3802400"/>
                   </a:lnTo>
                 </a:path>
               </a:pathLst>
@@ -2935,24 +2935,24 @@
         </p:sp>
         <p:sp>
           <p:nvSpPr>
-            <p:cNvPr id="6" name="Polyline form 6"/>
-            <p:cNvSpPr/>
-            <p:nvPr/>
-          </p:nvSpPr>
-          <p:spPr>
-            <a:xfrm>
-              <a:off x="1375956" y="2410233"/>
-              <a:ext cx="3778270" cy="0"/>
+            <p:cNvPr name="Polyline form 6" id="6"/>
+            <p:cNvSpPr/>
+            <p:nvPr/>
+          </p:nvSpPr>
+          <p:spPr>
+            <a:xfrm>
+              <a:off y="2414099" x="1364526"/>
+              <a:ext cy="0" cx="3802400"/>
             </a:xfrm>
             <a:custGeom>
               <a:avLst/>
               <a:pathLst>
-                <a:path w="3778270" h="0">
+                <a:path h="0" w="3802400">
                   <a:moveTo>
-                    <a:pt x="0" y="0"/>
+                    <a:pt y="0" x="0"/>
                   </a:moveTo>
                   <a:lnTo>
-                    <a:pt x="3778270" y="0"/>
+                    <a:pt y="0" x="3802400"/>
                   </a:lnTo>
                 </a:path>
               </a:pathLst>
@@ -2975,24 +2975,24 @@
         </p:sp>
         <p:sp>
           <p:nvSpPr>
-            <p:cNvPr id="7" name="Polyline form 7"/>
-            <p:cNvSpPr/>
-            <p:nvPr/>
-          </p:nvSpPr>
-          <p:spPr>
-            <a:xfrm>
-              <a:off x="1375956" y="1202773"/>
-              <a:ext cx="3778270" cy="0"/>
+            <p:cNvPr name="Polyline form 7" id="7"/>
+            <p:cNvSpPr/>
+            <p:nvPr/>
+          </p:nvSpPr>
+          <p:spPr>
+            <a:xfrm>
+              <a:off y="1203116" x="1364526"/>
+              <a:ext cy="0" cx="3802400"/>
             </a:xfrm>
             <a:custGeom>
               <a:avLst/>
               <a:pathLst>
-                <a:path w="3778270" h="0">
+                <a:path h="0" w="3802400">
                   <a:moveTo>
-                    <a:pt x="0" y="0"/>
+                    <a:pt y="0" x="0"/>
                   </a:moveTo>
                   <a:lnTo>
-                    <a:pt x="3778270" y="0"/>
+                    <a:pt y="0" x="3802400"/>
                   </a:lnTo>
                 </a:path>
               </a:pathLst>
@@ -3015,24 +3015,24 @@
         </p:sp>
         <p:sp>
           <p:nvSpPr>
-            <p:cNvPr id="8" name="Polyline form 8"/>
-            <p:cNvSpPr/>
-            <p:nvPr/>
-          </p:nvSpPr>
-          <p:spPr>
-            <a:xfrm>
-              <a:off x="1738517" y="1085046"/>
-              <a:ext cx="0" cy="3918209"/>
+            <p:cNvPr name="Polyline form 8" id="8"/>
+            <p:cNvSpPr/>
+            <p:nvPr/>
+          </p:nvSpPr>
+          <p:spPr>
+            <a:xfrm>
+              <a:off y="1085046" x="1729402"/>
+              <a:ext cy="3929639" cx="0"/>
             </a:xfrm>
             <a:custGeom>
               <a:avLst/>
               <a:pathLst>
-                <a:path w="0" h="3918209">
+                <a:path h="3929639" w="0">
                   <a:moveTo>
-                    <a:pt x="0" y="3918209"/>
+                    <a:pt y="3929639" x="0"/>
                   </a:moveTo>
                   <a:lnTo>
-                    <a:pt x="0" y="0"/>
+                    <a:pt y="0" x="0"/>
                   </a:lnTo>
                 </a:path>
               </a:pathLst>
@@ -3055,24 +3055,24 @@
         </p:sp>
         <p:sp>
           <p:nvSpPr>
-            <p:cNvPr id="9" name="Polyline form 9"/>
-            <p:cNvSpPr/>
-            <p:nvPr/>
-          </p:nvSpPr>
-          <p:spPr>
-            <a:xfrm>
-              <a:off x="2692626" y="1085046"/>
-              <a:ext cx="0" cy="3918209"/>
+            <p:cNvPr name="Polyline form 9" id="9"/>
+            <p:cNvSpPr/>
+            <p:nvPr/>
+          </p:nvSpPr>
+          <p:spPr>
+            <a:xfrm>
+              <a:off y="1085046" x="2689605"/>
+              <a:ext cy="3929639" cx="0"/>
             </a:xfrm>
             <a:custGeom>
               <a:avLst/>
               <a:pathLst>
-                <a:path w="0" h="3918209">
+                <a:path h="3929639" w="0">
                   <a:moveTo>
-                    <a:pt x="0" y="3918209"/>
+                    <a:pt y="3929639" x="0"/>
                   </a:moveTo>
                   <a:lnTo>
-                    <a:pt x="0" y="0"/>
+                    <a:pt y="0" x="0"/>
                   </a:lnTo>
                 </a:path>
               </a:pathLst>
@@ -3095,24 +3095,24 @@
         </p:sp>
         <p:sp>
           <p:nvSpPr>
-            <p:cNvPr id="10" name="Polyline form 10"/>
-            <p:cNvSpPr/>
-            <p:nvPr/>
-          </p:nvSpPr>
-          <p:spPr>
-            <a:xfrm>
-              <a:off x="3646734" y="1085046"/>
-              <a:ext cx="0" cy="3918209"/>
+            <p:cNvPr name="Polyline form 10" id="10"/>
+            <p:cNvSpPr/>
+            <p:nvPr/>
+          </p:nvSpPr>
+          <p:spPr>
+            <a:xfrm>
+              <a:off y="1085046" x="3649807"/>
+              <a:ext cy="3929639" cx="0"/>
             </a:xfrm>
             <a:custGeom>
               <a:avLst/>
               <a:pathLst>
-                <a:path w="0" h="3918209">
+                <a:path h="3929639" w="0">
                   <a:moveTo>
-                    <a:pt x="0" y="3918209"/>
+                    <a:pt y="3929639" x="0"/>
                   </a:moveTo>
                   <a:lnTo>
-                    <a:pt x="0" y="0"/>
+                    <a:pt y="0" x="0"/>
                   </a:lnTo>
                 </a:path>
               </a:pathLst>
@@ -3135,24 +3135,24 @@
         </p:sp>
         <p:sp>
           <p:nvSpPr>
-            <p:cNvPr id="11" name="Polyline form 11"/>
-            <p:cNvSpPr/>
-            <p:nvPr/>
-          </p:nvSpPr>
-          <p:spPr>
-            <a:xfrm>
-              <a:off x="4600843" y="1085046"/>
-              <a:ext cx="0" cy="3918209"/>
+            <p:cNvPr name="Polyline form 11" id="11"/>
+            <p:cNvSpPr/>
+            <p:nvPr/>
+          </p:nvSpPr>
+          <p:spPr>
+            <a:xfrm>
+              <a:off y="1085046" x="4610009"/>
+              <a:ext cy="3929639" cx="0"/>
             </a:xfrm>
             <a:custGeom>
               <a:avLst/>
               <a:pathLst>
-                <a:path w="0" h="3918209">
+                <a:path h="3929639" w="0">
                   <a:moveTo>
-                    <a:pt x="0" y="3918209"/>
+                    <a:pt y="3929639" x="0"/>
                   </a:moveTo>
                   <a:lnTo>
-                    <a:pt x="0" y="0"/>
+                    <a:pt y="0" x="0"/>
                   </a:lnTo>
                 </a:path>
               </a:pathLst>
@@ -3175,24 +3175,24 @@
         </p:sp>
         <p:sp>
           <p:nvSpPr>
-            <p:cNvPr id="12" name="Polyline form 12"/>
-            <p:cNvSpPr/>
-            <p:nvPr/>
-          </p:nvSpPr>
-          <p:spPr>
-            <a:xfrm>
-              <a:off x="1375956" y="4221424"/>
-              <a:ext cx="3778270" cy="0"/>
+            <p:cNvPr name="Polyline form 12" id="12"/>
+            <p:cNvSpPr/>
+            <p:nvPr/>
+          </p:nvSpPr>
+          <p:spPr>
+            <a:xfrm>
+              <a:off y="4230573" x="1364526"/>
+              <a:ext cy="0" cx="3802400"/>
             </a:xfrm>
             <a:custGeom>
               <a:avLst/>
               <a:pathLst>
-                <a:path w="3778270" h="0">
+                <a:path h="0" w="3802400">
                   <a:moveTo>
-                    <a:pt x="0" y="0"/>
+                    <a:pt y="0" x="0"/>
                   </a:moveTo>
                   <a:lnTo>
-                    <a:pt x="3778270" y="0"/>
+                    <a:pt y="0" x="3802400"/>
                   </a:lnTo>
                 </a:path>
               </a:pathLst>
@@ -3215,24 +3215,24 @@
         </p:sp>
         <p:sp>
           <p:nvSpPr>
-            <p:cNvPr id="13" name="Polyline form 13"/>
-            <p:cNvSpPr/>
-            <p:nvPr/>
-          </p:nvSpPr>
-          <p:spPr>
-            <a:xfrm>
-              <a:off x="1375956" y="3013963"/>
-              <a:ext cx="3778270" cy="0"/>
+            <p:cNvPr name="Polyline form 13" id="13"/>
+            <p:cNvSpPr/>
+            <p:nvPr/>
+          </p:nvSpPr>
+          <p:spPr>
+            <a:xfrm>
+              <a:off y="3019590" x="1364526"/>
+              <a:ext cy="0" cx="3802400"/>
             </a:xfrm>
             <a:custGeom>
               <a:avLst/>
               <a:pathLst>
-                <a:path w="3778270" h="0">
+                <a:path h="0" w="3802400">
                   <a:moveTo>
-                    <a:pt x="0" y="0"/>
+                    <a:pt y="0" x="0"/>
                   </a:moveTo>
                   <a:lnTo>
-                    <a:pt x="3778270" y="0"/>
+                    <a:pt y="0" x="3802400"/>
                   </a:lnTo>
                 </a:path>
               </a:pathLst>
@@ -3255,24 +3255,24 @@
         </p:sp>
         <p:sp>
           <p:nvSpPr>
-            <p:cNvPr id="14" name="Polyline form 14"/>
-            <p:cNvSpPr/>
-            <p:nvPr/>
-          </p:nvSpPr>
-          <p:spPr>
-            <a:xfrm>
-              <a:off x="1375956" y="1806503"/>
-              <a:ext cx="3778270" cy="0"/>
+            <p:cNvPr name="Polyline form 14" id="14"/>
+            <p:cNvSpPr/>
+            <p:nvPr/>
+          </p:nvSpPr>
+          <p:spPr>
+            <a:xfrm>
+              <a:off y="1808608" x="1364526"/>
+              <a:ext cy="0" cx="3802400"/>
             </a:xfrm>
             <a:custGeom>
               <a:avLst/>
               <a:pathLst>
-                <a:path w="3778270" h="0">
+                <a:path h="0" w="3802400">
                   <a:moveTo>
-                    <a:pt x="0" y="0"/>
+                    <a:pt y="0" x="0"/>
                   </a:moveTo>
                   <a:lnTo>
-                    <a:pt x="3778270" y="0"/>
+                    <a:pt y="0" x="3802400"/>
                   </a:lnTo>
                 </a:path>
               </a:pathLst>
@@ -3295,24 +3295,24 @@
         </p:sp>
         <p:sp>
           <p:nvSpPr>
-            <p:cNvPr id="15" name="Polyline form 15"/>
-            <p:cNvSpPr/>
-            <p:nvPr/>
-          </p:nvSpPr>
-          <p:spPr>
-            <a:xfrm>
-              <a:off x="2215571" y="1085046"/>
-              <a:ext cx="0" cy="3918209"/>
+            <p:cNvPr name="Polyline form 15" id="15"/>
+            <p:cNvSpPr/>
+            <p:nvPr/>
+          </p:nvSpPr>
+          <p:spPr>
+            <a:xfrm>
+              <a:off y="1085046" x="2209504"/>
+              <a:ext cy="3929639" cx="0"/>
             </a:xfrm>
             <a:custGeom>
               <a:avLst/>
               <a:pathLst>
-                <a:path w="0" h="3918209">
+                <a:path h="3929639" w="0">
                   <a:moveTo>
-                    <a:pt x="0" y="3918209"/>
+                    <a:pt y="3929639" x="0"/>
                   </a:moveTo>
                   <a:lnTo>
-                    <a:pt x="0" y="0"/>
+                    <a:pt y="0" x="0"/>
                   </a:lnTo>
                 </a:path>
               </a:pathLst>
@@ -3335,24 +3335,24 @@
         </p:sp>
         <p:sp>
           <p:nvSpPr>
-            <p:cNvPr id="16" name="Polyline form 16"/>
-            <p:cNvSpPr/>
-            <p:nvPr/>
-          </p:nvSpPr>
-          <p:spPr>
-            <a:xfrm>
-              <a:off x="3169680" y="1085046"/>
-              <a:ext cx="0" cy="3918209"/>
+            <p:cNvPr name="Polyline form 16" id="16"/>
+            <p:cNvSpPr/>
+            <p:nvPr/>
+          </p:nvSpPr>
+          <p:spPr>
+            <a:xfrm>
+              <a:off y="1085046" x="3169706"/>
+              <a:ext cy="3929639" cx="0"/>
             </a:xfrm>
             <a:custGeom>
               <a:avLst/>
               <a:pathLst>
-                <a:path w="0" h="3918209">
+                <a:path h="3929639" w="0">
                   <a:moveTo>
-                    <a:pt x="0" y="3918209"/>
+                    <a:pt y="3929639" x="0"/>
                   </a:moveTo>
                   <a:lnTo>
-                    <a:pt x="0" y="0"/>
+                    <a:pt y="0" x="0"/>
                   </a:lnTo>
                 </a:path>
               </a:pathLst>
@@ -3375,24 +3375,24 @@
         </p:sp>
         <p:sp>
           <p:nvSpPr>
-            <p:cNvPr id="17" name="Polyline form 17"/>
-            <p:cNvSpPr/>
-            <p:nvPr/>
-          </p:nvSpPr>
-          <p:spPr>
-            <a:xfrm>
-              <a:off x="4123789" y="1085046"/>
-              <a:ext cx="0" cy="3918209"/>
+            <p:cNvPr name="Polyline form 17" id="17"/>
+            <p:cNvSpPr/>
+            <p:nvPr/>
+          </p:nvSpPr>
+          <p:spPr>
+            <a:xfrm>
+              <a:off y="1085046" x="4129908"/>
+              <a:ext cy="3929639" cx="0"/>
             </a:xfrm>
             <a:custGeom>
               <a:avLst/>
               <a:pathLst>
-                <a:path w="0" h="3918209">
+                <a:path h="3929639" w="0">
                   <a:moveTo>
-                    <a:pt x="0" y="3918209"/>
+                    <a:pt y="3929639" x="0"/>
                   </a:moveTo>
                   <a:lnTo>
-                    <a:pt x="0" y="0"/>
+                    <a:pt y="0" x="0"/>
                   </a:lnTo>
                 </a:path>
               </a:pathLst>
@@ -3415,24 +3415,24 @@
         </p:sp>
         <p:sp>
           <p:nvSpPr>
-            <p:cNvPr id="18" name="Polyline form 18"/>
-            <p:cNvSpPr/>
-            <p:nvPr/>
-          </p:nvSpPr>
-          <p:spPr>
-            <a:xfrm>
-              <a:off x="5077897" y="1085046"/>
-              <a:ext cx="0" cy="3918209"/>
+            <p:cNvPr name="Polyline form 18" id="18"/>
+            <p:cNvSpPr/>
+            <p:nvPr/>
+          </p:nvSpPr>
+          <p:spPr>
+            <a:xfrm>
+              <a:off y="1085046" x="5090110"/>
+              <a:ext cy="3929639" cx="0"/>
             </a:xfrm>
             <a:custGeom>
               <a:avLst/>
               <a:pathLst>
-                <a:path w="0" h="3918209">
+                <a:path h="3929639" w="0">
                   <a:moveTo>
-                    <a:pt x="0" y="3918209"/>
+                    <a:pt y="3929639" x="0"/>
                   </a:moveTo>
                   <a:lnTo>
-                    <a:pt x="0" y="0"/>
+                    <a:pt y="0" x="0"/>
                   </a:lnTo>
                 </a:path>
               </a:pathLst>
@@ -3455,14 +3455,14 @@
         </p:sp>
         <p:sp>
           <p:nvSpPr>
-            <p:cNvPr id="19" name="Point 19"/>
-            <p:cNvSpPr/>
-            <p:nvPr/>
-          </p:nvSpPr>
-          <p:spPr>
-            <a:xfrm>
-              <a:off x="2294602" y="4567282"/>
-              <a:ext cx="32761" cy="32761"/>
+            <p:cNvPr name="Point 19" id="19"/>
+            <p:cNvSpPr/>
+            <p:nvPr/>
+          </p:nvSpPr>
+          <p:spPr>
+            <a:xfrm>
+              <a:off y="4577487" x="2289143"/>
+              <a:ext cy="32761" cx="32761"/>
             </a:xfrm>
             <a:prstGeom prst="ellipse">
               <a:avLst/>
@@ -3481,14 +3481,14 @@
         </p:sp>
         <p:sp>
           <p:nvSpPr>
-            <p:cNvPr id="20" name="Point 20"/>
-            <p:cNvSpPr/>
-            <p:nvPr/>
-          </p:nvSpPr>
-          <p:spPr>
-            <a:xfrm>
-              <a:off x="2103780" y="4567282"/>
-              <a:ext cx="32761" cy="32761"/>
+            <p:cNvPr name="Point 20" id="20"/>
+            <p:cNvSpPr/>
+            <p:nvPr/>
+          </p:nvSpPr>
+          <p:spPr>
+            <a:xfrm>
+              <a:off y="4577487" x="2097103"/>
+              <a:ext cy="32761" cx="32761"/>
             </a:xfrm>
             <a:prstGeom prst="ellipse">
               <a:avLst/>
@@ -3507,14 +3507,14 @@
         </p:sp>
         <p:sp>
           <p:nvSpPr>
-            <p:cNvPr id="21" name="Point 21"/>
-            <p:cNvSpPr/>
-            <p:nvPr/>
-          </p:nvSpPr>
-          <p:spPr>
-            <a:xfrm>
-              <a:off x="1912958" y="4627655"/>
-              <a:ext cx="32761" cy="32761"/>
+            <p:cNvPr name="Point 21" id="21"/>
+            <p:cNvSpPr/>
+            <p:nvPr/>
+          </p:nvSpPr>
+          <p:spPr>
+            <a:xfrm>
+              <a:off y="4638037" x="1905063"/>
+              <a:ext cy="32761" cx="32761"/>
             </a:xfrm>
             <a:prstGeom prst="ellipse">
               <a:avLst/>
@@ -3533,14 +3533,14 @@
         </p:sp>
         <p:sp>
           <p:nvSpPr>
-            <p:cNvPr id="22" name="Point 22"/>
-            <p:cNvSpPr/>
-            <p:nvPr/>
-          </p:nvSpPr>
-          <p:spPr>
-            <a:xfrm>
-              <a:off x="1817547" y="4506908"/>
-              <a:ext cx="32761" cy="32761"/>
+            <p:cNvPr name="Point 22" id="22"/>
+            <p:cNvSpPr/>
+            <p:nvPr/>
+          </p:nvSpPr>
+          <p:spPr>
+            <a:xfrm>
+              <a:off y="4516938" x="1809042"/>
+              <a:ext cy="32761" cx="32761"/>
             </a:xfrm>
             <a:prstGeom prst="ellipse">
               <a:avLst/>
@@ -3559,14 +3559,14 @@
         </p:sp>
         <p:sp>
           <p:nvSpPr>
-            <p:cNvPr id="23" name="Point 23"/>
-            <p:cNvSpPr/>
-            <p:nvPr/>
-          </p:nvSpPr>
-          <p:spPr>
-            <a:xfrm>
-              <a:off x="2199191" y="4567282"/>
-              <a:ext cx="32761" cy="32761"/>
+            <p:cNvPr name="Point 23" id="23"/>
+            <p:cNvSpPr/>
+            <p:nvPr/>
+          </p:nvSpPr>
+          <p:spPr>
+            <a:xfrm>
+              <a:off y="4577487" x="2193123"/>
+              <a:ext cy="32761" cx="32761"/>
             </a:xfrm>
             <a:prstGeom prst="ellipse">
               <a:avLst/>
@@ -3585,14 +3585,14 @@
         </p:sp>
         <p:sp>
           <p:nvSpPr>
-            <p:cNvPr id="24" name="Point 24"/>
-            <p:cNvSpPr/>
-            <p:nvPr/>
-          </p:nvSpPr>
-          <p:spPr>
-            <a:xfrm>
-              <a:off x="2575149" y="4380477"/>
-              <a:ext cx="44132" cy="44132"/>
+            <p:cNvPr name="Point 24" id="24"/>
+            <p:cNvSpPr/>
+            <p:nvPr/>
+          </p:nvSpPr>
+          <p:spPr>
+            <a:xfrm>
+              <a:off y="4390154" x="2571518"/>
+              <a:ext cy="44132" cx="44132"/>
             </a:xfrm>
             <a:prstGeom prst="ellipse">
               <a:avLst/>
@@ -3611,14 +3611,14 @@
         </p:sp>
         <p:sp>
           <p:nvSpPr>
-            <p:cNvPr id="25" name="Point 25"/>
-            <p:cNvSpPr/>
-            <p:nvPr/>
-          </p:nvSpPr>
-          <p:spPr>
-            <a:xfrm>
-              <a:off x="1814705" y="4564439"/>
-              <a:ext cx="38446" cy="38446"/>
+            <p:cNvPr name="Point 25" id="25"/>
+            <p:cNvSpPr/>
+            <p:nvPr/>
+          </p:nvSpPr>
+          <p:spPr>
+            <a:xfrm>
+              <a:off y="4574645" x="1806199"/>
+              <a:ext cy="38446" cx="38446"/>
             </a:xfrm>
             <a:prstGeom prst="ellipse">
               <a:avLst/>
@@ -3637,14 +3637,14 @@
         </p:sp>
         <p:sp>
           <p:nvSpPr>
-            <p:cNvPr id="26" name="Point 26"/>
-            <p:cNvSpPr/>
-            <p:nvPr/>
-          </p:nvSpPr>
-          <p:spPr>
-            <a:xfrm>
-              <a:off x="2199191" y="4506908"/>
-              <a:ext cx="32761" cy="32761"/>
+            <p:cNvPr name="Point 26" id="26"/>
+            <p:cNvSpPr/>
+            <p:nvPr/>
+          </p:nvSpPr>
+          <p:spPr>
+            <a:xfrm>
+              <a:off y="4516938" x="2193123"/>
+              <a:ext cy="32761" cx="32761"/>
             </a:xfrm>
             <a:prstGeom prst="ellipse">
               <a:avLst/>
@@ -3663,14 +3663,14 @@
         </p:sp>
         <p:sp>
           <p:nvSpPr>
-            <p:cNvPr id="27" name="Point 27"/>
-            <p:cNvSpPr/>
-            <p:nvPr/>
-          </p:nvSpPr>
-          <p:spPr>
-            <a:xfrm>
-              <a:off x="1626726" y="4567282"/>
-              <a:ext cx="32761" cy="32761"/>
+            <p:cNvPr name="Point 27" id="27"/>
+            <p:cNvSpPr/>
+            <p:nvPr/>
+          </p:nvSpPr>
+          <p:spPr>
+            <a:xfrm>
+              <a:off y="4577487" x="1617002"/>
+              <a:ext cy="32761" cx="32761"/>
             </a:xfrm>
             <a:prstGeom prst="ellipse">
               <a:avLst/>
@@ -3689,14 +3689,14 @@
         </p:sp>
         <p:sp>
           <p:nvSpPr>
-            <p:cNvPr id="28" name="Point 28"/>
-            <p:cNvSpPr/>
-            <p:nvPr/>
-          </p:nvSpPr>
-          <p:spPr>
-            <a:xfrm>
-              <a:off x="2106623" y="4509751"/>
-              <a:ext cx="27075" cy="27075"/>
+            <p:cNvPr name="Point 28" id="28"/>
+            <p:cNvSpPr/>
+            <p:nvPr/>
+          </p:nvSpPr>
+          <p:spPr>
+            <a:xfrm>
+              <a:off y="4519781" x="2099946"/>
+              <a:ext cy="27075" cx="27075"/>
             </a:xfrm>
             <a:prstGeom prst="ellipse">
               <a:avLst/>
@@ -3715,14 +3715,14 @@
         </p:sp>
         <p:sp>
           <p:nvSpPr>
-            <p:cNvPr id="29" name="Point 29"/>
-            <p:cNvSpPr/>
-            <p:nvPr/>
-          </p:nvSpPr>
-          <p:spPr>
-            <a:xfrm>
-              <a:off x="2580834" y="4506908"/>
-              <a:ext cx="32761" cy="32761"/>
+            <p:cNvPr name="Point 29" id="29"/>
+            <p:cNvSpPr/>
+            <p:nvPr/>
+          </p:nvSpPr>
+          <p:spPr>
+            <a:xfrm>
+              <a:off y="4516938" x="2577204"/>
+              <a:ext cy="32761" cx="32761"/>
             </a:xfrm>
             <a:prstGeom prst="ellipse">
               <a:avLst/>
@@ -3741,14 +3741,14 @@
         </p:sp>
         <p:sp>
           <p:nvSpPr>
-            <p:cNvPr id="30" name="Point 30"/>
-            <p:cNvSpPr/>
-            <p:nvPr/>
-          </p:nvSpPr>
-          <p:spPr>
-            <a:xfrm>
-              <a:off x="2008369" y="4446535"/>
-              <a:ext cx="32761" cy="32761"/>
+            <p:cNvPr name="Point 30" id="30"/>
+            <p:cNvSpPr/>
+            <p:nvPr/>
+          </p:nvSpPr>
+          <p:spPr>
+            <a:xfrm>
+              <a:off y="4456389" x="2001083"/>
+              <a:ext cy="32761" cx="32761"/>
             </a:xfrm>
             <a:prstGeom prst="ellipse">
               <a:avLst/>
@@ -3767,14 +3767,14 @@
         </p:sp>
         <p:sp>
           <p:nvSpPr>
-            <p:cNvPr id="31" name="Point 31"/>
-            <p:cNvSpPr/>
-            <p:nvPr/>
-          </p:nvSpPr>
-          <p:spPr>
-            <a:xfrm>
-              <a:off x="2011212" y="4570124"/>
-              <a:ext cx="27075" cy="27075"/>
+            <p:cNvPr name="Point 31" id="31"/>
+            <p:cNvSpPr/>
+            <p:nvPr/>
+          </p:nvSpPr>
+          <p:spPr>
+            <a:xfrm>
+              <a:off y="4580330" x="2003926"/>
+              <a:ext cy="27075" cx="27075"/>
             </a:xfrm>
             <a:prstGeom prst="ellipse">
               <a:avLst/>
@@ -3793,14 +3793,14 @@
         </p:sp>
         <p:sp>
           <p:nvSpPr>
-            <p:cNvPr id="32" name="Point 32"/>
-            <p:cNvSpPr/>
-            <p:nvPr/>
-          </p:nvSpPr>
-          <p:spPr>
-            <a:xfrm>
-              <a:off x="1534158" y="4751243"/>
-              <a:ext cx="27075" cy="27075"/>
+            <p:cNvPr name="Point 32" id="32"/>
+            <p:cNvSpPr/>
+            <p:nvPr/>
+          </p:nvSpPr>
+          <p:spPr>
+            <a:xfrm>
+              <a:off y="4761978" x="1523825"/>
+              <a:ext cy="27075" cx="27075"/>
             </a:xfrm>
             <a:prstGeom prst="ellipse">
               <a:avLst/>
@@ -3819,14 +3819,14 @@
         </p:sp>
         <p:sp>
           <p:nvSpPr>
-            <p:cNvPr id="33" name="Point 33"/>
-            <p:cNvSpPr/>
-            <p:nvPr/>
-          </p:nvSpPr>
-          <p:spPr>
-            <a:xfrm>
-              <a:off x="2962478" y="4688028"/>
-              <a:ext cx="32761" cy="32761"/>
+            <p:cNvPr name="Point 33" id="33"/>
+            <p:cNvSpPr/>
+            <p:nvPr/>
+          </p:nvSpPr>
+          <p:spPr>
+            <a:xfrm>
+              <a:off y="4698586" x="2961285"/>
+              <a:ext cy="32761" cx="32761"/>
             </a:xfrm>
             <a:prstGeom prst="ellipse">
               <a:avLst/>
@@ -3845,14 +3845,14 @@
         </p:sp>
         <p:sp>
           <p:nvSpPr>
-            <p:cNvPr id="34" name="Point 34"/>
-            <p:cNvSpPr/>
-            <p:nvPr/>
-          </p:nvSpPr>
-          <p:spPr>
-            <a:xfrm>
-              <a:off x="2861381" y="4501223"/>
-              <a:ext cx="44132" cy="44132"/>
+            <p:cNvPr name="Point 34" id="34"/>
+            <p:cNvSpPr/>
+            <p:nvPr/>
+          </p:nvSpPr>
+          <p:spPr>
+            <a:xfrm>
+              <a:off y="4511253" x="2859579"/>
+              <a:ext cy="44132" cx="44132"/>
             </a:xfrm>
             <a:prstGeom prst="ellipse">
               <a:avLst/>
@@ -3871,14 +3871,14 @@
         </p:sp>
         <p:sp>
           <p:nvSpPr>
-            <p:cNvPr id="35" name="Point 35"/>
-            <p:cNvSpPr/>
-            <p:nvPr/>
-          </p:nvSpPr>
-          <p:spPr>
-            <a:xfrm>
-              <a:off x="2575149" y="4621969"/>
-              <a:ext cx="44132" cy="44132"/>
+            <p:cNvPr name="Point 35" id="35"/>
+            <p:cNvSpPr/>
+            <p:nvPr/>
+          </p:nvSpPr>
+          <p:spPr>
+            <a:xfrm>
+              <a:off y="4632351" x="2571518"/>
+              <a:ext cy="44132" cx="44132"/>
             </a:xfrm>
             <a:prstGeom prst="ellipse">
               <a:avLst/>
@@ -3897,14 +3897,14 @@
         </p:sp>
         <p:sp>
           <p:nvSpPr>
-            <p:cNvPr id="36" name="Point 36"/>
-            <p:cNvSpPr/>
-            <p:nvPr/>
-          </p:nvSpPr>
-          <p:spPr>
-            <a:xfrm>
-              <a:off x="2291759" y="4564439"/>
-              <a:ext cx="38446" cy="38446"/>
+            <p:cNvPr name="Point 36" id="36"/>
+            <p:cNvSpPr/>
+            <p:nvPr/>
+          </p:nvSpPr>
+          <p:spPr>
+            <a:xfrm>
+              <a:off y="4574645" x="2286300"/>
+              <a:ext cy="38446" cx="38446"/>
             </a:xfrm>
             <a:prstGeom prst="ellipse">
               <a:avLst/>
@@ -3923,14 +3923,14 @@
         </p:sp>
         <p:sp>
           <p:nvSpPr>
-            <p:cNvPr id="37" name="Point 37"/>
-            <p:cNvSpPr/>
-            <p:nvPr/>
-          </p:nvSpPr>
-          <p:spPr>
-            <a:xfrm>
-              <a:off x="2864224" y="4383320"/>
-              <a:ext cx="38446" cy="38446"/>
+            <p:cNvPr name="Point 37" id="37"/>
+            <p:cNvSpPr/>
+            <p:nvPr/>
+          </p:nvSpPr>
+          <p:spPr>
+            <a:xfrm>
+              <a:off y="4392997" x="2862422"/>
+              <a:ext cy="38446" cx="38446"/>
             </a:xfrm>
             <a:prstGeom prst="ellipse">
               <a:avLst/>
@@ -3949,14 +3949,14 @@
         </p:sp>
         <p:sp>
           <p:nvSpPr>
-            <p:cNvPr id="38" name="Point 38"/>
-            <p:cNvSpPr/>
-            <p:nvPr/>
-          </p:nvSpPr>
-          <p:spPr>
-            <a:xfrm>
-              <a:off x="2291759" y="4504066"/>
-              <a:ext cx="38446" cy="38446"/>
+            <p:cNvPr name="Point 38" id="38"/>
+            <p:cNvSpPr/>
+            <p:nvPr/>
+          </p:nvSpPr>
+          <p:spPr>
+            <a:xfrm>
+              <a:off y="4514095" x="2286300"/>
+              <a:ext cy="38446" cx="38446"/>
             </a:xfrm>
             <a:prstGeom prst="ellipse">
               <a:avLst/>
@@ -3975,14 +3975,14 @@
         </p:sp>
         <p:sp>
           <p:nvSpPr>
-            <p:cNvPr id="39" name="Point 39"/>
-            <p:cNvSpPr/>
-            <p:nvPr/>
-          </p:nvSpPr>
-          <p:spPr>
-            <a:xfrm>
-              <a:off x="2580834" y="4386162"/>
-              <a:ext cx="32761" cy="32761"/>
+            <p:cNvPr name="Point 39" id="39"/>
+            <p:cNvSpPr/>
+            <p:nvPr/>
+          </p:nvSpPr>
+          <p:spPr>
+            <a:xfrm>
+              <a:off y="4395840" x="2577204"/>
+              <a:ext cy="32761" cx="32761"/>
             </a:xfrm>
             <a:prstGeom prst="ellipse">
               <a:avLst/>
@@ -4001,14 +4001,14 @@
         </p:sp>
         <p:sp>
           <p:nvSpPr>
-            <p:cNvPr id="40" name="Point 40"/>
-            <p:cNvSpPr/>
-            <p:nvPr/>
-          </p:nvSpPr>
-          <p:spPr>
-            <a:xfrm>
-              <a:off x="2288916" y="4501223"/>
-              <a:ext cx="44132" cy="44132"/>
+            <p:cNvPr name="Point 40" id="40"/>
+            <p:cNvSpPr/>
+            <p:nvPr/>
+          </p:nvSpPr>
+          <p:spPr>
+            <a:xfrm>
+              <a:off y="4511253" x="2283458"/>
+              <a:ext cy="44132" cx="44132"/>
             </a:xfrm>
             <a:prstGeom prst="ellipse">
               <a:avLst/>
@@ -4027,14 +4027,14 @@
         </p:sp>
         <p:sp>
           <p:nvSpPr>
-            <p:cNvPr id="41" name="Point 41"/>
-            <p:cNvSpPr/>
-            <p:nvPr/>
-          </p:nvSpPr>
-          <p:spPr>
-            <a:xfrm>
-              <a:off x="1817547" y="4808774"/>
-              <a:ext cx="32761" cy="32761"/>
+            <p:cNvPr name="Point 41" id="41"/>
+            <p:cNvSpPr/>
+            <p:nvPr/>
+          </p:nvSpPr>
+          <p:spPr>
+            <a:xfrm>
+              <a:off y="4819684" x="1809042"/>
+              <a:ext cy="32761" cx="32761"/>
             </a:xfrm>
             <a:prstGeom prst="ellipse">
               <a:avLst/>
@@ -4053,14 +4053,14 @@
         </p:sp>
         <p:sp>
           <p:nvSpPr>
-            <p:cNvPr id="42" name="Point 42"/>
-            <p:cNvSpPr/>
-            <p:nvPr/>
-          </p:nvSpPr>
-          <p:spPr>
-            <a:xfrm>
-              <a:off x="2286209" y="4377769"/>
-              <a:ext cx="49547" cy="49547"/>
+            <p:cNvPr name="Point 42" id="42"/>
+            <p:cNvSpPr/>
+            <p:nvPr/>
+          </p:nvSpPr>
+          <p:spPr>
+            <a:xfrm>
+              <a:off y="4387447" x="2280750"/>
+              <a:ext cy="49547" cx="49547"/>
             </a:xfrm>
             <a:prstGeom prst="ellipse">
               <a:avLst/>
@@ -4079,14 +4079,14 @@
         </p:sp>
         <p:sp>
           <p:nvSpPr>
-            <p:cNvPr id="43" name="Point 43"/>
-            <p:cNvSpPr/>
-            <p:nvPr/>
-          </p:nvSpPr>
-          <p:spPr>
-            <a:xfrm>
-              <a:off x="2008369" y="4265416"/>
-              <a:ext cx="32761" cy="32761"/>
+            <p:cNvPr name="Point 43" id="43"/>
+            <p:cNvSpPr/>
+            <p:nvPr/>
+          </p:nvSpPr>
+          <p:spPr>
+            <a:xfrm>
+              <a:off y="4274742" x="2001083"/>
+              <a:ext cy="32761" cx="32761"/>
             </a:xfrm>
             <a:prstGeom prst="ellipse">
               <a:avLst/>
@@ -4105,14 +4105,14 @@
         </p:sp>
         <p:sp>
           <p:nvSpPr>
-            <p:cNvPr id="44" name="Point 44"/>
-            <p:cNvSpPr/>
-            <p:nvPr/>
-          </p:nvSpPr>
-          <p:spPr>
-            <a:xfrm>
-              <a:off x="2199191" y="4446535"/>
-              <a:ext cx="32761" cy="32761"/>
+            <p:cNvPr name="Point 44" id="44"/>
+            <p:cNvSpPr/>
+            <p:nvPr/>
+          </p:nvSpPr>
+          <p:spPr>
+            <a:xfrm>
+              <a:off y="4456389" x="2193123"/>
+              <a:ext cy="32761" cx="32761"/>
             </a:xfrm>
             <a:prstGeom prst="ellipse">
               <a:avLst/>
@@ -4131,14 +4131,14 @@
         </p:sp>
         <p:sp>
           <p:nvSpPr>
-            <p:cNvPr id="45" name="Point 45"/>
-            <p:cNvSpPr/>
-            <p:nvPr/>
-          </p:nvSpPr>
-          <p:spPr>
-            <a:xfrm>
-              <a:off x="2193505" y="4440850"/>
-              <a:ext cx="44132" cy="44132"/>
+            <p:cNvPr name="Point 45" id="45"/>
+            <p:cNvSpPr/>
+            <p:nvPr/>
+          </p:nvSpPr>
+          <p:spPr>
+            <a:xfrm>
+              <a:off y="4450703" x="2187437"/>
+              <a:ext cy="44132" cx="44132"/>
             </a:xfrm>
             <a:prstGeom prst="ellipse">
               <a:avLst/>
@@ -4157,14 +4157,14 @@
         </p:sp>
         <p:sp>
           <p:nvSpPr>
-            <p:cNvPr id="46" name="Point 46"/>
-            <p:cNvSpPr/>
-            <p:nvPr/>
-          </p:nvSpPr>
-          <p:spPr>
-            <a:xfrm>
-              <a:off x="2390013" y="4506908"/>
-              <a:ext cx="32761" cy="32761"/>
+            <p:cNvPr name="Point 46" id="46"/>
+            <p:cNvSpPr/>
+            <p:nvPr/>
+          </p:nvSpPr>
+          <p:spPr>
+            <a:xfrm>
+              <a:off y="4516938" x="2385164"/>
+              <a:ext cy="32761" cx="32761"/>
             </a:xfrm>
             <a:prstGeom prst="ellipse">
               <a:avLst/>
@@ -4183,14 +4183,14 @@
         </p:sp>
         <p:sp>
           <p:nvSpPr>
-            <p:cNvPr id="47" name="Point 47"/>
-            <p:cNvSpPr/>
-            <p:nvPr/>
-          </p:nvSpPr>
-          <p:spPr>
-            <a:xfrm>
-              <a:off x="2390013" y="4567282"/>
-              <a:ext cx="32761" cy="32761"/>
+            <p:cNvPr name="Point 47" id="47"/>
+            <p:cNvSpPr/>
+            <p:nvPr/>
+          </p:nvSpPr>
+          <p:spPr>
+            <a:xfrm>
+              <a:off y="4577487" x="2385164"/>
+              <a:ext cy="32761" cx="32761"/>
             </a:xfrm>
             <a:prstGeom prst="ellipse">
               <a:avLst/>
@@ -4209,14 +4209,14 @@
         </p:sp>
         <p:sp>
           <p:nvSpPr>
-            <p:cNvPr id="48" name="Point 48"/>
-            <p:cNvSpPr/>
-            <p:nvPr/>
-          </p:nvSpPr>
-          <p:spPr>
-            <a:xfrm>
-              <a:off x="1912958" y="4446535"/>
-              <a:ext cx="32761" cy="32761"/>
+            <p:cNvPr name="Point 48" id="48"/>
+            <p:cNvSpPr/>
+            <p:nvPr/>
+          </p:nvSpPr>
+          <p:spPr>
+            <a:xfrm>
+              <a:off y="4456389" x="1905063"/>
+              <a:ext cy="32761" cx="32761"/>
             </a:xfrm>
             <a:prstGeom prst="ellipse">
               <a:avLst/>
@@ -4235,14 +4235,14 @@
         </p:sp>
         <p:sp>
           <p:nvSpPr>
-            <p:cNvPr id="49" name="Point 49"/>
-            <p:cNvSpPr/>
-            <p:nvPr/>
-          </p:nvSpPr>
-          <p:spPr>
-            <a:xfrm>
-              <a:off x="2008369" y="4446535"/>
-              <a:ext cx="32761" cy="32761"/>
+            <p:cNvPr name="Point 49" id="49"/>
+            <p:cNvSpPr/>
+            <p:nvPr/>
+          </p:nvSpPr>
+          <p:spPr>
+            <a:xfrm>
+              <a:off y="4456389" x="2001083"/>
+              <a:ext cy="32761" cx="32761"/>
             </a:xfrm>
             <a:prstGeom prst="ellipse">
               <a:avLst/>
@@ -4261,14 +4261,14 @@
         </p:sp>
         <p:sp>
           <p:nvSpPr>
-            <p:cNvPr id="50" name="Point 50"/>
-            <p:cNvSpPr/>
-            <p:nvPr/>
-          </p:nvSpPr>
-          <p:spPr>
-            <a:xfrm>
-              <a:off x="2575149" y="4501223"/>
-              <a:ext cx="44132" cy="44132"/>
+            <p:cNvPr name="Point 50" id="50"/>
+            <p:cNvSpPr/>
+            <p:nvPr/>
+          </p:nvSpPr>
+          <p:spPr>
+            <a:xfrm>
+              <a:off y="4511253" x="2571518"/>
+              <a:ext cy="44132" cx="44132"/>
             </a:xfrm>
             <a:prstGeom prst="ellipse">
               <a:avLst/>
@@ -4287,14 +4287,14 @@
         </p:sp>
         <p:sp>
           <p:nvSpPr>
-            <p:cNvPr id="51" name="Point 51"/>
-            <p:cNvSpPr/>
-            <p:nvPr/>
-          </p:nvSpPr>
-          <p:spPr>
-            <a:xfrm>
-              <a:off x="2392856" y="4509751"/>
-              <a:ext cx="27075" cy="27075"/>
+            <p:cNvPr name="Point 51" id="51"/>
+            <p:cNvSpPr/>
+            <p:nvPr/>
+          </p:nvSpPr>
+          <p:spPr>
+            <a:xfrm>
+              <a:off y="4519781" x="2388006"/>
+              <a:ext cy="27075" cx="27075"/>
             </a:xfrm>
             <a:prstGeom prst="ellipse">
               <a:avLst/>
@@ -4313,14 +4313,14 @@
         </p:sp>
         <p:sp>
           <p:nvSpPr>
-            <p:cNvPr id="52" name="Point 52"/>
-            <p:cNvSpPr/>
-            <p:nvPr/>
-          </p:nvSpPr>
-          <p:spPr>
-            <a:xfrm>
-              <a:off x="2676245" y="4567282"/>
-              <a:ext cx="32761" cy="32761"/>
+            <p:cNvPr name="Point 52" id="52"/>
+            <p:cNvSpPr/>
+            <p:nvPr/>
+          </p:nvSpPr>
+          <p:spPr>
+            <a:xfrm>
+              <a:off y="4577487" x="2673224"/>
+              <a:ext cy="32761" cx="32761"/>
             </a:xfrm>
             <a:prstGeom prst="ellipse">
               <a:avLst/>
@@ -4339,14 +4339,14 @@
         </p:sp>
         <p:sp>
           <p:nvSpPr>
-            <p:cNvPr id="53" name="Point 53"/>
-            <p:cNvSpPr/>
-            <p:nvPr/>
-          </p:nvSpPr>
-          <p:spPr>
-            <a:xfrm>
-              <a:off x="2103780" y="4506908"/>
-              <a:ext cx="32761" cy="32761"/>
+            <p:cNvPr name="Point 53" id="53"/>
+            <p:cNvSpPr/>
+            <p:nvPr/>
+          </p:nvSpPr>
+          <p:spPr>
+            <a:xfrm>
+              <a:off y="4516938" x="2097103"/>
+              <a:ext cy="32761" cx="32761"/>
             </a:xfrm>
             <a:prstGeom prst="ellipse">
               <a:avLst/>
@@ -4365,14 +4365,14 @@
         </p:sp>
         <p:sp>
           <p:nvSpPr>
-            <p:cNvPr id="54" name="Point 54"/>
-            <p:cNvSpPr/>
-            <p:nvPr/>
-          </p:nvSpPr>
-          <p:spPr>
-            <a:xfrm>
-              <a:off x="2199191" y="4688028"/>
-              <a:ext cx="32761" cy="32761"/>
+            <p:cNvPr name="Point 54" id="54"/>
+            <p:cNvSpPr/>
+            <p:nvPr/>
+          </p:nvSpPr>
+          <p:spPr>
+            <a:xfrm>
+              <a:off y="4698586" x="2193123"/>
+              <a:ext cy="32761" cx="32761"/>
             </a:xfrm>
             <a:prstGeom prst="ellipse">
               <a:avLst/>
@@ -4391,14 +4391,14 @@
         </p:sp>
         <p:sp>
           <p:nvSpPr>
-            <p:cNvPr id="55" name="Point 55"/>
-            <p:cNvSpPr/>
-            <p:nvPr/>
-          </p:nvSpPr>
-          <p:spPr>
-            <a:xfrm>
-              <a:off x="2676245" y="4627655"/>
-              <a:ext cx="32761" cy="32761"/>
+            <p:cNvPr name="Point 55" id="55"/>
+            <p:cNvSpPr/>
+            <p:nvPr/>
+          </p:nvSpPr>
+          <p:spPr>
+            <a:xfrm>
+              <a:off y="4638037" x="2673224"/>
+              <a:ext cy="32761" cx="32761"/>
             </a:xfrm>
             <a:prstGeom prst="ellipse">
               <a:avLst/>
@@ -4417,14 +4417,14 @@
         </p:sp>
         <p:sp>
           <p:nvSpPr>
-            <p:cNvPr id="56" name="Point 56"/>
-            <p:cNvSpPr/>
-            <p:nvPr/>
-          </p:nvSpPr>
-          <p:spPr>
-            <a:xfrm>
-              <a:off x="2106623" y="4570124"/>
-              <a:ext cx="27075" cy="27075"/>
+            <p:cNvPr name="Point 56" id="56"/>
+            <p:cNvSpPr/>
+            <p:nvPr/>
+          </p:nvSpPr>
+          <p:spPr>
+            <a:xfrm>
+              <a:off y="4580330" x="2099946"/>
+              <a:ext cy="27075" cx="27075"/>
             </a:xfrm>
             <a:prstGeom prst="ellipse">
               <a:avLst/>
@@ -4443,14 +4443,14 @@
         </p:sp>
         <p:sp>
           <p:nvSpPr>
-            <p:cNvPr id="57" name="Point 57"/>
-            <p:cNvSpPr/>
-            <p:nvPr/>
-          </p:nvSpPr>
-          <p:spPr>
-            <a:xfrm>
-              <a:off x="1626726" y="4627655"/>
-              <a:ext cx="32761" cy="32761"/>
+            <p:cNvPr name="Point 57" id="57"/>
+            <p:cNvSpPr/>
+            <p:nvPr/>
+          </p:nvSpPr>
+          <p:spPr>
+            <a:xfrm>
+              <a:off y="4638037" x="1617002"/>
+              <a:ext cy="32761" cx="32761"/>
             </a:xfrm>
             <a:prstGeom prst="ellipse">
               <a:avLst/>
@@ -4469,14 +4469,14 @@
         </p:sp>
         <p:sp>
           <p:nvSpPr>
-            <p:cNvPr id="58" name="Point 58"/>
-            <p:cNvSpPr/>
-            <p:nvPr/>
-          </p:nvSpPr>
-          <p:spPr>
-            <a:xfrm>
-              <a:off x="2294602" y="4506908"/>
-              <a:ext cx="32761" cy="32761"/>
+            <p:cNvPr name="Point 58" id="58"/>
+            <p:cNvSpPr/>
+            <p:nvPr/>
+          </p:nvSpPr>
+          <p:spPr>
+            <a:xfrm>
+              <a:off y="4516938" x="2289143"/>
+              <a:ext cy="32761" cx="32761"/>
             </a:xfrm>
             <a:prstGeom prst="ellipse">
               <a:avLst/>
@@ -4495,14 +4495,14 @@
         </p:sp>
         <p:sp>
           <p:nvSpPr>
-            <p:cNvPr id="59" name="Point 59"/>
-            <p:cNvSpPr/>
-            <p:nvPr/>
-          </p:nvSpPr>
-          <p:spPr>
-            <a:xfrm>
-              <a:off x="2196348" y="4624812"/>
-              <a:ext cx="38446" cy="38446"/>
+            <p:cNvPr name="Point 59" id="59"/>
+            <p:cNvSpPr/>
+            <p:nvPr/>
+          </p:nvSpPr>
+          <p:spPr>
+            <a:xfrm>
+              <a:off y="4635194" x="2190280"/>
+              <a:ext cy="38446" cx="38446"/>
             </a:xfrm>
             <a:prstGeom prst="ellipse">
               <a:avLst/>
@@ -4521,14 +4521,14 @@
         </p:sp>
         <p:sp>
           <p:nvSpPr>
-            <p:cNvPr id="60" name="Point 60"/>
-            <p:cNvSpPr/>
-            <p:nvPr/>
-          </p:nvSpPr>
-          <p:spPr>
-            <a:xfrm>
-              <a:off x="1719294" y="4624812"/>
-              <a:ext cx="38446" cy="38446"/>
+            <p:cNvPr name="Point 60" id="60"/>
+            <p:cNvSpPr/>
+            <p:nvPr/>
+          </p:nvSpPr>
+          <p:spPr>
+            <a:xfrm>
+              <a:off y="4635194" x="1710179"/>
+              <a:ext cy="38446" cx="38446"/>
             </a:xfrm>
             <a:prstGeom prst="ellipse">
               <a:avLst/>
@@ -4547,14 +4547,14 @@
         </p:sp>
         <p:sp>
           <p:nvSpPr>
-            <p:cNvPr id="61" name="Point 61"/>
-            <p:cNvSpPr/>
-            <p:nvPr/>
-          </p:nvSpPr>
-          <p:spPr>
-            <a:xfrm>
-              <a:off x="1626726" y="4627655"/>
-              <a:ext cx="32761" cy="32761"/>
+            <p:cNvPr name="Point 61" id="61"/>
+            <p:cNvSpPr/>
+            <p:nvPr/>
+          </p:nvSpPr>
+          <p:spPr>
+            <a:xfrm>
+              <a:off y="4638037" x="1617002"/>
+              <a:ext cy="32761" cx="32761"/>
             </a:xfrm>
             <a:prstGeom prst="ellipse">
               <a:avLst/>
@@ -4573,14 +4573,14 @@
         </p:sp>
         <p:sp>
           <p:nvSpPr>
-            <p:cNvPr id="62" name="Point 62"/>
-            <p:cNvSpPr/>
-            <p:nvPr/>
-          </p:nvSpPr>
-          <p:spPr>
-            <a:xfrm>
-              <a:off x="2187955" y="4435299"/>
-              <a:ext cx="55233" cy="55233"/>
+            <p:cNvPr name="Point 62" id="62"/>
+            <p:cNvSpPr/>
+            <p:nvPr/>
+          </p:nvSpPr>
+          <p:spPr>
+            <a:xfrm>
+              <a:off y="4445153" x="2181887"/>
+              <a:ext cy="55233" cx="55233"/>
             </a:xfrm>
             <a:prstGeom prst="ellipse">
               <a:avLst/>
@@ -4599,14 +4599,14 @@
         </p:sp>
         <p:sp>
           <p:nvSpPr>
-            <p:cNvPr id="63" name="Point 63"/>
-            <p:cNvSpPr/>
-            <p:nvPr/>
-          </p:nvSpPr>
-          <p:spPr>
-            <a:xfrm>
-              <a:off x="2288916" y="4259731"/>
-              <a:ext cx="44132" cy="44132"/>
+            <p:cNvPr name="Point 63" id="63"/>
+            <p:cNvSpPr/>
+            <p:nvPr/>
+          </p:nvSpPr>
+          <p:spPr>
+            <a:xfrm>
+              <a:off y="4269056" x="2283458"/>
+              <a:ext cy="44132" cx="44132"/>
             </a:xfrm>
             <a:prstGeom prst="ellipse">
               <a:avLst/>
@@ -4625,14 +4625,14 @@
         </p:sp>
         <p:sp>
           <p:nvSpPr>
-            <p:cNvPr id="64" name="Point 64"/>
-            <p:cNvSpPr/>
-            <p:nvPr/>
-          </p:nvSpPr>
-          <p:spPr>
-            <a:xfrm>
-              <a:off x="2005526" y="4564439"/>
-              <a:ext cx="38446" cy="38446"/>
+            <p:cNvPr name="Point 64" id="64"/>
+            <p:cNvSpPr/>
+            <p:nvPr/>
+          </p:nvSpPr>
+          <p:spPr>
+            <a:xfrm>
+              <a:off y="4574645" x="1998240"/>
+              <a:ext cy="38446" cx="38446"/>
             </a:xfrm>
             <a:prstGeom prst="ellipse">
               <a:avLst/>
@@ -4651,14 +4651,14 @@
         </p:sp>
         <p:sp>
           <p:nvSpPr>
-            <p:cNvPr id="65" name="Point 65"/>
-            <p:cNvSpPr/>
-            <p:nvPr/>
-          </p:nvSpPr>
-          <p:spPr>
-            <a:xfrm>
-              <a:off x="2294602" y="4446535"/>
-              <a:ext cx="32761" cy="32761"/>
+            <p:cNvPr name="Point 65" id="65"/>
+            <p:cNvSpPr/>
+            <p:nvPr/>
+          </p:nvSpPr>
+          <p:spPr>
+            <a:xfrm>
+              <a:off y="4456389" x="2289143"/>
+              <a:ext cy="32761" cx="32761"/>
             </a:xfrm>
             <a:prstGeom prst="ellipse">
               <a:avLst/>
@@ -4677,14 +4677,14 @@
         </p:sp>
         <p:sp>
           <p:nvSpPr>
-            <p:cNvPr id="66" name="Point 66"/>
-            <p:cNvSpPr/>
-            <p:nvPr/>
-          </p:nvSpPr>
-          <p:spPr>
-            <a:xfrm>
-              <a:off x="1817547" y="4567282"/>
-              <a:ext cx="32761" cy="32761"/>
+            <p:cNvPr name="Point 66" id="66"/>
+            <p:cNvSpPr/>
+            <p:nvPr/>
+          </p:nvSpPr>
+          <p:spPr>
+            <a:xfrm>
+              <a:off y="4577487" x="1809042"/>
+              <a:ext cy="32761" cx="32761"/>
             </a:xfrm>
             <a:prstGeom prst="ellipse">
               <a:avLst/>
@@ -4703,14 +4703,14 @@
         </p:sp>
         <p:sp>
           <p:nvSpPr>
-            <p:cNvPr id="67" name="Point 67"/>
-            <p:cNvSpPr/>
-            <p:nvPr/>
-          </p:nvSpPr>
-          <p:spPr>
-            <a:xfrm>
-              <a:off x="2485424" y="4506908"/>
-              <a:ext cx="32761" cy="32761"/>
+            <p:cNvPr name="Point 67" id="67"/>
+            <p:cNvSpPr/>
+            <p:nvPr/>
+          </p:nvSpPr>
+          <p:spPr>
+            <a:xfrm>
+              <a:off y="4516938" x="2481184"/>
+              <a:ext cy="32761" cx="32761"/>
             </a:xfrm>
             <a:prstGeom prst="ellipse">
               <a:avLst/>
@@ -4729,14 +4729,14 @@
         </p:sp>
         <p:sp>
           <p:nvSpPr>
-            <p:cNvPr id="68" name="Point 68"/>
-            <p:cNvSpPr/>
-            <p:nvPr/>
-          </p:nvSpPr>
-          <p:spPr>
-            <a:xfrm>
-              <a:off x="2199191" y="4567282"/>
-              <a:ext cx="32761" cy="32761"/>
+            <p:cNvPr name="Point 68" id="68"/>
+            <p:cNvSpPr/>
+            <p:nvPr/>
+          </p:nvSpPr>
+          <p:spPr>
+            <a:xfrm>
+              <a:off y="4577487" x="2193123"/>
+              <a:ext cy="32761" cx="32761"/>
             </a:xfrm>
             <a:prstGeom prst="ellipse">
               <a:avLst/>
@@ -4755,14 +4755,14 @@
         </p:sp>
         <p:sp>
           <p:nvSpPr>
-            <p:cNvPr id="69" name="Point 69"/>
-            <p:cNvSpPr/>
-            <p:nvPr/>
-          </p:nvSpPr>
-          <p:spPr>
-            <a:xfrm>
-              <a:off x="4073565" y="2541128"/>
-              <a:ext cx="100448" cy="100448"/>
+            <p:cNvPr name="Point 69" id="69"/>
+            <p:cNvSpPr/>
+            <p:nvPr/>
+          </p:nvSpPr>
+          <p:spPr>
+            <a:xfrm>
+              <a:off y="2545522" x="4079684"/>
+              <a:ext cy="100448" cx="100448"/>
             </a:xfrm>
             <a:prstGeom prst="ellipse">
               <a:avLst/>
@@ -4781,14 +4781,14 @@
         </p:sp>
         <p:sp>
           <p:nvSpPr>
-            <p:cNvPr id="70" name="Point 70"/>
-            <p:cNvSpPr/>
-            <p:nvPr/>
-          </p:nvSpPr>
-          <p:spPr>
-            <a:xfrm>
-              <a:off x="3498256" y="2659031"/>
-              <a:ext cx="106134" cy="106134"/>
+            <p:cNvPr name="Point 70" id="70"/>
+            <p:cNvSpPr/>
+            <p:nvPr/>
+          </p:nvSpPr>
+          <p:spPr>
+            <a:xfrm>
+              <a:off y="2663778" x="3500719"/>
+              <a:ext cy="106134" cx="106134"/>
             </a:xfrm>
             <a:prstGeom prst="ellipse">
               <a:avLst/>
@@ -4807,14 +4807,14 @@
         </p:sp>
         <p:sp>
           <p:nvSpPr>
-            <p:cNvPr id="71" name="Point 71"/>
-            <p:cNvSpPr/>
-            <p:nvPr/>
-          </p:nvSpPr>
-          <p:spPr>
-            <a:xfrm>
-              <a:off x="3975311" y="2417539"/>
-              <a:ext cx="106134" cy="106134"/>
+            <p:cNvPr name="Point 71" id="71"/>
+            <p:cNvSpPr/>
+            <p:nvPr/>
+          </p:nvSpPr>
+          <p:spPr>
+            <a:xfrm>
+              <a:off y="2421581" x="3980821"/>
+              <a:ext cy="106134" cx="106134"/>
             </a:xfrm>
             <a:prstGeom prst="ellipse">
               <a:avLst/>
@@ -4833,14 +4833,14 @@
         </p:sp>
         <p:sp>
           <p:nvSpPr>
-            <p:cNvPr id="72" name="Point 72"/>
-            <p:cNvSpPr/>
-            <p:nvPr/>
-          </p:nvSpPr>
-          <p:spPr>
-            <a:xfrm>
-              <a:off x="2645244" y="2966582"/>
-              <a:ext cx="94763" cy="94763"/>
+            <p:cNvPr name="Point 72" id="72"/>
+            <p:cNvSpPr/>
+            <p:nvPr/>
+          </p:nvSpPr>
+          <p:spPr>
+            <a:xfrm>
+              <a:off y="2972209" x="2642223"/>
+              <a:ext cy="94762" cx="94762"/>
             </a:xfrm>
             <a:prstGeom prst="ellipse">
               <a:avLst/>
@@ -4859,14 +4859,14 @@
         </p:sp>
         <p:sp>
           <p:nvSpPr>
-            <p:cNvPr id="73" name="Point 73"/>
-            <p:cNvSpPr/>
-            <p:nvPr/>
-          </p:nvSpPr>
-          <p:spPr>
-            <a:xfrm>
-              <a:off x="3593667" y="2598658"/>
-              <a:ext cx="106134" cy="106134"/>
+            <p:cNvPr name="Point 73" id="73"/>
+            <p:cNvSpPr/>
+            <p:nvPr/>
+          </p:nvSpPr>
+          <p:spPr>
+            <a:xfrm>
+              <a:off y="2603229" x="3596740"/>
+              <a:ext cy="106134" cx="106134"/>
             </a:xfrm>
             <a:prstGeom prst="ellipse">
               <a:avLst/>
@@ -4885,14 +4885,14 @@
         </p:sp>
         <p:sp>
           <p:nvSpPr>
-            <p:cNvPr id="74" name="Point 74"/>
-            <p:cNvSpPr/>
-            <p:nvPr/>
-          </p:nvSpPr>
-          <p:spPr>
-            <a:xfrm>
-              <a:off x="2836066" y="2664717"/>
-              <a:ext cx="94763" cy="94763"/>
+            <p:cNvPr name="Point 74" id="74"/>
+            <p:cNvSpPr/>
+            <p:nvPr/>
+          </p:nvSpPr>
+          <p:spPr>
+            <a:xfrm>
+              <a:off y="2669464" x="2834264"/>
+              <a:ext cy="94762" cx="94762"/>
             </a:xfrm>
             <a:prstGeom prst="ellipse">
               <a:avLst/>
@@ -4911,14 +4911,14 @@
         </p:sp>
         <p:sp>
           <p:nvSpPr>
-            <p:cNvPr id="75" name="Point 75"/>
-            <p:cNvSpPr/>
-            <p:nvPr/>
-          </p:nvSpPr>
-          <p:spPr>
-            <a:xfrm>
-              <a:off x="3400138" y="2535578"/>
-              <a:ext cx="111549" cy="111549"/>
+            <p:cNvPr name="Point 75" id="75"/>
+            <p:cNvSpPr/>
+            <p:nvPr/>
+          </p:nvSpPr>
+          <p:spPr>
+            <a:xfrm>
+              <a:off y="2539972" x="3401992"/>
+              <a:ext cy="111549" cx="111549"/>
             </a:xfrm>
             <a:prstGeom prst="ellipse">
               <a:avLst/>
@@ -4937,14 +4937,14 @@
         </p:sp>
         <p:sp>
           <p:nvSpPr>
-            <p:cNvPr id="76" name="Point 76"/>
-            <p:cNvSpPr/>
-            <p:nvPr/>
-          </p:nvSpPr>
-          <p:spPr>
-            <a:xfrm>
-              <a:off x="2081172" y="3397587"/>
-              <a:ext cx="77976" cy="77976"/>
+            <p:cNvPr name="Point 76" id="76"/>
+            <p:cNvSpPr/>
+            <p:nvPr/>
+          </p:nvSpPr>
+          <p:spPr>
+            <a:xfrm>
+              <a:off y="3404446" x="2074495"/>
+              <a:ext cy="77976" cx="77976"/>
             </a:xfrm>
             <a:prstGeom prst="ellipse">
               <a:avLst/>
@@ -4963,14 +4963,14 @@
         </p:sp>
         <p:sp>
           <p:nvSpPr>
-            <p:cNvPr id="77" name="Point 77"/>
-            <p:cNvSpPr/>
-            <p:nvPr/>
-          </p:nvSpPr>
-          <p:spPr>
-            <a:xfrm>
-              <a:off x="3694764" y="2604344"/>
-              <a:ext cx="94763" cy="94763"/>
+            <p:cNvPr name="Point 77" id="77"/>
+            <p:cNvSpPr/>
+            <p:nvPr/>
+          </p:nvSpPr>
+          <p:spPr>
+            <a:xfrm>
+              <a:off y="2608914" x="3698446"/>
+              <a:ext cy="94762" cx="94762"/>
             </a:xfrm>
             <a:prstGeom prst="ellipse">
               <a:avLst/>
@@ -4989,14 +4989,14 @@
         </p:sp>
         <p:sp>
           <p:nvSpPr>
-            <p:cNvPr id="78" name="Point 78"/>
-            <p:cNvSpPr/>
-            <p:nvPr/>
-          </p:nvSpPr>
-          <p:spPr>
-            <a:xfrm>
-              <a:off x="2356169" y="3024112"/>
-              <a:ext cx="100448" cy="100448"/>
+            <p:cNvPr name="Point 78" id="78"/>
+            <p:cNvSpPr/>
+            <p:nvPr/>
+          </p:nvSpPr>
+          <p:spPr>
+            <a:xfrm>
+              <a:off y="3029915" x="2351320"/>
+              <a:ext cy="100448" cx="100448"/>
             </a:xfrm>
             <a:prstGeom prst="ellipse">
               <a:avLst/>
@@ -5015,14 +5015,14 @@
         </p:sp>
         <p:sp>
           <p:nvSpPr>
-            <p:cNvPr id="79" name="Point 79"/>
-            <p:cNvSpPr/>
-            <p:nvPr/>
-          </p:nvSpPr>
-          <p:spPr>
-            <a:xfrm>
-              <a:off x="2176583" y="3276841"/>
-              <a:ext cx="77976" cy="77976"/>
+            <p:cNvPr name="Point 79" id="79"/>
+            <p:cNvSpPr/>
+            <p:nvPr/>
+          </p:nvSpPr>
+          <p:spPr>
+            <a:xfrm>
+              <a:off y="3283348" x="2170516"/>
+              <a:ext cy="77976" cx="77976"/>
             </a:xfrm>
             <a:prstGeom prst="ellipse">
               <a:avLst/>
@@ -5041,14 +5041,14 @@
         </p:sp>
         <p:sp>
           <p:nvSpPr>
-            <p:cNvPr id="80" name="Point 80"/>
-            <p:cNvSpPr/>
-            <p:nvPr/>
-          </p:nvSpPr>
-          <p:spPr>
-            <a:xfrm>
-              <a:off x="3021202" y="2840150"/>
-              <a:ext cx="106134" cy="106134"/>
+            <p:cNvPr name="Point 80" id="80"/>
+            <p:cNvSpPr/>
+            <p:nvPr/>
+          </p:nvSpPr>
+          <p:spPr>
+            <a:xfrm>
+              <a:off y="2845425" x="3020618"/>
+              <a:ext cy="106134" cx="106134"/>
             </a:xfrm>
             <a:prstGeom prst="ellipse">
               <a:avLst/>
@@ -5067,14 +5067,14 @@
         </p:sp>
         <p:sp>
           <p:nvSpPr>
-            <p:cNvPr id="81" name="Point 81"/>
-            <p:cNvSpPr/>
-            <p:nvPr/>
-          </p:nvSpPr>
-          <p:spPr>
-            <a:xfrm>
-              <a:off x="3130692" y="2974975"/>
-              <a:ext cx="77976" cy="77976"/>
+            <p:cNvPr name="Point 81" id="81"/>
+            <p:cNvSpPr/>
+            <p:nvPr/>
+          </p:nvSpPr>
+          <p:spPr>
+            <a:xfrm>
+              <a:off y="2980602" x="3130718"/>
+              <a:ext cy="77976" cx="77976"/>
             </a:xfrm>
             <a:prstGeom prst="ellipse">
               <a:avLst/>
@@ -5093,14 +5093,14 @@
         </p:sp>
         <p:sp>
           <p:nvSpPr>
-            <p:cNvPr id="82" name="Point 82"/>
-            <p:cNvSpPr/>
-            <p:nvPr/>
-          </p:nvSpPr>
-          <p:spPr>
-            <a:xfrm>
-              <a:off x="3214867" y="2541128"/>
-              <a:ext cx="100448" cy="100448"/>
+            <p:cNvPr name="Point 82" id="82"/>
+            <p:cNvSpPr/>
+            <p:nvPr/>
+          </p:nvSpPr>
+          <p:spPr>
+            <a:xfrm>
+              <a:off y="2545522" x="3215502"/>
+              <a:ext cy="100448" cx="100448"/>
             </a:xfrm>
             <a:prstGeom prst="ellipse">
               <a:avLst/>
@@ -5119,14 +5119,14 @@
         </p:sp>
         <p:sp>
           <p:nvSpPr>
-            <p:cNvPr id="83" name="Point 83"/>
-            <p:cNvSpPr/>
-            <p:nvPr/>
-          </p:nvSpPr>
-          <p:spPr>
-            <a:xfrm>
-              <a:off x="2740655" y="3208074"/>
-              <a:ext cx="94763" cy="94763"/>
+            <p:cNvPr name="Point 83" id="83"/>
+            <p:cNvSpPr/>
+            <p:nvPr/>
+          </p:nvSpPr>
+          <p:spPr>
+            <a:xfrm>
+              <a:off y="3214406" x="2738244"/>
+              <a:ext cy="94762" cx="94762"/>
             </a:xfrm>
             <a:prstGeom prst="ellipse">
               <a:avLst/>
@@ -5145,14 +5145,14 @@
         </p:sp>
         <p:sp>
           <p:nvSpPr>
-            <p:cNvPr id="84" name="Point 84"/>
-            <p:cNvSpPr/>
-            <p:nvPr/>
-          </p:nvSpPr>
-          <p:spPr>
-            <a:xfrm>
-              <a:off x="3787332" y="2722247"/>
-              <a:ext cx="100448" cy="100448"/>
+            <p:cNvPr name="Point 84" id="84"/>
+            <p:cNvSpPr/>
+            <p:nvPr/>
+          </p:nvSpPr>
+          <p:spPr>
+            <a:xfrm>
+              <a:off y="2727170" x="3791623"/>
+              <a:ext cy="100448" cx="100448"/>
             </a:xfrm>
             <a:prstGeom prst="ellipse">
               <a:avLst/>
@@ -5171,14 +5171,14 @@
         </p:sp>
         <p:sp>
           <p:nvSpPr>
-            <p:cNvPr id="85" name="Point 85"/>
-            <p:cNvSpPr/>
-            <p:nvPr/>
-          </p:nvSpPr>
-          <p:spPr>
-            <a:xfrm>
-              <a:off x="2734970" y="2659031"/>
-              <a:ext cx="106134" cy="106134"/>
+            <p:cNvPr name="Point 85" id="85"/>
+            <p:cNvSpPr/>
+            <p:nvPr/>
+          </p:nvSpPr>
+          <p:spPr>
+            <a:xfrm>
+              <a:off y="2663778" x="2732558"/>
+              <a:ext cy="106134" cx="106134"/>
             </a:xfrm>
             <a:prstGeom prst="ellipse">
               <a:avLst/>
@@ -5197,14 +5197,14 @@
         </p:sp>
         <p:sp>
           <p:nvSpPr>
-            <p:cNvPr id="86" name="Point 86"/>
-            <p:cNvSpPr/>
-            <p:nvPr/>
-          </p:nvSpPr>
-          <p:spPr>
-            <a:xfrm>
-              <a:off x="2939870" y="2914602"/>
-              <a:ext cx="77976" cy="77976"/>
+            <p:cNvPr name="Point 86" id="86"/>
+            <p:cNvSpPr/>
+            <p:nvPr/>
+          </p:nvSpPr>
+          <p:spPr>
+            <a:xfrm>
+              <a:off y="2920053" x="2938677"/>
+              <a:ext cy="77976" cx="77976"/>
             </a:xfrm>
             <a:prstGeom prst="ellipse">
               <a:avLst/>
@@ -5223,14 +5223,14 @@
         </p:sp>
         <p:sp>
           <p:nvSpPr>
-            <p:cNvPr id="87" name="Point 87"/>
-            <p:cNvSpPr/>
-            <p:nvPr/>
-          </p:nvSpPr>
-          <p:spPr>
-            <a:xfrm>
-              <a:off x="3307435" y="2659031"/>
-              <a:ext cx="106134" cy="106134"/>
+            <p:cNvPr name="Point 87" id="87"/>
+            <p:cNvSpPr/>
+            <p:nvPr/>
+          </p:nvSpPr>
+          <p:spPr>
+            <a:xfrm>
+              <a:off y="2663778" x="3308679"/>
+              <a:ext cy="106134" cx="106134"/>
             </a:xfrm>
             <a:prstGeom prst="ellipse">
               <a:avLst/>
@@ -5249,14 +5249,14 @@
         </p:sp>
         <p:sp>
           <p:nvSpPr>
-            <p:cNvPr id="88" name="Point 88"/>
-            <p:cNvSpPr/>
-            <p:nvPr/>
-          </p:nvSpPr>
-          <p:spPr>
-            <a:xfrm>
-              <a:off x="2746341" y="3032641"/>
-              <a:ext cx="83391" cy="83391"/>
+            <p:cNvPr name="Point 88" id="88"/>
+            <p:cNvSpPr/>
+            <p:nvPr/>
+          </p:nvSpPr>
+          <p:spPr>
+            <a:xfrm>
+              <a:off y="3038444" x="2743929"/>
+              <a:ext cy="83391" cx="83391"/>
             </a:xfrm>
             <a:prstGeom prst="ellipse">
               <a:avLst/>
@@ -5275,14 +5275,14 @@
         </p:sp>
         <p:sp>
           <p:nvSpPr>
-            <p:cNvPr id="89" name="Point 89"/>
-            <p:cNvSpPr/>
-            <p:nvPr/>
-          </p:nvSpPr>
-          <p:spPr>
-            <a:xfrm>
-              <a:off x="3012809" y="2469519"/>
-              <a:ext cx="122921" cy="122921"/>
+            <p:cNvPr name="Point 89" id="89"/>
+            <p:cNvSpPr/>
+            <p:nvPr/>
+          </p:nvSpPr>
+          <p:spPr>
+            <a:xfrm>
+              <a:off y="2473737" x="3012225"/>
+              <a:ext cy="122921" cx="122921"/>
             </a:xfrm>
             <a:prstGeom prst="ellipse">
               <a:avLst/>
@@ -5301,14 +5301,14 @@
         </p:sp>
         <p:sp>
           <p:nvSpPr>
-            <p:cNvPr id="90" name="Point 90"/>
-            <p:cNvSpPr/>
-            <p:nvPr/>
-          </p:nvSpPr>
-          <p:spPr>
-            <a:xfrm>
-              <a:off x="3217710" y="2966582"/>
-              <a:ext cx="94763" cy="94763"/>
+            <p:cNvPr name="Point 90" id="90"/>
+            <p:cNvSpPr/>
+            <p:nvPr/>
+          </p:nvSpPr>
+          <p:spPr>
+            <a:xfrm>
+              <a:off y="2972209" x="3218345"/>
+              <a:ext cy="94762" cx="94762"/>
             </a:xfrm>
             <a:prstGeom prst="ellipse">
               <a:avLst/>
@@ -5327,14 +5327,14 @@
         </p:sp>
         <p:sp>
           <p:nvSpPr>
-            <p:cNvPr id="91" name="Point 91"/>
-            <p:cNvSpPr/>
-            <p:nvPr/>
-          </p:nvSpPr>
-          <p:spPr>
-            <a:xfrm>
-              <a:off x="3402846" y="2417539"/>
-              <a:ext cx="106134" cy="106134"/>
+            <p:cNvPr name="Point 91" id="91"/>
+            <p:cNvSpPr/>
+            <p:nvPr/>
+          </p:nvSpPr>
+          <p:spPr>
+            <a:xfrm>
+              <a:off y="2421581" x="3404699"/>
+              <a:ext cy="106134" cx="106134"/>
             </a:xfrm>
             <a:prstGeom prst="ellipse">
               <a:avLst/>
@@ -5353,14 +5353,14 @@
         </p:sp>
         <p:sp>
           <p:nvSpPr>
-            <p:cNvPr id="92" name="Point 92"/>
-            <p:cNvSpPr/>
-            <p:nvPr/>
-          </p:nvSpPr>
-          <p:spPr>
-            <a:xfrm>
-              <a:off x="3220552" y="2546814"/>
-              <a:ext cx="89077" cy="89077"/>
+            <p:cNvPr name="Point 92" id="92"/>
+            <p:cNvSpPr/>
+            <p:nvPr/>
+          </p:nvSpPr>
+          <p:spPr>
+            <a:xfrm>
+              <a:off y="2551208" x="3221187"/>
+              <a:ext cy="89077" cx="89077"/>
             </a:xfrm>
             <a:prstGeom prst="ellipse">
               <a:avLst/>
@@ -5379,14 +5379,14 @@
         </p:sp>
         <p:sp>
           <p:nvSpPr>
-            <p:cNvPr id="93" name="Point 93"/>
-            <p:cNvSpPr/>
-            <p:nvPr/>
-          </p:nvSpPr>
-          <p:spPr>
-            <a:xfrm>
-              <a:off x="3503942" y="2785463"/>
-              <a:ext cx="94763" cy="94763"/>
+            <p:cNvPr name="Point 93" id="93"/>
+            <p:cNvSpPr/>
+            <p:nvPr/>
+          </p:nvSpPr>
+          <p:spPr>
+            <a:xfrm>
+              <a:off y="2790562" x="3506405"/>
+              <a:ext cy="94762" cx="94762"/>
             </a:xfrm>
             <a:prstGeom prst="ellipse">
               <a:avLst/>
@@ -5405,14 +5405,14 @@
         </p:sp>
         <p:sp>
           <p:nvSpPr>
-            <p:cNvPr id="94" name="Point 94"/>
-            <p:cNvSpPr/>
-            <p:nvPr/>
-          </p:nvSpPr>
-          <p:spPr>
-            <a:xfrm>
-              <a:off x="3691921" y="2722247"/>
-              <a:ext cx="100448" cy="100448"/>
+            <p:cNvPr name="Point 94" id="94"/>
+            <p:cNvSpPr/>
+            <p:nvPr/>
+          </p:nvSpPr>
+          <p:spPr>
+            <a:xfrm>
+              <a:off y="2727170" x="3695603"/>
+              <a:ext cy="100448" cx="100448"/>
             </a:xfrm>
             <a:prstGeom prst="ellipse">
               <a:avLst/>
@@ -5431,14 +5431,14 @@
         </p:sp>
         <p:sp>
           <p:nvSpPr>
-            <p:cNvPr id="95" name="Point 95"/>
-            <p:cNvSpPr/>
-            <p:nvPr/>
-          </p:nvSpPr>
-          <p:spPr>
-            <a:xfrm>
-              <a:off x="3882743" y="2480755"/>
-              <a:ext cx="100448" cy="100448"/>
+            <p:cNvPr name="Point 95" id="95"/>
+            <p:cNvSpPr/>
+            <p:nvPr/>
+          </p:nvSpPr>
+          <p:spPr>
+            <a:xfrm>
+              <a:off y="2484973" x="3887643"/>
+              <a:ext cy="100448" cx="100448"/>
             </a:xfrm>
             <a:prstGeom prst="ellipse">
               <a:avLst/>
@@ -5457,14 +5457,14 @@
         </p:sp>
         <p:sp>
           <p:nvSpPr>
-            <p:cNvPr id="96" name="Point 96"/>
-            <p:cNvSpPr/>
-            <p:nvPr/>
-          </p:nvSpPr>
-          <p:spPr>
-            <a:xfrm>
-              <a:off x="3778939" y="2351616"/>
-              <a:ext cx="117235" cy="117235"/>
+            <p:cNvPr name="Point 96" id="96"/>
+            <p:cNvSpPr/>
+            <p:nvPr/>
+          </p:nvSpPr>
+          <p:spPr>
+            <a:xfrm>
+              <a:off y="2355482" x="3783230"/>
+              <a:ext cy="117235" cx="117235"/>
             </a:xfrm>
             <a:prstGeom prst="ellipse">
               <a:avLst/>
@@ -5483,14 +5483,14 @@
         </p:sp>
         <p:sp>
           <p:nvSpPr>
-            <p:cNvPr id="97" name="Point 97"/>
-            <p:cNvSpPr/>
-            <p:nvPr/>
-          </p:nvSpPr>
-          <p:spPr>
-            <a:xfrm>
-              <a:off x="3116613" y="2659031"/>
-              <a:ext cx="106134" cy="106134"/>
+            <p:cNvPr name="Point 97" id="97"/>
+            <p:cNvSpPr/>
+            <p:nvPr/>
+          </p:nvSpPr>
+          <p:spPr>
+            <a:xfrm>
+              <a:off y="2663778" x="3116639"/>
+              <a:ext cy="106134" cx="106134"/>
             </a:xfrm>
             <a:prstGeom prst="ellipse">
               <a:avLst/>
@@ -5509,14 +5509,14 @@
         </p:sp>
         <p:sp>
           <p:nvSpPr>
-            <p:cNvPr id="98" name="Point 98"/>
-            <p:cNvSpPr/>
-            <p:nvPr/>
-          </p:nvSpPr>
-          <p:spPr>
-            <a:xfrm>
-              <a:off x="2844459" y="3276841"/>
-              <a:ext cx="77976" cy="77976"/>
+            <p:cNvPr name="Point 98" id="98"/>
+            <p:cNvSpPr/>
+            <p:nvPr/>
+          </p:nvSpPr>
+          <p:spPr>
+            <a:xfrm>
+              <a:off y="3283348" x="2842657"/>
+              <a:ext cy="77976" cx="77976"/>
             </a:xfrm>
             <a:prstGeom prst="ellipse">
               <a:avLst/>
@@ -5535,14 +5535,14 @@
         </p:sp>
         <p:sp>
           <p:nvSpPr>
-            <p:cNvPr id="99" name="Point 99"/>
-            <p:cNvSpPr/>
-            <p:nvPr/>
-          </p:nvSpPr>
-          <p:spPr>
-            <a:xfrm>
-              <a:off x="2650930" y="3093014"/>
-              <a:ext cx="83391" cy="83391"/>
+            <p:cNvPr name="Point 99" id="99"/>
+            <p:cNvSpPr/>
+            <p:nvPr/>
+          </p:nvSpPr>
+          <p:spPr>
+            <a:xfrm>
+              <a:off y="3098993" x="2647909"/>
+              <a:ext cy="83391" cx="83391"/>
             </a:xfrm>
             <a:prstGeom prst="ellipse">
               <a:avLst/>
@@ -5561,14 +5561,14 @@
         </p:sp>
         <p:sp>
           <p:nvSpPr>
-            <p:cNvPr id="100" name="Point 100"/>
-            <p:cNvSpPr/>
-            <p:nvPr/>
-          </p:nvSpPr>
-          <p:spPr>
-            <a:xfrm>
-              <a:off x="2653638" y="3156095"/>
-              <a:ext cx="77976" cy="77976"/>
+            <p:cNvPr name="Point 100" id="100"/>
+            <p:cNvSpPr/>
+            <p:nvPr/>
+          </p:nvSpPr>
+          <p:spPr>
+            <a:xfrm>
+              <a:off y="3162250" x="2650617"/>
+              <a:ext cy="77976" cx="77976"/>
             </a:xfrm>
             <a:prstGeom prst="ellipse">
               <a:avLst/>
@@ -5587,14 +5587,14 @@
         </p:sp>
         <p:sp>
           <p:nvSpPr>
-            <p:cNvPr id="101" name="Point 101"/>
-            <p:cNvSpPr/>
-            <p:nvPr/>
-          </p:nvSpPr>
-          <p:spPr>
-            <a:xfrm>
-              <a:off x="2934320" y="3029798"/>
-              <a:ext cx="89077" cy="89077"/>
+            <p:cNvPr name="Point 101" id="101"/>
+            <p:cNvSpPr/>
+            <p:nvPr/>
+          </p:nvSpPr>
+          <p:spPr>
+            <a:xfrm>
+              <a:off y="3035601" x="2933127"/>
+              <a:ext cy="89077" cx="89077"/>
             </a:xfrm>
             <a:prstGeom prst="ellipse">
               <a:avLst/>
@@ -5613,14 +5613,14 @@
         </p:sp>
         <p:sp>
           <p:nvSpPr>
-            <p:cNvPr id="102" name="Point 102"/>
-            <p:cNvSpPr/>
-            <p:nvPr/>
-          </p:nvSpPr>
-          <p:spPr>
-            <a:xfrm>
-              <a:off x="3113905" y="2294086"/>
-              <a:ext cx="111549" cy="111549"/>
+            <p:cNvPr name="Point 102" id="102"/>
+            <p:cNvSpPr/>
+            <p:nvPr/>
+          </p:nvSpPr>
+          <p:spPr>
+            <a:xfrm>
+              <a:off y="2297775" x="3113931"/>
+              <a:ext cy="111549" cx="111549"/>
             </a:xfrm>
             <a:prstGeom prst="ellipse">
               <a:avLst/>
@@ -5639,14 +5639,14 @@
         </p:sp>
         <p:sp>
           <p:nvSpPr>
-            <p:cNvPr id="103" name="Point 103"/>
-            <p:cNvSpPr/>
-            <p:nvPr/>
-          </p:nvSpPr>
-          <p:spPr>
-            <a:xfrm>
-              <a:off x="2544148" y="2659031"/>
-              <a:ext cx="106134" cy="106134"/>
+            <p:cNvPr name="Point 103" id="103"/>
+            <p:cNvSpPr/>
+            <p:nvPr/>
+          </p:nvSpPr>
+          <p:spPr>
+            <a:xfrm>
+              <a:off y="2663778" x="2540517"/>
+              <a:ext cy="106134" cx="106134"/>
             </a:xfrm>
             <a:prstGeom prst="ellipse">
               <a:avLst/>
@@ -5665,14 +5665,14 @@
         </p:sp>
         <p:sp>
           <p:nvSpPr>
-            <p:cNvPr id="104" name="Point 104"/>
-            <p:cNvSpPr/>
-            <p:nvPr/>
-          </p:nvSpPr>
-          <p:spPr>
-            <a:xfrm>
-              <a:off x="3113905" y="2656324"/>
-              <a:ext cx="111549" cy="111549"/>
+            <p:cNvPr name="Point 104" id="104"/>
+            <p:cNvSpPr/>
+            <p:nvPr/>
+          </p:nvSpPr>
+          <p:spPr>
+            <a:xfrm>
+              <a:off y="2661070" x="3113931"/>
+              <a:ext cy="111549" cx="111549"/>
             </a:xfrm>
             <a:prstGeom prst="ellipse">
               <a:avLst/>
@@ -5691,14 +5691,14 @@
         </p:sp>
         <p:sp>
           <p:nvSpPr>
-            <p:cNvPr id="105" name="Point 105"/>
-            <p:cNvSpPr/>
-            <p:nvPr/>
-          </p:nvSpPr>
-          <p:spPr>
-            <a:xfrm>
-              <a:off x="3784489" y="2538285"/>
-              <a:ext cx="106134" cy="106134"/>
+            <p:cNvPr name="Point 105" id="105"/>
+            <p:cNvSpPr/>
+            <p:nvPr/>
+          </p:nvSpPr>
+          <p:spPr>
+            <a:xfrm>
+              <a:off y="2542680" x="3788780"/>
+              <a:ext cy="106134" cx="106134"/>
             </a:xfrm>
             <a:prstGeom prst="ellipse">
               <a:avLst/>
@@ -5717,14 +5717,14 @@
         </p:sp>
         <p:sp>
           <p:nvSpPr>
-            <p:cNvPr id="106" name="Point 106"/>
-            <p:cNvSpPr/>
-            <p:nvPr/>
-          </p:nvSpPr>
-          <p:spPr>
-            <a:xfrm>
-              <a:off x="3408531" y="2725090"/>
-              <a:ext cx="94763" cy="94763"/>
+            <p:cNvPr name="Point 106" id="106"/>
+            <p:cNvSpPr/>
+            <p:nvPr/>
+          </p:nvSpPr>
+          <p:spPr>
+            <a:xfrm>
+              <a:off y="2730013" x="3410385"/>
+              <a:ext cy="94762" cx="94762"/>
             </a:xfrm>
             <a:prstGeom prst="ellipse">
               <a:avLst/>
@@ -5743,14 +5743,14 @@
         </p:sp>
         <p:sp>
           <p:nvSpPr>
-            <p:cNvPr id="107" name="Point 107"/>
-            <p:cNvSpPr/>
-            <p:nvPr/>
-          </p:nvSpPr>
-          <p:spPr>
-            <a:xfrm>
-              <a:off x="2740655" y="2906209"/>
-              <a:ext cx="94763" cy="94763"/>
+            <p:cNvPr name="Point 107" id="107"/>
+            <p:cNvSpPr/>
+            <p:nvPr/>
+          </p:nvSpPr>
+          <p:spPr>
+            <a:xfrm>
+              <a:off y="2911660" x="2738244"/>
+              <a:ext cy="94762" cx="94762"/>
             </a:xfrm>
             <a:prstGeom prst="ellipse">
               <a:avLst/>
@@ -5769,14 +5769,14 @@
         </p:sp>
         <p:sp>
           <p:nvSpPr>
-            <p:cNvPr id="108" name="Point 108"/>
-            <p:cNvSpPr/>
-            <p:nvPr/>
-          </p:nvSpPr>
-          <p:spPr>
-            <a:xfrm>
-              <a:off x="2645244" y="2966582"/>
-              <a:ext cx="94763" cy="94763"/>
+            <p:cNvPr name="Point 108" id="108"/>
+            <p:cNvSpPr/>
+            <p:nvPr/>
+          </p:nvSpPr>
+          <p:spPr>
+            <a:xfrm>
+              <a:off y="2972209" x="2642223"/>
+              <a:ext cy="94762" cx="94762"/>
             </a:xfrm>
             <a:prstGeom prst="ellipse">
               <a:avLst/>
@@ -5795,14 +5795,14 @@
         </p:sp>
         <p:sp>
           <p:nvSpPr>
-            <p:cNvPr id="109" name="Point 109"/>
-            <p:cNvSpPr/>
-            <p:nvPr/>
-          </p:nvSpPr>
-          <p:spPr>
-            <a:xfrm>
-              <a:off x="2648087" y="2727933"/>
-              <a:ext cx="89077" cy="89077"/>
+            <p:cNvPr name="Point 109" id="109"/>
+            <p:cNvSpPr/>
+            <p:nvPr/>
+          </p:nvSpPr>
+          <p:spPr>
+            <a:xfrm>
+              <a:off y="2732856" x="2645066"/>
+              <a:ext cy="89077" cx="89077"/>
             </a:xfrm>
             <a:prstGeom prst="ellipse">
               <a:avLst/>
@@ -5821,14 +5821,14 @@
         </p:sp>
         <p:sp>
           <p:nvSpPr>
-            <p:cNvPr id="110" name="Point 110"/>
-            <p:cNvSpPr/>
-            <p:nvPr/>
-          </p:nvSpPr>
-          <p:spPr>
-            <a:xfrm>
-              <a:off x="3214867" y="2601501"/>
-              <a:ext cx="100448" cy="100448"/>
+            <p:cNvPr name="Point 110" id="110"/>
+            <p:cNvSpPr/>
+            <p:nvPr/>
+          </p:nvSpPr>
+          <p:spPr>
+            <a:xfrm>
+              <a:off y="2606072" x="3215502"/>
+              <a:ext cy="100448" cx="100448"/>
             </a:xfrm>
             <a:prstGeom prst="ellipse">
               <a:avLst/>
@@ -5847,14 +5847,14 @@
         </p:sp>
         <p:sp>
           <p:nvSpPr>
-            <p:cNvPr id="111" name="Point 111"/>
-            <p:cNvSpPr/>
-            <p:nvPr/>
-          </p:nvSpPr>
-          <p:spPr>
-            <a:xfrm>
-              <a:off x="2934320" y="2969425"/>
-              <a:ext cx="89077" cy="89077"/>
+            <p:cNvPr name="Point 111" id="111"/>
+            <p:cNvSpPr/>
+            <p:nvPr/>
+          </p:nvSpPr>
+          <p:spPr>
+            <a:xfrm>
+              <a:off y="2975052" x="2933127"/>
+              <a:ext cy="89077" cx="89077"/>
             </a:xfrm>
             <a:prstGeom prst="ellipse">
               <a:avLst/>
@@ -5873,14 +5873,14 @@
         </p:sp>
         <p:sp>
           <p:nvSpPr>
-            <p:cNvPr id="112" name="Point 112"/>
-            <p:cNvSpPr/>
-            <p:nvPr/>
-          </p:nvSpPr>
-          <p:spPr>
-            <a:xfrm>
-              <a:off x="2176583" y="3397587"/>
-              <a:ext cx="77976" cy="77976"/>
+            <p:cNvPr name="Point 112" id="112"/>
+            <p:cNvSpPr/>
+            <p:nvPr/>
+          </p:nvSpPr>
+          <p:spPr>
+            <a:xfrm>
+              <a:off y="3404446" x="2170516"/>
+              <a:ext cy="77976" cx="77976"/>
             </a:xfrm>
             <a:prstGeom prst="ellipse">
               <a:avLst/>
@@ -5899,14 +5899,14 @@
         </p:sp>
         <p:sp>
           <p:nvSpPr>
-            <p:cNvPr id="113" name="Point 113"/>
-            <p:cNvSpPr/>
-            <p:nvPr/>
-          </p:nvSpPr>
-          <p:spPr>
-            <a:xfrm>
-              <a:off x="2740655" y="2845836"/>
-              <a:ext cx="94763" cy="94763"/>
+            <p:cNvPr name="Point 113" id="113"/>
+            <p:cNvSpPr/>
+            <p:nvPr/>
+          </p:nvSpPr>
+          <p:spPr>
+            <a:xfrm>
+              <a:off y="2851111" x="2738244"/>
+              <a:ext cy="94762" cx="94762"/>
             </a:xfrm>
             <a:prstGeom prst="ellipse">
               <a:avLst/>
@@ -5925,14 +5925,14 @@
         </p:sp>
         <p:sp>
           <p:nvSpPr>
-            <p:cNvPr id="114" name="Point 114"/>
-            <p:cNvSpPr/>
-            <p:nvPr/>
-          </p:nvSpPr>
-          <p:spPr>
-            <a:xfrm>
-              <a:off x="2838909" y="2848679"/>
-              <a:ext cx="89077" cy="89077"/>
+            <p:cNvPr name="Point 114" id="114"/>
+            <p:cNvSpPr/>
+            <p:nvPr/>
+          </p:nvSpPr>
+          <p:spPr>
+            <a:xfrm>
+              <a:off y="2853954" x="2837107"/>
+              <a:ext cy="89077" cx="89077"/>
             </a:xfrm>
             <a:prstGeom prst="ellipse">
               <a:avLst/>
@@ -5951,14 +5951,14 @@
         </p:sp>
         <p:sp>
           <p:nvSpPr>
-            <p:cNvPr id="115" name="Point 115"/>
-            <p:cNvSpPr/>
-            <p:nvPr/>
-          </p:nvSpPr>
-          <p:spPr>
-            <a:xfrm>
-              <a:off x="2836066" y="2845836"/>
-              <a:ext cx="94763" cy="94763"/>
+            <p:cNvPr name="Point 115" id="115"/>
+            <p:cNvSpPr/>
+            <p:nvPr/>
+          </p:nvSpPr>
+          <p:spPr>
+            <a:xfrm>
+              <a:off y="2851111" x="2834264"/>
+              <a:ext cy="94762" cx="94762"/>
             </a:xfrm>
             <a:prstGeom prst="ellipse">
               <a:avLst/>
@@ -5977,14 +5977,14 @@
         </p:sp>
         <p:sp>
           <p:nvSpPr>
-            <p:cNvPr id="116" name="Point 116"/>
-            <p:cNvSpPr/>
-            <p:nvPr/>
-          </p:nvSpPr>
-          <p:spPr>
-            <a:xfrm>
-              <a:off x="3313120" y="2785463"/>
-              <a:ext cx="94763" cy="94763"/>
+            <p:cNvPr name="Point 116" id="116"/>
+            <p:cNvSpPr/>
+            <p:nvPr/>
+          </p:nvSpPr>
+          <p:spPr>
+            <a:xfrm>
+              <a:off y="2790562" x="3314365"/>
+              <a:ext cy="94762" cx="94762"/>
             </a:xfrm>
             <a:prstGeom prst="ellipse">
               <a:avLst/>
@@ -6003,14 +6003,14 @@
         </p:sp>
         <p:sp>
           <p:nvSpPr>
-            <p:cNvPr id="117" name="Point 117"/>
-            <p:cNvSpPr/>
-            <p:nvPr/>
-          </p:nvSpPr>
-          <p:spPr>
-            <a:xfrm>
-              <a:off x="2269287" y="3575998"/>
-              <a:ext cx="83391" cy="83391"/>
+            <p:cNvPr name="Point 117" id="117"/>
+            <p:cNvSpPr/>
+            <p:nvPr/>
+          </p:nvSpPr>
+          <p:spPr>
+            <a:xfrm>
+              <a:off y="3583386" x="2263828"/>
+              <a:ext cy="83391" cx="83391"/>
             </a:xfrm>
             <a:prstGeom prst="ellipse">
               <a:avLst/>
@@ -6029,14 +6029,14 @@
         </p:sp>
         <p:sp>
           <p:nvSpPr>
-            <p:cNvPr id="118" name="Point 118"/>
-            <p:cNvSpPr/>
-            <p:nvPr/>
-          </p:nvSpPr>
-          <p:spPr>
-            <a:xfrm>
-              <a:off x="2836066" y="2906209"/>
-              <a:ext cx="94763" cy="94763"/>
+            <p:cNvPr name="Point 118" id="118"/>
+            <p:cNvSpPr/>
+            <p:nvPr/>
+          </p:nvSpPr>
+          <p:spPr>
+            <a:xfrm>
+              <a:off y="2911660" x="2834264"/>
+              <a:ext cy="94762" cx="94762"/>
             </a:xfrm>
             <a:prstGeom prst="ellipse">
               <a:avLst/>
@@ -6055,14 +6055,14 @@
         </p:sp>
         <p:sp>
           <p:nvSpPr>
-            <p:cNvPr id="119" name="Point 119"/>
-            <p:cNvSpPr/>
-            <p:nvPr/>
-          </p:nvSpPr>
-          <p:spPr>
-            <a:xfrm>
-              <a:off x="3374688" y="1725278"/>
-              <a:ext cx="162450" cy="162450"/>
+            <p:cNvPr name="Point 119" id="119"/>
+            <p:cNvSpPr/>
+            <p:nvPr/>
+          </p:nvSpPr>
+          <p:spPr>
+            <a:xfrm>
+              <a:off y="1727383" x="3376541"/>
+              <a:ext cy="162450" cx="162450"/>
             </a:xfrm>
             <a:prstGeom prst="ellipse">
               <a:avLst/>
@@ -6081,14 +6081,14 @@
         </p:sp>
         <p:sp>
           <p:nvSpPr>
-            <p:cNvPr id="120" name="Point 120"/>
-            <p:cNvSpPr/>
-            <p:nvPr/>
-          </p:nvSpPr>
-          <p:spPr>
-            <a:xfrm>
-              <a:off x="2914555" y="2285557"/>
-              <a:ext cx="128606" cy="128606"/>
+            <p:cNvPr name="Point 120" id="120"/>
+            <p:cNvSpPr/>
+            <p:nvPr/>
+          </p:nvSpPr>
+          <p:spPr>
+            <a:xfrm>
+              <a:off y="2289247" x="2913362"/>
+              <a:ext cy="128606" cx="128606"/>
             </a:xfrm>
             <a:prstGeom prst="ellipse">
               <a:avLst/>
@@ -6107,14 +6107,14 @@
         </p:sp>
         <p:sp>
           <p:nvSpPr>
-            <p:cNvPr id="121" name="Point 121"/>
-            <p:cNvSpPr/>
-            <p:nvPr/>
-          </p:nvSpPr>
-          <p:spPr>
-            <a:xfrm>
-              <a:off x="4149211" y="1796887"/>
-              <a:ext cx="139978" cy="139978"/>
+            <p:cNvPr name="Point 121" id="121"/>
+            <p:cNvSpPr/>
+            <p:nvPr/>
+          </p:nvSpPr>
+          <p:spPr>
+            <a:xfrm>
+              <a:off y="1799168" x="4155939"/>
+              <a:ext cy="139978" cx="139978"/>
             </a:xfrm>
             <a:prstGeom prst="ellipse">
               <a:avLst/>
@@ -6133,14 +6133,14 @@
         </p:sp>
         <p:sp>
           <p:nvSpPr>
-            <p:cNvPr id="122" name="Point 122"/>
-            <p:cNvSpPr/>
-            <p:nvPr/>
-          </p:nvSpPr>
-          <p:spPr>
-            <a:xfrm>
-              <a:off x="3394452" y="1986535"/>
-              <a:ext cx="122921" cy="122921"/>
+            <p:cNvPr name="Point 122" id="122"/>
+            <p:cNvSpPr/>
+            <p:nvPr/>
+          </p:nvSpPr>
+          <p:spPr>
+            <a:xfrm>
+              <a:off y="1989344" x="3396306"/>
+              <a:ext cy="122921" cx="122921"/>
             </a:xfrm>
             <a:prstGeom prst="ellipse">
               <a:avLst/>
@@ -6159,14 +6159,14 @@
         </p:sp>
         <p:sp>
           <p:nvSpPr>
-            <p:cNvPr id="123" name="Point 123"/>
-            <p:cNvSpPr/>
-            <p:nvPr/>
-          </p:nvSpPr>
-          <p:spPr>
-            <a:xfrm>
-              <a:off x="3573903" y="1854417"/>
-              <a:ext cx="145664" cy="145664"/>
+            <p:cNvPr name="Point 123" id="123"/>
+            <p:cNvSpPr/>
+            <p:nvPr/>
+          </p:nvSpPr>
+          <p:spPr>
+            <a:xfrm>
+              <a:off y="1856874" x="3576975"/>
+              <a:ext cy="145664" cx="145664"/>
             </a:xfrm>
             <a:prstGeom prst="ellipse">
               <a:avLst/>
@@ -6185,14 +6185,14 @@
         </p:sp>
         <p:sp>
           <p:nvSpPr>
-            <p:cNvPr id="124" name="Point 124"/>
-            <p:cNvSpPr/>
-            <p:nvPr/>
-          </p:nvSpPr>
-          <p:spPr>
-            <a:xfrm>
-              <a:off x="4626265" y="1374276"/>
-              <a:ext cx="139978" cy="139978"/>
+            <p:cNvPr name="Point 124" id="124"/>
+            <p:cNvSpPr/>
+            <p:nvPr/>
+          </p:nvSpPr>
+          <p:spPr>
+            <a:xfrm>
+              <a:off y="1375324" x="4636040"/>
+              <a:ext cy="139978" cx="139978"/>
             </a:xfrm>
             <a:prstGeom prst="ellipse">
               <a:avLst/>
@@ -6211,14 +6211,14 @@
         </p:sp>
         <p:sp>
           <p:nvSpPr>
-            <p:cNvPr id="125" name="Point 125"/>
-            <p:cNvSpPr/>
-            <p:nvPr/>
-          </p:nvSpPr>
-          <p:spPr>
-            <a:xfrm>
-              <a:off x="2061543" y="2653481"/>
-              <a:ext cx="117235" cy="117235"/>
+            <p:cNvPr name="Point 125" id="125"/>
+            <p:cNvSpPr/>
+            <p:nvPr/>
+          </p:nvSpPr>
+          <p:spPr>
+            <a:xfrm>
+              <a:off y="2658227" x="2054866"/>
+              <a:ext cy="117235" cx="117235"/>
             </a:xfrm>
             <a:prstGeom prst="ellipse">
               <a:avLst/>
@@ -6237,14 +6237,14 @@
         </p:sp>
         <p:sp>
           <p:nvSpPr>
-            <p:cNvPr id="126" name="Point 126"/>
-            <p:cNvSpPr/>
-            <p:nvPr/>
-          </p:nvSpPr>
-          <p:spPr>
-            <a:xfrm>
-              <a:off x="4348561" y="1563924"/>
-              <a:ext cx="122921" cy="122921"/>
+            <p:cNvPr name="Point 126" id="126"/>
+            <p:cNvSpPr/>
+            <p:nvPr/>
+          </p:nvSpPr>
+          <p:spPr>
+            <a:xfrm>
+              <a:off y="1565500" x="4356508"/>
+              <a:ext cy="122921" cx="122921"/>
             </a:xfrm>
             <a:prstGeom prst="ellipse">
               <a:avLst/>
@@ -6263,14 +6263,14 @@
         </p:sp>
         <p:sp>
           <p:nvSpPr>
-            <p:cNvPr id="127" name="Point 127"/>
-            <p:cNvSpPr/>
-            <p:nvPr/>
-          </p:nvSpPr>
-          <p:spPr>
-            <a:xfrm>
-              <a:off x="3776096" y="1865789"/>
-              <a:ext cx="122921" cy="122921"/>
+            <p:cNvPr name="Point 127" id="127"/>
+            <p:cNvSpPr/>
+            <p:nvPr/>
+          </p:nvSpPr>
+          <p:spPr>
+            <a:xfrm>
+              <a:off y="1868246" x="3780387"/>
+              <a:ext cy="122921" cx="122921"/>
             </a:xfrm>
             <a:prstGeom prst="ellipse">
               <a:avLst/>
@@ -6289,14 +6289,14 @@
         </p:sp>
         <p:sp>
           <p:nvSpPr>
-            <p:cNvPr id="128" name="Point 128"/>
-            <p:cNvSpPr/>
-            <p:nvPr/>
-          </p:nvSpPr>
-          <p:spPr>
-            <a:xfrm>
-              <a:off x="4233385" y="1664905"/>
-              <a:ext cx="162450" cy="162450"/>
+            <p:cNvPr name="Point 128" id="128"/>
+            <p:cNvSpPr/>
+            <p:nvPr/>
+          </p:nvSpPr>
+          <p:spPr>
+            <a:xfrm>
+              <a:off y="1666834" x="4240723"/>
+              <a:ext cy="162450" cx="162450"/>
             </a:xfrm>
             <a:prstGeom prst="ellipse">
               <a:avLst/>
@@ -6315,14 +6315,14 @@
         </p:sp>
         <p:sp>
           <p:nvSpPr>
-            <p:cNvPr id="129" name="Point 129"/>
-            <p:cNvSpPr/>
-            <p:nvPr/>
-          </p:nvSpPr>
-          <p:spPr>
-            <a:xfrm>
-              <a:off x="3579588" y="2282714"/>
-              <a:ext cx="134292" cy="134292"/>
+            <p:cNvPr name="Point 129" id="129"/>
+            <p:cNvSpPr/>
+            <p:nvPr/>
+          </p:nvSpPr>
+          <p:spPr>
+            <a:xfrm>
+              <a:off y="2286404" x="3582661"/>
+              <a:ext cy="134292" cx="134292"/>
             </a:xfrm>
             <a:prstGeom prst="ellipse">
               <a:avLst/>
@@ -6341,14 +6341,14 @@
         </p:sp>
         <p:sp>
           <p:nvSpPr>
-            <p:cNvPr id="130" name="Point 130"/>
-            <p:cNvSpPr/>
-            <p:nvPr/>
-          </p:nvSpPr>
-          <p:spPr>
-            <a:xfrm>
-              <a:off x="3487020" y="2164811"/>
-              <a:ext cx="128606" cy="128606"/>
+            <p:cNvPr name="Point 130" id="130"/>
+            <p:cNvSpPr/>
+            <p:nvPr/>
+          </p:nvSpPr>
+          <p:spPr>
+            <a:xfrm>
+              <a:off y="2168149" x="3489483"/>
+              <a:ext cy="128606" cx="128606"/>
             </a:xfrm>
             <a:prstGeom prst="ellipse">
               <a:avLst/>
@@ -6367,14 +6367,14 @@
         </p:sp>
         <p:sp>
           <p:nvSpPr>
-            <p:cNvPr id="131" name="Point 131"/>
-            <p:cNvSpPr/>
-            <p:nvPr/>
-          </p:nvSpPr>
-          <p:spPr>
-            <a:xfrm>
-              <a:off x="3862978" y="2038379"/>
-              <a:ext cx="139978" cy="139978"/>
+            <p:cNvPr name="Point 131" id="131"/>
+            <p:cNvSpPr/>
+            <p:nvPr/>
+          </p:nvSpPr>
+          <p:spPr>
+            <a:xfrm>
+              <a:off y="2041365" x="3867878"/>
+              <a:ext cy="139978" cx="139978"/>
             </a:xfrm>
             <a:prstGeom prst="ellipse">
               <a:avLst/>
@@ -6393,14 +6393,14 @@
         </p:sp>
         <p:sp>
           <p:nvSpPr>
-            <p:cNvPr id="132" name="Point 132"/>
-            <p:cNvSpPr/>
-            <p:nvPr/>
-          </p:nvSpPr>
-          <p:spPr>
-            <a:xfrm>
-              <a:off x="2816301" y="2343087"/>
-              <a:ext cx="134292" cy="134292"/>
+            <p:cNvPr name="Point 132" id="132"/>
+            <p:cNvSpPr/>
+            <p:nvPr/>
+          </p:nvSpPr>
+          <p:spPr>
+            <a:xfrm>
+              <a:off y="2346953" x="2814499"/>
+              <a:ext cy="134292" cx="134292"/>
             </a:xfrm>
             <a:prstGeom prst="ellipse">
               <a:avLst/>
@@ -6419,14 +6419,14 @@
         </p:sp>
         <p:sp>
           <p:nvSpPr>
-            <p:cNvPr id="133" name="Point 133"/>
-            <p:cNvSpPr/>
-            <p:nvPr/>
-          </p:nvSpPr>
-          <p:spPr>
-            <a:xfrm>
-              <a:off x="2900476" y="2271478"/>
-              <a:ext cx="156764" cy="156764"/>
+            <p:cNvPr name="Point 133" id="133"/>
+            <p:cNvSpPr/>
+            <p:nvPr/>
+          </p:nvSpPr>
+          <p:spPr>
+            <a:xfrm>
+              <a:off y="2275168" x="2899283"/>
+              <a:ext cy="156764" cx="156764"/>
             </a:xfrm>
             <a:prstGeom prst="ellipse">
               <a:avLst/>
@@ -6445,14 +6445,14 @@
         </p:sp>
         <p:sp>
           <p:nvSpPr>
-            <p:cNvPr id="134" name="Point 134"/>
-            <p:cNvSpPr/>
-            <p:nvPr/>
-          </p:nvSpPr>
-          <p:spPr>
-            <a:xfrm>
-              <a:off x="3475784" y="2153575"/>
-              <a:ext cx="151079" cy="151079"/>
+            <p:cNvPr name="Point 134" id="134"/>
+            <p:cNvSpPr/>
+            <p:nvPr/>
+          </p:nvSpPr>
+          <p:spPr>
+            <a:xfrm>
+              <a:off y="2156912" x="3478247"/>
+              <a:ext cy="151078" cx="151078"/>
             </a:xfrm>
             <a:prstGeom prst="ellipse">
               <a:avLst/>
@@ -6471,14 +6471,14 @@
         </p:sp>
         <p:sp>
           <p:nvSpPr>
-            <p:cNvPr id="135" name="Point 135"/>
-            <p:cNvSpPr/>
-            <p:nvPr/>
-          </p:nvSpPr>
-          <p:spPr>
-            <a:xfrm>
-              <a:off x="3585274" y="2046908"/>
-              <a:ext cx="122921" cy="122921"/>
+            <p:cNvPr name="Point 135" id="135"/>
+            <p:cNvSpPr/>
+            <p:nvPr/>
+          </p:nvSpPr>
+          <p:spPr>
+            <a:xfrm>
+              <a:off y="2049893" x="3588346"/>
+              <a:ext cy="122921" cx="122921"/>
             </a:xfrm>
             <a:prstGeom prst="ellipse">
               <a:avLst/>
@@ -6497,14 +6497,14 @@
         </p:sp>
         <p:sp>
           <p:nvSpPr>
-            <p:cNvPr id="136" name="Point 136"/>
-            <p:cNvSpPr/>
-            <p:nvPr/>
-          </p:nvSpPr>
-          <p:spPr>
-            <a:xfrm>
-              <a:off x="4718833" y="1311060"/>
-              <a:ext cx="145664" cy="145664"/>
+            <p:cNvPr name="Point 136" id="136"/>
+            <p:cNvSpPr/>
+            <p:nvPr/>
+          </p:nvSpPr>
+          <p:spPr>
+            <a:xfrm>
+              <a:off y="1311932" x="4729217"/>
+              <a:ext cy="145664" cx="145664"/>
             </a:xfrm>
             <a:prstGeom prst="ellipse">
               <a:avLst/>
@@ -6523,14 +6523,14 @@
         </p:sp>
         <p:sp>
           <p:nvSpPr>
-            <p:cNvPr id="137" name="Point 137"/>
-            <p:cNvSpPr/>
-            <p:nvPr/>
-          </p:nvSpPr>
-          <p:spPr>
-            <a:xfrm>
-              <a:off x="4716125" y="1187607"/>
-              <a:ext cx="151079" cy="151079"/>
+            <p:cNvPr name="Point 137" id="137"/>
+            <p:cNvSpPr/>
+            <p:nvPr/>
+          </p:nvSpPr>
+          <p:spPr>
+            <a:xfrm>
+              <a:off y="1188126" x="4726510"/>
+              <a:ext cy="151078" cx="151078"/>
             </a:xfrm>
             <a:prstGeom prst="ellipse">
               <a:avLst/>
@@ -6549,14 +6549,14 @@
         </p:sp>
         <p:sp>
           <p:nvSpPr>
-            <p:cNvPr id="138" name="Point 138"/>
-            <p:cNvSpPr/>
-            <p:nvPr/>
-          </p:nvSpPr>
-          <p:spPr>
-            <a:xfrm>
-              <a:off x="3116613" y="2357166"/>
-              <a:ext cx="106134" cy="106134"/>
+            <p:cNvPr name="Point 138" id="138"/>
+            <p:cNvSpPr/>
+            <p:nvPr/>
+          </p:nvSpPr>
+          <p:spPr>
+            <a:xfrm>
+              <a:off y="2361032" x="3116639"/>
+              <a:ext cy="106134" cx="106134"/>
             </a:xfrm>
             <a:prstGeom prst="ellipse">
               <a:avLst/>
@@ -6575,14 +6575,14 @@
         </p:sp>
         <p:sp>
           <p:nvSpPr>
-            <p:cNvPr id="139" name="Point 139"/>
-            <p:cNvSpPr/>
-            <p:nvPr/>
-          </p:nvSpPr>
-          <p:spPr>
-            <a:xfrm>
-              <a:off x="3952839" y="1912083"/>
-              <a:ext cx="151079" cy="151079"/>
+            <p:cNvPr name="Point 139" id="139"/>
+            <p:cNvSpPr/>
+            <p:nvPr/>
+          </p:nvSpPr>
+          <p:spPr>
+            <a:xfrm>
+              <a:off y="1914716" x="3958348"/>
+              <a:ext cy="151078" cx="151078"/>
             </a:xfrm>
             <a:prstGeom prst="ellipse">
               <a:avLst/>
@@ -6601,14 +6601,14 @@
         </p:sp>
         <p:sp>
           <p:nvSpPr>
-            <p:cNvPr id="140" name="Point 140"/>
-            <p:cNvSpPr/>
-            <p:nvPr/>
-          </p:nvSpPr>
-          <p:spPr>
-            <a:xfrm>
-              <a:off x="2720891" y="2403460"/>
-              <a:ext cx="134292" cy="134292"/>
+            <p:cNvPr name="Point 140" id="140"/>
+            <p:cNvSpPr/>
+            <p:nvPr/>
+          </p:nvSpPr>
+          <p:spPr>
+            <a:xfrm>
+              <a:off y="2407502" x="2718479"/>
+              <a:ext cy="134292" cx="134292"/>
             </a:xfrm>
             <a:prstGeom prst="ellipse">
               <a:avLst/>
@@ -6627,14 +6627,14 @@
         </p:sp>
         <p:sp>
           <p:nvSpPr>
-            <p:cNvPr id="141" name="Point 141"/>
-            <p:cNvSpPr/>
-            <p:nvPr/>
-          </p:nvSpPr>
-          <p:spPr>
-            <a:xfrm>
-              <a:off x="4724519" y="1316746"/>
-              <a:ext cx="134292" cy="134292"/>
+            <p:cNvPr name="Point 141" id="141"/>
+            <p:cNvSpPr/>
+            <p:nvPr/>
+          </p:nvSpPr>
+          <p:spPr>
+            <a:xfrm>
+              <a:off y="1317618" x="4734903"/>
+              <a:ext cy="134292" cx="134292"/>
             </a:xfrm>
             <a:prstGeom prst="ellipse">
               <a:avLst/>
@@ -6653,14 +6653,14 @@
         </p:sp>
         <p:sp>
           <p:nvSpPr>
-            <p:cNvPr id="142" name="Point 142"/>
-            <p:cNvSpPr/>
-            <p:nvPr/>
-          </p:nvSpPr>
-          <p:spPr>
-            <a:xfrm>
-              <a:off x="3394452" y="2409146"/>
-              <a:ext cx="122921" cy="122921"/>
+            <p:cNvPr name="Point 142" id="142"/>
+            <p:cNvSpPr/>
+            <p:nvPr/>
+          </p:nvSpPr>
+          <p:spPr>
+            <a:xfrm>
+              <a:off y="2413188" x="3396306"/>
+              <a:ext cy="122921" cx="122921"/>
             </a:xfrm>
             <a:prstGeom prst="ellipse">
               <a:avLst/>
@@ -6679,14 +6679,14 @@
         </p:sp>
         <p:sp>
           <p:nvSpPr>
-            <p:cNvPr id="143" name="Point 143"/>
-            <p:cNvSpPr/>
-            <p:nvPr/>
-          </p:nvSpPr>
-          <p:spPr>
-            <a:xfrm>
-              <a:off x="3767567" y="1917633"/>
-              <a:ext cx="139978" cy="139978"/>
+            <p:cNvPr name="Point 143" id="143"/>
+            <p:cNvSpPr/>
+            <p:nvPr/>
+          </p:nvSpPr>
+          <p:spPr>
+            <a:xfrm>
+              <a:off y="1920266" x="3771858"/>
+              <a:ext cy="139978" cx="139978"/>
             </a:xfrm>
             <a:prstGeom prst="ellipse">
               <a:avLst/>
@@ -6705,14 +6705,14 @@
         </p:sp>
         <p:sp>
           <p:nvSpPr>
-            <p:cNvPr id="144" name="Point 144"/>
-            <p:cNvSpPr/>
-            <p:nvPr/>
-          </p:nvSpPr>
-          <p:spPr>
-            <a:xfrm>
-              <a:off x="4253150" y="1745043"/>
-              <a:ext cx="122921" cy="122921"/>
+            <p:cNvPr name="Point 144" id="144"/>
+            <p:cNvSpPr/>
+            <p:nvPr/>
+          </p:nvSpPr>
+          <p:spPr>
+            <a:xfrm>
+              <a:off y="1747148" x="4260488"/>
+              <a:ext cy="122921" cx="122921"/>
             </a:xfrm>
             <a:prstGeom prst="ellipse">
               <a:avLst/>
@@ -6731,14 +6731,14 @@
         </p:sp>
         <p:sp>
           <p:nvSpPr>
-            <p:cNvPr id="145" name="Point 145"/>
-            <p:cNvSpPr/>
-            <p:nvPr/>
-          </p:nvSpPr>
-          <p:spPr>
-            <a:xfrm>
-              <a:off x="3299041" y="2469519"/>
-              <a:ext cx="122921" cy="122921"/>
+            <p:cNvPr name="Point 145" id="145"/>
+            <p:cNvSpPr/>
+            <p:nvPr/>
+          </p:nvSpPr>
+          <p:spPr>
+            <a:xfrm>
+              <a:off y="2473737" x="3300286"/>
+              <a:ext cy="122921" cx="122921"/>
             </a:xfrm>
             <a:prstGeom prst="ellipse">
               <a:avLst/>
@@ -6757,14 +6757,14 @@
         </p:sp>
         <p:sp>
           <p:nvSpPr>
-            <p:cNvPr id="146" name="Point 146"/>
-            <p:cNvSpPr/>
-            <p:nvPr/>
-          </p:nvSpPr>
-          <p:spPr>
-            <a:xfrm>
-              <a:off x="3203631" y="2409146"/>
-              <a:ext cx="122921" cy="122921"/>
+            <p:cNvPr name="Point 146" id="146"/>
+            <p:cNvSpPr/>
+            <p:nvPr/>
+          </p:nvSpPr>
+          <p:spPr>
+            <a:xfrm>
+              <a:off y="2413188" x="3204266"/>
+              <a:ext cy="122921" cx="122921"/>
             </a:xfrm>
             <a:prstGeom prst="ellipse">
               <a:avLst/>
@@ -6783,14 +6783,14 @@
         </p:sp>
         <p:sp>
           <p:nvSpPr>
-            <p:cNvPr id="147" name="Point 147"/>
-            <p:cNvSpPr/>
-            <p:nvPr/>
-          </p:nvSpPr>
-          <p:spPr>
-            <a:xfrm>
-              <a:off x="3481335" y="1978006"/>
-              <a:ext cx="139978" cy="139978"/>
+            <p:cNvPr name="Point 147" id="147"/>
+            <p:cNvSpPr/>
+            <p:nvPr/>
+          </p:nvSpPr>
+          <p:spPr>
+            <a:xfrm>
+              <a:off y="1980815" x="3483798"/>
+              <a:ext cy="139978" cx="139978"/>
             </a:xfrm>
             <a:prstGeom prst="ellipse">
               <a:avLst/>
@@ -6809,14 +6809,14 @@
         </p:sp>
         <p:sp>
           <p:nvSpPr>
-            <p:cNvPr id="148" name="Point 148"/>
-            <p:cNvSpPr/>
-            <p:nvPr/>
-          </p:nvSpPr>
-          <p:spPr>
-            <a:xfrm>
-              <a:off x="4258836" y="1871475"/>
-              <a:ext cx="111549" cy="111549"/>
+            <p:cNvPr name="Point 148" id="148"/>
+            <p:cNvSpPr/>
+            <p:nvPr/>
+          </p:nvSpPr>
+          <p:spPr>
+            <a:xfrm>
+              <a:off y="1873932" x="4266174"/>
+              <a:ext cy="111549" cx="111549"/>
             </a:xfrm>
             <a:prstGeom prst="ellipse">
               <a:avLst/>
@@ -6835,14 +6835,14 @@
         </p:sp>
         <p:sp>
           <p:nvSpPr>
-            <p:cNvPr id="149" name="Point 149"/>
-            <p:cNvSpPr/>
-            <p:nvPr/>
-          </p:nvSpPr>
-          <p:spPr>
-            <a:xfrm>
-              <a:off x="4441129" y="1681827"/>
-              <a:ext cx="128606" cy="128606"/>
+            <p:cNvPr name="Point 149" id="149"/>
+            <p:cNvSpPr/>
+            <p:nvPr/>
+          </p:nvSpPr>
+          <p:spPr>
+            <a:xfrm>
+              <a:off y="1683756" x="4449685"/>
+              <a:ext cy="128606" cx="128606"/>
             </a:xfrm>
             <a:prstGeom prst="ellipse">
               <a:avLst/>
@@ -6861,14 +6861,14 @@
         </p:sp>
         <p:sp>
           <p:nvSpPr>
-            <p:cNvPr id="150" name="Point 150"/>
-            <p:cNvSpPr/>
-            <p:nvPr/>
-          </p:nvSpPr>
-          <p:spPr>
-            <a:xfrm>
-              <a:off x="4915340" y="1497865"/>
-              <a:ext cx="134292" cy="134292"/>
+            <p:cNvPr name="Point 150" id="150"/>
+            <p:cNvSpPr/>
+            <p:nvPr/>
+          </p:nvSpPr>
+          <p:spPr>
+            <a:xfrm>
+              <a:off y="1499265" x="4926944"/>
+              <a:ext cy="134292" cx="134292"/>
             </a:xfrm>
             <a:prstGeom prst="ellipse">
               <a:avLst/>
@@ -6887,14 +6887,14 @@
         </p:sp>
         <p:sp>
           <p:nvSpPr>
-            <p:cNvPr id="151" name="Point 151"/>
-            <p:cNvSpPr/>
-            <p:nvPr/>
-          </p:nvSpPr>
-          <p:spPr>
-            <a:xfrm>
-              <a:off x="3478492" y="1975164"/>
-              <a:ext cx="145664" cy="145664"/>
+            <p:cNvPr name="Point 151" id="151"/>
+            <p:cNvSpPr/>
+            <p:nvPr/>
+          </p:nvSpPr>
+          <p:spPr>
+            <a:xfrm>
+              <a:off y="1977973" x="3480955"/>
+              <a:ext cy="145664" cx="145664"/>
             </a:xfrm>
             <a:prstGeom prst="ellipse">
               <a:avLst/>
@@ -6913,14 +6913,14 @@
         </p:sp>
         <p:sp>
           <p:nvSpPr>
-            <p:cNvPr id="152" name="Point 152"/>
-            <p:cNvSpPr/>
-            <p:nvPr/>
-          </p:nvSpPr>
-          <p:spPr>
-            <a:xfrm>
-              <a:off x="3402846" y="2296793"/>
-              <a:ext cx="106134" cy="106134"/>
+            <p:cNvPr name="Point 152" id="152"/>
+            <p:cNvSpPr/>
+            <p:nvPr/>
+          </p:nvSpPr>
+          <p:spPr>
+            <a:xfrm>
+              <a:off y="2300483" x="3404699"/>
+              <a:ext cy="106134" cx="106134"/>
             </a:xfrm>
             <a:prstGeom prst="ellipse">
               <a:avLst/>
@@ -6939,14 +6939,14 @@
         </p:sp>
         <p:sp>
           <p:nvSpPr>
-            <p:cNvPr id="153" name="Point 153"/>
-            <p:cNvSpPr/>
-            <p:nvPr/>
-          </p:nvSpPr>
-          <p:spPr>
-            <a:xfrm>
-              <a:off x="3214867" y="1997771"/>
-              <a:ext cx="100448" cy="100448"/>
+            <p:cNvPr name="Point 153" id="153"/>
+            <p:cNvSpPr/>
+            <p:nvPr/>
+          </p:nvSpPr>
+          <p:spPr>
+            <a:xfrm>
+              <a:off y="2000580" x="3215502"/>
+              <a:ext cy="100448" cx="100448"/>
             </a:xfrm>
             <a:prstGeom prst="ellipse">
               <a:avLst/>
@@ -6965,14 +6965,14 @@
         </p:sp>
         <p:sp>
           <p:nvSpPr>
-            <p:cNvPr id="154" name="Point 154"/>
-            <p:cNvSpPr/>
-            <p:nvPr/>
-          </p:nvSpPr>
-          <p:spPr>
-            <a:xfrm>
-              <a:off x="4716125" y="1670591"/>
-              <a:ext cx="151079" cy="151079"/>
+            <p:cNvPr name="Point 154" id="154"/>
+            <p:cNvSpPr/>
+            <p:nvPr/>
+          </p:nvSpPr>
+          <p:spPr>
+            <a:xfrm>
+              <a:off y="1672519" x="4726510"/>
+              <a:ext cy="151078" cx="151078"/>
             </a:xfrm>
             <a:prstGeom prst="ellipse">
               <a:avLst/>
@@ -6991,14 +6991,14 @@
         </p:sp>
         <p:sp>
           <p:nvSpPr>
-            <p:cNvPr id="155" name="Point 155"/>
-            <p:cNvSpPr/>
-            <p:nvPr/>
-          </p:nvSpPr>
-          <p:spPr>
-            <a:xfrm>
-              <a:off x="3377530" y="1969613"/>
-              <a:ext cx="156764" cy="156764"/>
+            <p:cNvPr name="Point 155" id="155"/>
+            <p:cNvSpPr/>
+            <p:nvPr/>
+          </p:nvSpPr>
+          <p:spPr>
+            <a:xfrm>
+              <a:off y="1972422" x="3379384"/>
+              <a:ext cy="156764" cx="156764"/>
             </a:xfrm>
             <a:prstGeom prst="ellipse">
               <a:avLst/>
@@ -7017,14 +7017,14 @@
         </p:sp>
         <p:sp>
           <p:nvSpPr>
-            <p:cNvPr id="156" name="Point 156"/>
-            <p:cNvSpPr/>
-            <p:nvPr/>
-          </p:nvSpPr>
-          <p:spPr>
-            <a:xfrm>
-              <a:off x="3489863" y="2046908"/>
-              <a:ext cx="122921" cy="122921"/>
+            <p:cNvPr name="Point 156" id="156"/>
+            <p:cNvSpPr/>
+            <p:nvPr/>
+          </p:nvSpPr>
+          <p:spPr>
+            <a:xfrm>
+              <a:off y="2049893" x="3492326"/>
+              <a:ext cy="122921" cx="122921"/>
             </a:xfrm>
             <a:prstGeom prst="ellipse">
               <a:avLst/>
@@ -7043,14 +7043,14 @@
         </p:sp>
         <p:sp>
           <p:nvSpPr>
-            <p:cNvPr id="157" name="Point 157"/>
-            <p:cNvSpPr/>
-            <p:nvPr/>
-          </p:nvSpPr>
-          <p:spPr>
-            <a:xfrm>
-              <a:off x="3108220" y="2469519"/>
-              <a:ext cx="122921" cy="122921"/>
+            <p:cNvPr name="Point 157" id="157"/>
+            <p:cNvSpPr/>
+            <p:nvPr/>
+          </p:nvSpPr>
+          <p:spPr>
+            <a:xfrm>
+              <a:off y="2473737" x="3108245"/>
+              <a:ext cy="122921" cx="122921"/>
             </a:xfrm>
             <a:prstGeom prst="ellipse">
               <a:avLst/>
@@ -7069,14 +7069,14 @@
         </p:sp>
         <p:sp>
           <p:nvSpPr>
-            <p:cNvPr id="158" name="Point 158"/>
-            <p:cNvSpPr/>
-            <p:nvPr/>
-          </p:nvSpPr>
-          <p:spPr>
-            <a:xfrm>
-              <a:off x="3958389" y="2098752"/>
-              <a:ext cx="139978" cy="139978"/>
+            <p:cNvPr name="Point 158" id="158"/>
+            <p:cNvSpPr/>
+            <p:nvPr/>
+          </p:nvSpPr>
+          <p:spPr>
+            <a:xfrm>
+              <a:off y="2101914" x="3963899"/>
+              <a:ext cy="139978" cx="139978"/>
             </a:xfrm>
             <a:prstGeom prst="ellipse">
               <a:avLst/>
@@ -7095,14 +7095,14 @@
         </p:sp>
         <p:sp>
           <p:nvSpPr>
-            <p:cNvPr id="159" name="Point 159"/>
-            <p:cNvSpPr/>
-            <p:nvPr/>
-          </p:nvSpPr>
-          <p:spPr>
-            <a:xfrm>
-              <a:off x="3759174" y="1969613"/>
-              <a:ext cx="156764" cy="156764"/>
+            <p:cNvPr name="Point 159" id="159"/>
+            <p:cNvSpPr/>
+            <p:nvPr/>
+          </p:nvSpPr>
+          <p:spPr>
+            <a:xfrm>
+              <a:off y="1972422" x="3763465"/>
+              <a:ext cy="156764" cx="156764"/>
             </a:xfrm>
             <a:prstGeom prst="ellipse">
               <a:avLst/>
@@ -7121,14 +7121,14 @@
         </p:sp>
         <p:sp>
           <p:nvSpPr>
-            <p:cNvPr id="160" name="Point 160"/>
-            <p:cNvSpPr/>
-            <p:nvPr/>
-          </p:nvSpPr>
-          <p:spPr>
-            <a:xfrm>
-              <a:off x="3952839" y="2274321"/>
-              <a:ext cx="151079" cy="151079"/>
+            <p:cNvPr name="Point 160" id="160"/>
+            <p:cNvSpPr/>
+            <p:nvPr/>
+          </p:nvSpPr>
+          <p:spPr>
+            <a:xfrm>
+              <a:off y="2278011" x="3958348"/>
+              <a:ext cy="151078" cx="151078"/>
             </a:xfrm>
             <a:prstGeom prst="ellipse">
               <a:avLst/>
@@ -7147,14 +7147,14 @@
         </p:sp>
         <p:sp>
           <p:nvSpPr>
-            <p:cNvPr id="161" name="Point 161"/>
-            <p:cNvSpPr/>
-            <p:nvPr/>
-          </p:nvSpPr>
-          <p:spPr>
-            <a:xfrm>
-              <a:off x="2914555" y="2285557"/>
-              <a:ext cx="128606" cy="128606"/>
+            <p:cNvPr name="Point 161" id="161"/>
+            <p:cNvSpPr/>
+            <p:nvPr/>
+          </p:nvSpPr>
+          <p:spPr>
+            <a:xfrm>
+              <a:off y="2289247" x="2913362"/>
+              <a:ext cy="128606" cx="128606"/>
             </a:xfrm>
             <a:prstGeom prst="ellipse">
               <a:avLst/>
@@ -7173,14 +7173,14 @@
         </p:sp>
         <p:sp>
           <p:nvSpPr>
-            <p:cNvPr id="162" name="Point 162"/>
-            <p:cNvSpPr/>
-            <p:nvPr/>
-          </p:nvSpPr>
-          <p:spPr>
-            <a:xfrm>
-              <a:off x="3857428" y="1791337"/>
-              <a:ext cx="151079" cy="151079"/>
+            <p:cNvPr name="Point 162" id="162"/>
+            <p:cNvSpPr/>
+            <p:nvPr/>
+          </p:nvSpPr>
+          <p:spPr>
+            <a:xfrm>
+              <a:off y="1793618" x="3862328"/>
+              <a:ext cy="151078" cx="151078"/>
             </a:xfrm>
             <a:prstGeom prst="ellipse">
               <a:avLst/>
@@ -7199,14 +7199,14 @@
         </p:sp>
         <p:sp>
           <p:nvSpPr>
-            <p:cNvPr id="163" name="Point 163"/>
-            <p:cNvSpPr/>
-            <p:nvPr/>
-          </p:nvSpPr>
-          <p:spPr>
-            <a:xfrm>
-              <a:off x="3756331" y="1906397"/>
-              <a:ext cx="162450" cy="162450"/>
+            <p:cNvPr name="Point 163" id="163"/>
+            <p:cNvSpPr/>
+            <p:nvPr/>
+          </p:nvSpPr>
+          <p:spPr>
+            <a:xfrm>
+              <a:off y="1909030" x="3760622"/>
+              <a:ext cy="162450" cx="162450"/>
             </a:xfrm>
             <a:prstGeom prst="ellipse">
               <a:avLst/>
@@ -7225,14 +7225,14 @@
         </p:sp>
         <p:sp>
           <p:nvSpPr>
-            <p:cNvPr id="164" name="Point 164"/>
-            <p:cNvSpPr/>
-            <p:nvPr/>
-          </p:nvSpPr>
-          <p:spPr>
-            <a:xfrm>
-              <a:off x="3762017" y="2213948"/>
-              <a:ext cx="151079" cy="151079"/>
+            <p:cNvPr name="Point 164" id="164"/>
+            <p:cNvSpPr/>
+            <p:nvPr/>
+          </p:nvSpPr>
+          <p:spPr>
+            <a:xfrm>
+              <a:off y="2217462" x="3766308"/>
+              <a:ext cy="151078" cx="151078"/>
             </a:xfrm>
             <a:prstGeom prst="ellipse">
               <a:avLst/>
@@ -7251,14 +7251,14 @@
         </p:sp>
         <p:sp>
           <p:nvSpPr>
-            <p:cNvPr id="165" name="Point 165"/>
-            <p:cNvSpPr/>
-            <p:nvPr/>
-          </p:nvSpPr>
-          <p:spPr>
-            <a:xfrm>
-              <a:off x="3391609" y="2345930"/>
-              <a:ext cx="128606" cy="128606"/>
+            <p:cNvPr name="Point 165" id="165"/>
+            <p:cNvSpPr/>
+            <p:nvPr/>
+          </p:nvSpPr>
+          <p:spPr>
+            <a:xfrm>
+              <a:off y="2349796" x="3393463"/>
+              <a:ext cy="128606" cx="128606"/>
             </a:xfrm>
             <a:prstGeom prst="ellipse">
               <a:avLst/>
@@ -7277,14 +7277,14 @@
         </p:sp>
         <p:sp>
           <p:nvSpPr>
-            <p:cNvPr id="166" name="Point 166"/>
-            <p:cNvSpPr/>
-            <p:nvPr/>
-          </p:nvSpPr>
-          <p:spPr>
-            <a:xfrm>
-              <a:off x="3579588" y="2222341"/>
-              <a:ext cx="134292" cy="134292"/>
+            <p:cNvPr name="Point 166" id="166"/>
+            <p:cNvSpPr/>
+            <p:nvPr/>
+          </p:nvSpPr>
+          <p:spPr>
+            <a:xfrm>
+              <a:off y="2225855" x="3582661"/>
+              <a:ext cy="134292" cx="134292"/>
             </a:xfrm>
             <a:prstGeom prst="ellipse">
               <a:avLst/>
@@ -7303,14 +7303,14 @@
         </p:sp>
         <p:sp>
           <p:nvSpPr>
-            <p:cNvPr id="167" name="Point 167"/>
-            <p:cNvSpPr/>
-            <p:nvPr/>
-          </p:nvSpPr>
-          <p:spPr>
-            <a:xfrm>
-              <a:off x="3284962" y="2093202"/>
-              <a:ext cx="151079" cy="151079"/>
+            <p:cNvPr name="Point 167" id="167"/>
+            <p:cNvSpPr/>
+            <p:nvPr/>
+          </p:nvSpPr>
+          <p:spPr>
+            <a:xfrm>
+              <a:off y="2096363" x="3286207"/>
+              <a:ext cy="151078" cx="151078"/>
             </a:xfrm>
             <a:prstGeom prst="ellipse">
               <a:avLst/>
@@ -7329,14 +7329,14 @@
         </p:sp>
         <p:sp>
           <p:nvSpPr>
-            <p:cNvPr id="168" name="Point 168"/>
-            <p:cNvSpPr/>
-            <p:nvPr/>
-          </p:nvSpPr>
-          <p:spPr>
-            <a:xfrm>
-              <a:off x="3012809" y="2288400"/>
-              <a:ext cx="122921" cy="122921"/>
+            <p:cNvPr name="Point 168" id="168"/>
+            <p:cNvSpPr/>
+            <p:nvPr/>
+          </p:nvSpPr>
+          <p:spPr>
+            <a:xfrm>
+              <a:off y="2292090" x="3012225"/>
+              <a:ext cy="122921" cx="122921"/>
             </a:xfrm>
             <a:prstGeom prst="ellipse">
               <a:avLst/>
@@ -7355,14 +7355,14 @@
         </p:sp>
         <p:sp>
           <p:nvSpPr>
-            <p:cNvPr id="169" name="Text 169"/>
+            <p:cNvPr name="Text 169" id="169"/>
             <p:cNvSpPr/>
             <p:nvPr/>
           </p:nvSpPr>
           <p:spPr>
             <a:xfrm rot="0">
-              <a:off x="1158706" y="4150939"/>
-              <a:ext cx="127000" cy="121920"/>
+              <a:off y="4160088" x="1147276"/>
+              <a:ext cy="121920" cx="127000"/>
             </a:xfrm>
             <a:prstGeom prst="rect">
               <a:avLst/>
@@ -7370,12 +7370,12 @@
             <a:noFill/>
           </p:spPr>
           <p:txBody>
-            <a:bodyPr lIns="0" tIns="0" rIns="0" bIns="0" anchor="b">
+            <a:bodyPr anchor="b" bIns="0" rIns="0" tIns="0" lIns="0">
               <a:spAutoFit/>
             </a:bodyPr>
             <a:lstStyle/>
             <a:p>
-              <a:pPr marL="0" marR="0" indent="0" algn="r">
+              <a:pPr algn="r" indent="0" marR="0" marL="0">
                 <a:lnSpc>
                   <a:spcPts val="960"/>
                 </a:lnSpc>
@@ -7403,14 +7403,14 @@
         </p:sp>
         <p:sp>
           <p:nvSpPr>
-            <p:cNvPr id="170" name="Text 170"/>
+            <p:cNvPr name="Text 170" id="170"/>
             <p:cNvSpPr/>
             <p:nvPr/>
           </p:nvSpPr>
           <p:spPr>
             <a:xfrm rot="0">
-              <a:off x="1158706" y="2943478"/>
-              <a:ext cx="127000" cy="121920"/>
+              <a:off y="2949105" x="1147276"/>
+              <a:ext cy="121920" cx="127000"/>
             </a:xfrm>
             <a:prstGeom prst="rect">
               <a:avLst/>
@@ -7418,12 +7418,12 @@
             <a:noFill/>
           </p:spPr>
           <p:txBody>
-            <a:bodyPr lIns="0" tIns="0" rIns="0" bIns="0" anchor="b">
+            <a:bodyPr anchor="b" bIns="0" rIns="0" tIns="0" lIns="0">
               <a:spAutoFit/>
             </a:bodyPr>
             <a:lstStyle/>
             <a:p>
-              <a:pPr marL="0" marR="0" indent="0" algn="r">
+              <a:pPr algn="r" indent="0" marR="0" marL="0">
                 <a:lnSpc>
                   <a:spcPts val="960"/>
                 </a:lnSpc>
@@ -7451,14 +7451,14 @@
         </p:sp>
         <p:sp>
           <p:nvSpPr>
-            <p:cNvPr id="171" name="Text 171"/>
+            <p:cNvPr name="Text 171" id="171"/>
             <p:cNvSpPr/>
             <p:nvPr/>
           </p:nvSpPr>
           <p:spPr>
             <a:xfrm rot="0">
-              <a:off x="1158706" y="1736018"/>
-              <a:ext cx="127000" cy="121920"/>
+              <a:off y="1738123" x="1147276"/>
+              <a:ext cy="121920" cx="127000"/>
             </a:xfrm>
             <a:prstGeom prst="rect">
               <a:avLst/>
@@ -7466,12 +7466,12 @@
             <a:noFill/>
           </p:spPr>
           <p:txBody>
-            <a:bodyPr lIns="0" tIns="0" rIns="0" bIns="0" anchor="b">
+            <a:bodyPr anchor="b" bIns="0" rIns="0" tIns="0" lIns="0">
               <a:spAutoFit/>
             </a:bodyPr>
             <a:lstStyle/>
             <a:p>
-              <a:pPr marL="0" marR="0" indent="0" algn="r">
+              <a:pPr algn="r" indent="0" marR="0" marL="0">
                 <a:lnSpc>
                   <a:spcPts val="960"/>
                 </a:lnSpc>
@@ -7499,24 +7499,24 @@
         </p:sp>
         <p:sp>
           <p:nvSpPr>
-            <p:cNvPr id="172" name="Polyline form 172"/>
-            <p:cNvSpPr/>
-            <p:nvPr/>
-          </p:nvSpPr>
-          <p:spPr>
-            <a:xfrm>
-              <a:off x="1321806" y="4221424"/>
-              <a:ext cx="54150" cy="0"/>
+            <p:cNvPr name="Polyline form 172" id="172"/>
+            <p:cNvSpPr/>
+            <p:nvPr/>
+          </p:nvSpPr>
+          <p:spPr>
+            <a:xfrm>
+              <a:off y="4230573" x="1310376"/>
+              <a:ext cy="0" cx="54150"/>
             </a:xfrm>
             <a:custGeom>
               <a:avLst/>
               <a:pathLst>
-                <a:path w="54150" h="0">
+                <a:path h="0" w="54150">
                   <a:moveTo>
-                    <a:pt x="0" y="0"/>
+                    <a:pt y="0" x="0"/>
                   </a:moveTo>
                   <a:lnTo>
-                    <a:pt x="54150" y="0"/>
+                    <a:pt y="0" x="54150"/>
                   </a:lnTo>
                 </a:path>
               </a:pathLst>
@@ -7539,24 +7539,24 @@
         </p:sp>
         <p:sp>
           <p:nvSpPr>
-            <p:cNvPr id="173" name="Polyline form 173"/>
-            <p:cNvSpPr/>
-            <p:nvPr/>
-          </p:nvSpPr>
-          <p:spPr>
-            <a:xfrm>
-              <a:off x="1321806" y="3013963"/>
-              <a:ext cx="54150" cy="0"/>
+            <p:cNvPr name="Polyline form 173" id="173"/>
+            <p:cNvSpPr/>
+            <p:nvPr/>
+          </p:nvSpPr>
+          <p:spPr>
+            <a:xfrm>
+              <a:off y="3019590" x="1310376"/>
+              <a:ext cy="0" cx="54150"/>
             </a:xfrm>
             <a:custGeom>
               <a:avLst/>
               <a:pathLst>
-                <a:path w="54150" h="0">
+                <a:path h="0" w="54150">
                   <a:moveTo>
-                    <a:pt x="0" y="0"/>
+                    <a:pt y="0" x="0"/>
                   </a:moveTo>
                   <a:lnTo>
-                    <a:pt x="54150" y="0"/>
+                    <a:pt y="0" x="54150"/>
                   </a:lnTo>
                 </a:path>
               </a:pathLst>
@@ -7579,24 +7579,24 @@
         </p:sp>
         <p:sp>
           <p:nvSpPr>
-            <p:cNvPr id="174" name="Polyline form 174"/>
-            <p:cNvSpPr/>
-            <p:nvPr/>
-          </p:nvSpPr>
-          <p:spPr>
-            <a:xfrm>
-              <a:off x="1321806" y="1806503"/>
-              <a:ext cx="54150" cy="0"/>
+            <p:cNvPr name="Polyline form 174" id="174"/>
+            <p:cNvSpPr/>
+            <p:nvPr/>
+          </p:nvSpPr>
+          <p:spPr>
+            <a:xfrm>
+              <a:off y="1808608" x="1310376"/>
+              <a:ext cy="0" cx="54150"/>
             </a:xfrm>
             <a:custGeom>
               <a:avLst/>
               <a:pathLst>
-                <a:path w="54150" h="0">
+                <a:path h="0" w="54150">
                   <a:moveTo>
-                    <a:pt x="0" y="0"/>
+                    <a:pt y="0" x="0"/>
                   </a:moveTo>
                   <a:lnTo>
-                    <a:pt x="54150" y="0"/>
+                    <a:pt y="0" x="54150"/>
                   </a:lnTo>
                 </a:path>
               </a:pathLst>
@@ -7619,24 +7619,24 @@
         </p:sp>
         <p:sp>
           <p:nvSpPr>
-            <p:cNvPr id="175" name="Polyline form 175"/>
-            <p:cNvSpPr/>
-            <p:nvPr/>
-          </p:nvSpPr>
-          <p:spPr>
-            <a:xfrm>
-              <a:off x="2215571" y="5003254"/>
-              <a:ext cx="0" cy="54150"/>
+            <p:cNvPr name="Polyline form 175" id="175"/>
+            <p:cNvSpPr/>
+            <p:nvPr/>
+          </p:nvSpPr>
+          <p:spPr>
+            <a:xfrm>
+              <a:off y="5014684" x="2209504"/>
+              <a:ext cy="54150" cx="0"/>
             </a:xfrm>
             <a:custGeom>
               <a:avLst/>
               <a:pathLst>
-                <a:path w="0" h="54150">
+                <a:path h="54150" w="0">
                   <a:moveTo>
-                    <a:pt x="0" y="54150"/>
+                    <a:pt y="54150" x="0"/>
                   </a:moveTo>
                   <a:lnTo>
-                    <a:pt x="0" y="0"/>
+                    <a:pt y="0" x="0"/>
                   </a:lnTo>
                 </a:path>
               </a:pathLst>
@@ -7659,24 +7659,24 @@
         </p:sp>
         <p:sp>
           <p:nvSpPr>
-            <p:cNvPr id="176" name="Polyline form 176"/>
-            <p:cNvSpPr/>
-            <p:nvPr/>
-          </p:nvSpPr>
-          <p:spPr>
-            <a:xfrm>
-              <a:off x="3169680" y="5003254"/>
-              <a:ext cx="0" cy="54150"/>
+            <p:cNvPr name="Polyline form 176" id="176"/>
+            <p:cNvSpPr/>
+            <p:nvPr/>
+          </p:nvSpPr>
+          <p:spPr>
+            <a:xfrm>
+              <a:off y="5014684" x="3169706"/>
+              <a:ext cy="54150" cx="0"/>
             </a:xfrm>
             <a:custGeom>
               <a:avLst/>
               <a:pathLst>
-                <a:path w="0" h="54150">
+                <a:path h="54150" w="0">
                   <a:moveTo>
-                    <a:pt x="0" y="54150"/>
+                    <a:pt y="54150" x="0"/>
                   </a:moveTo>
                   <a:lnTo>
-                    <a:pt x="0" y="0"/>
+                    <a:pt y="0" x="0"/>
                   </a:lnTo>
                 </a:path>
               </a:pathLst>
@@ -7699,24 +7699,24 @@
         </p:sp>
         <p:sp>
           <p:nvSpPr>
-            <p:cNvPr id="177" name="Polyline form 177"/>
-            <p:cNvSpPr/>
-            <p:nvPr/>
-          </p:nvSpPr>
-          <p:spPr>
-            <a:xfrm>
-              <a:off x="4123789" y="5003254"/>
-              <a:ext cx="0" cy="54150"/>
+            <p:cNvPr name="Polyline form 177" id="177"/>
+            <p:cNvSpPr/>
+            <p:nvPr/>
+          </p:nvSpPr>
+          <p:spPr>
+            <a:xfrm>
+              <a:off y="5014684" x="4129908"/>
+              <a:ext cy="54150" cx="0"/>
             </a:xfrm>
             <a:custGeom>
               <a:avLst/>
               <a:pathLst>
-                <a:path w="0" h="54150">
+                <a:path h="54150" w="0">
                   <a:moveTo>
-                    <a:pt x="0" y="54150"/>
+                    <a:pt y="54150" x="0"/>
                   </a:moveTo>
                   <a:lnTo>
-                    <a:pt x="0" y="0"/>
+                    <a:pt y="0" x="0"/>
                   </a:lnTo>
                 </a:path>
               </a:pathLst>
@@ -7739,24 +7739,24 @@
         </p:sp>
         <p:sp>
           <p:nvSpPr>
-            <p:cNvPr id="178" name="Polyline form 178"/>
-            <p:cNvSpPr/>
-            <p:nvPr/>
-          </p:nvSpPr>
-          <p:spPr>
-            <a:xfrm>
-              <a:off x="5077897" y="5003254"/>
-              <a:ext cx="0" cy="54150"/>
+            <p:cNvPr name="Polyline form 178" id="178"/>
+            <p:cNvSpPr/>
+            <p:nvPr/>
+          </p:nvSpPr>
+          <p:spPr>
+            <a:xfrm>
+              <a:off y="5014684" x="5090110"/>
+              <a:ext cy="54150" cx="0"/>
             </a:xfrm>
             <a:custGeom>
               <a:avLst/>
               <a:pathLst>
-                <a:path w="0" h="54150">
+                <a:path h="54150" w="0">
                   <a:moveTo>
-                    <a:pt x="0" y="54150"/>
+                    <a:pt y="54150" x="0"/>
                   </a:moveTo>
                   <a:lnTo>
-                    <a:pt x="0" y="0"/>
+                    <a:pt y="0" x="0"/>
                   </a:lnTo>
                 </a:path>
               </a:pathLst>
@@ -7779,14 +7779,14 @@
         </p:sp>
         <p:sp>
           <p:nvSpPr>
-            <p:cNvPr id="179" name="Text 179"/>
+            <p:cNvPr name="Text 179" id="179"/>
             <p:cNvSpPr/>
             <p:nvPr/>
           </p:nvSpPr>
           <p:spPr>
             <a:xfrm rot="0">
-              <a:off x="2152071" y="5074454"/>
-              <a:ext cx="127000" cy="121920"/>
+              <a:off y="5085884" x="2146004"/>
+              <a:ext cy="121920" cx="127000"/>
             </a:xfrm>
             <a:prstGeom prst="rect">
               <a:avLst/>
@@ -7794,12 +7794,12 @@
             <a:noFill/>
           </p:spPr>
           <p:txBody>
-            <a:bodyPr lIns="0" tIns="0" rIns="0" bIns="0" anchor="b">
+            <a:bodyPr anchor="b" bIns="0" rIns="0" tIns="0" lIns="0">
               <a:spAutoFit/>
             </a:bodyPr>
             <a:lstStyle/>
             <a:p>
-              <a:pPr marL="0" marR="0" indent="0" algn="ctr">
+              <a:pPr algn="ctr" indent="0" marR="0" marL="0">
                 <a:lnSpc>
                   <a:spcPts val="960"/>
                 </a:lnSpc>
@@ -7827,14 +7827,14 @@
         </p:sp>
         <p:sp>
           <p:nvSpPr>
-            <p:cNvPr id="180" name="Text 180"/>
+            <p:cNvPr name="Text 180" id="180"/>
             <p:cNvSpPr/>
             <p:nvPr/>
           </p:nvSpPr>
           <p:spPr>
             <a:xfrm rot="0">
-              <a:off x="3106180" y="5074454"/>
-              <a:ext cx="127000" cy="121920"/>
+              <a:off y="5085884" x="3106206"/>
+              <a:ext cy="121920" cx="127000"/>
             </a:xfrm>
             <a:prstGeom prst="rect">
               <a:avLst/>
@@ -7842,12 +7842,12 @@
             <a:noFill/>
           </p:spPr>
           <p:txBody>
-            <a:bodyPr lIns="0" tIns="0" rIns="0" bIns="0" anchor="b">
+            <a:bodyPr anchor="b" bIns="0" rIns="0" tIns="0" lIns="0">
               <a:spAutoFit/>
             </a:bodyPr>
             <a:lstStyle/>
             <a:p>
-              <a:pPr marL="0" marR="0" indent="0" algn="ctr">
+              <a:pPr algn="ctr" indent="0" marR="0" marL="0">
                 <a:lnSpc>
                   <a:spcPts val="960"/>
                 </a:lnSpc>
@@ -7875,14 +7875,14 @@
         </p:sp>
         <p:sp>
           <p:nvSpPr>
-            <p:cNvPr id="181" name="Text 181"/>
+            <p:cNvPr name="Text 181" id="181"/>
             <p:cNvSpPr/>
             <p:nvPr/>
           </p:nvSpPr>
           <p:spPr>
             <a:xfrm rot="0">
-              <a:off x="4060289" y="5074454"/>
-              <a:ext cx="127000" cy="121920"/>
+              <a:off y="5085884" x="4066408"/>
+              <a:ext cy="121920" cx="127000"/>
             </a:xfrm>
             <a:prstGeom prst="rect">
               <a:avLst/>
@@ -7890,12 +7890,12 @@
             <a:noFill/>
           </p:spPr>
           <p:txBody>
-            <a:bodyPr lIns="0" tIns="0" rIns="0" bIns="0" anchor="b">
+            <a:bodyPr anchor="b" bIns="0" rIns="0" tIns="0" lIns="0">
               <a:spAutoFit/>
             </a:bodyPr>
             <a:lstStyle/>
             <a:p>
-              <a:pPr marL="0" marR="0" indent="0" algn="ctr">
+              <a:pPr algn="ctr" indent="0" marR="0" marL="0">
                 <a:lnSpc>
                   <a:spcPts val="960"/>
                 </a:lnSpc>
@@ -7923,14 +7923,14 @@
         </p:sp>
         <p:sp>
           <p:nvSpPr>
-            <p:cNvPr id="182" name="Text 182"/>
+            <p:cNvPr name="Text 182" id="182"/>
             <p:cNvSpPr/>
             <p:nvPr/>
           </p:nvSpPr>
           <p:spPr>
             <a:xfrm rot="0">
-              <a:off x="5014397" y="5074454"/>
-              <a:ext cx="127000" cy="121920"/>
+              <a:off y="5085884" x="5026610"/>
+              <a:ext cy="121920" cx="127000"/>
             </a:xfrm>
             <a:prstGeom prst="rect">
               <a:avLst/>
@@ -7938,12 +7938,12 @@
             <a:noFill/>
           </p:spPr>
           <p:txBody>
-            <a:bodyPr lIns="0" tIns="0" rIns="0" bIns="0" anchor="b">
+            <a:bodyPr anchor="b" bIns="0" rIns="0" tIns="0" lIns="0">
               <a:spAutoFit/>
             </a:bodyPr>
             <a:lstStyle/>
             <a:p>
-              <a:pPr marL="0" marR="0" indent="0" algn="ctr">
+              <a:pPr algn="ctr" indent="0" marR="0" marL="0">
                 <a:lnSpc>
                   <a:spcPts val="960"/>
                 </a:lnSpc>
@@ -7971,14 +7971,14 @@
         </p:sp>
         <p:sp>
           <p:nvSpPr>
-            <p:cNvPr id="183" name="Text 183"/>
+            <p:cNvPr name="Text 183" id="183"/>
             <p:cNvSpPr/>
             <p:nvPr/>
           </p:nvSpPr>
           <p:spPr>
             <a:xfrm rot="0">
-              <a:off x="2685653" y="5223161"/>
-              <a:ext cx="1158875" cy="152400"/>
+              <a:off y="5223161" x="2686288"/>
+              <a:ext cy="152400" cx="1158875"/>
             </a:xfrm>
             <a:prstGeom prst="rect">
               <a:avLst/>
@@ -7986,12 +7986,12 @@
             <a:noFill/>
           </p:spPr>
           <p:txBody>
-            <a:bodyPr lIns="0" tIns="0" rIns="0" bIns="0" anchor="b">
+            <a:bodyPr anchor="b" bIns="0" rIns="0" tIns="0" lIns="0">
               <a:spAutoFit/>
             </a:bodyPr>
             <a:lstStyle/>
             <a:p>
-              <a:pPr marL="0" marR="0" indent="0" algn="ctr">
+              <a:pPr algn="ctr" indent="0" marR="0" marL="0">
                 <a:lnSpc>
                   <a:spcPts val="1200"/>
                 </a:lnSpc>
@@ -8019,14 +8019,14 @@
         </p:sp>
         <p:sp>
           <p:nvSpPr>
-            <p:cNvPr id="184" name="Text 184"/>
+            <p:cNvPr name="Text 184" id="184"/>
             <p:cNvSpPr/>
             <p:nvPr/>
           </p:nvSpPr>
           <p:spPr>
             <a:xfrm rot="-5400000">
-              <a:off x="556292" y="2967950"/>
-              <a:ext cx="1095375" cy="152400"/>
+              <a:off y="2973665" x="544862"/>
+              <a:ext cy="152400" cx="1095375"/>
             </a:xfrm>
             <a:prstGeom prst="rect">
               <a:avLst/>
@@ -8034,12 +8034,12 @@
             <a:noFill/>
           </p:spPr>
           <p:txBody>
-            <a:bodyPr lIns="0" tIns="0" rIns="0" bIns="0" anchor="b">
+            <a:bodyPr anchor="b" bIns="0" rIns="0" tIns="0" lIns="0">
               <a:spAutoFit/>
             </a:bodyPr>
             <a:lstStyle/>
             <a:p>
-              <a:pPr marL="0" marR="0" indent="0" algn="ctr">
+              <a:pPr algn="ctr" indent="0" marR="0" marL="0">
                 <a:lnSpc>
                   <a:spcPts val="1200"/>
                 </a:lnSpc>
@@ -8067,14 +8067,14 @@
         </p:sp>
         <p:sp>
           <p:nvSpPr>
-            <p:cNvPr id="185" name="Rectangle 185"/>
-            <p:cNvSpPr/>
-            <p:nvPr/>
-          </p:nvSpPr>
-          <p:spPr>
-            <a:xfrm>
-              <a:off x="5274379" y="1926178"/>
-              <a:ext cx="855943" cy="866782"/>
+            <p:cNvPr name="Rectangle 185" id="185"/>
+            <p:cNvSpPr/>
+            <p:nvPr/>
+          </p:nvSpPr>
+          <p:spPr>
+            <a:xfrm>
+              <a:off y="1931893" x="5287079"/>
+              <a:ext cy="866782" cx="843243"/>
             </a:xfrm>
             <a:prstGeom prst="rect">
               <a:avLst/>
@@ -8093,14 +8093,14 @@
         </p:sp>
         <p:sp>
           <p:nvSpPr>
-            <p:cNvPr id="186" name="Text 186"/>
+            <p:cNvPr name="Text 186" id="186"/>
             <p:cNvSpPr/>
             <p:nvPr/>
           </p:nvSpPr>
           <p:spPr>
             <a:xfrm rot="0">
-              <a:off x="5328529" y="1961278"/>
-              <a:ext cx="635000" cy="121920"/>
+              <a:off y="1966993" x="5341229"/>
+              <a:ext cy="121920" cx="616857"/>
             </a:xfrm>
             <a:prstGeom prst="rect">
               <a:avLst/>
@@ -8108,12 +8108,12 @@
             <a:noFill/>
           </p:spPr>
           <p:txBody>
-            <a:bodyPr lIns="0" tIns="0" rIns="0" bIns="0" anchor="b">
+            <a:bodyPr anchor="b" bIns="0" rIns="0" tIns="0" lIns="0">
               <a:spAutoFit/>
             </a:bodyPr>
             <a:lstStyle/>
             <a:p>
-              <a:pPr marL="0" marR="0" indent="0" algn="l">
+              <a:pPr algn="l" indent="0" marR="0" marL="0">
                 <a:lnSpc>
                   <a:spcPts val="960"/>
                 </a:lnSpc>
@@ -8125,7 +8125,7 @@
                 </a:spcAft>
               </a:pPr>
               <a:r>
-                <a:rPr sz="960" b="true">
+                <a:rPr b="true" sz="960">
                   <a:solidFill>
                     <a:srgbClr val="000000">
                       <a:alpha val="100000"/>
@@ -8141,14 +8141,14 @@
         </p:sp>
         <p:sp>
           <p:nvSpPr>
-            <p:cNvPr id="187" name="Rectangle 187"/>
-            <p:cNvSpPr/>
-            <p:nvPr/>
-          </p:nvSpPr>
-          <p:spPr>
-            <a:xfrm>
-              <a:off x="5328529" y="2133630"/>
-              <a:ext cx="201727" cy="201727"/>
+            <p:cNvPr name="Rectangle 187" id="187"/>
+            <p:cNvSpPr/>
+            <p:nvPr/>
+          </p:nvSpPr>
+          <p:spPr>
+            <a:xfrm>
+              <a:off y="2139345" x="5341229"/>
+              <a:ext cy="201727" cx="201727"/>
             </a:xfrm>
             <a:prstGeom prst="rect">
               <a:avLst/>
@@ -8176,14 +8176,14 @@
         </p:sp>
         <p:sp>
           <p:nvSpPr>
-            <p:cNvPr id="188" name="Point 188"/>
-            <p:cNvSpPr/>
-            <p:nvPr/>
-          </p:nvSpPr>
-          <p:spPr>
-            <a:xfrm>
-              <a:off x="5402317" y="2207418"/>
-              <a:ext cx="54150" cy="54150"/>
+            <p:cNvPr name="Point 188" id="188"/>
+            <p:cNvSpPr/>
+            <p:nvPr/>
+          </p:nvSpPr>
+          <p:spPr>
+            <a:xfrm>
+              <a:off y="2213133" x="5415017"/>
+              <a:ext cy="54150" cx="54150"/>
             </a:xfrm>
             <a:prstGeom prst="ellipse">
               <a:avLst/>
@@ -8202,14 +8202,14 @@
         </p:sp>
         <p:sp>
           <p:nvSpPr>
-            <p:cNvPr id="189" name="Rectangle 189"/>
-            <p:cNvSpPr/>
-            <p:nvPr/>
-          </p:nvSpPr>
-          <p:spPr>
-            <a:xfrm>
-              <a:off x="5328529" y="2335357"/>
-              <a:ext cx="201727" cy="201727"/>
+            <p:cNvPr name="Rectangle 189" id="189"/>
+            <p:cNvSpPr/>
+            <p:nvPr/>
+          </p:nvSpPr>
+          <p:spPr>
+            <a:xfrm>
+              <a:off y="2341072" x="5341229"/>
+              <a:ext cy="201727" cx="201727"/>
             </a:xfrm>
             <a:prstGeom prst="rect">
               <a:avLst/>
@@ -8237,14 +8237,14 @@
         </p:sp>
         <p:sp>
           <p:nvSpPr>
-            <p:cNvPr id="190" name="Point 190"/>
-            <p:cNvSpPr/>
-            <p:nvPr/>
-          </p:nvSpPr>
-          <p:spPr>
-            <a:xfrm>
-              <a:off x="5402317" y="2409145"/>
-              <a:ext cx="54150" cy="54150"/>
+            <p:cNvPr name="Point 190" id="190"/>
+            <p:cNvSpPr/>
+            <p:nvPr/>
+          </p:nvSpPr>
+          <p:spPr>
+            <a:xfrm>
+              <a:off y="2414860" x="5415017"/>
+              <a:ext cy="54150" cx="54150"/>
             </a:xfrm>
             <a:prstGeom prst="ellipse">
               <a:avLst/>
@@ -8263,14 +8263,14 @@
         </p:sp>
         <p:sp>
           <p:nvSpPr>
-            <p:cNvPr id="191" name="Rectangle 191"/>
-            <p:cNvSpPr/>
-            <p:nvPr/>
-          </p:nvSpPr>
-          <p:spPr>
-            <a:xfrm>
-              <a:off x="5328529" y="2537083"/>
-              <a:ext cx="201727" cy="201727"/>
+            <p:cNvPr name="Rectangle 191" id="191"/>
+            <p:cNvSpPr/>
+            <p:nvPr/>
+          </p:nvSpPr>
+          <p:spPr>
+            <a:xfrm>
+              <a:off y="2542798" x="5341229"/>
+              <a:ext cy="201727" cx="201727"/>
             </a:xfrm>
             <a:prstGeom prst="rect">
               <a:avLst/>
@@ -8298,14 +8298,14 @@
         </p:sp>
         <p:sp>
           <p:nvSpPr>
-            <p:cNvPr id="192" name="Point 192"/>
-            <p:cNvSpPr/>
-            <p:nvPr/>
-          </p:nvSpPr>
-          <p:spPr>
-            <a:xfrm>
-              <a:off x="5402317" y="2610872"/>
-              <a:ext cx="54150" cy="54150"/>
+            <p:cNvPr name="Point 192" id="192"/>
+            <p:cNvSpPr/>
+            <p:nvPr/>
+          </p:nvSpPr>
+          <p:spPr>
+            <a:xfrm>
+              <a:off y="2616587" x="5415017"/>
+              <a:ext cy="54150" cx="54150"/>
             </a:xfrm>
             <a:prstGeom prst="ellipse">
               <a:avLst/>
@@ -8324,14 +8324,14 @@
         </p:sp>
         <p:sp>
           <p:nvSpPr>
-            <p:cNvPr id="193" name="Text 193"/>
+            <p:cNvPr name="Text 193" id="193"/>
             <p:cNvSpPr/>
             <p:nvPr/>
           </p:nvSpPr>
           <p:spPr>
             <a:xfrm rot="0">
-              <a:off x="5555472" y="2164008"/>
-              <a:ext cx="533400" cy="121920"/>
+              <a:off y="2169723" x="5568172"/>
+              <a:ext cy="121920" cx="533400"/>
             </a:xfrm>
             <a:prstGeom prst="rect">
               <a:avLst/>
@@ -8339,12 +8339,12 @@
             <a:noFill/>
           </p:spPr>
           <p:txBody>
-            <a:bodyPr lIns="0" tIns="0" rIns="0" bIns="0" anchor="b">
+            <a:bodyPr anchor="b" bIns="0" rIns="0" tIns="0" lIns="0">
               <a:spAutoFit/>
             </a:bodyPr>
             <a:lstStyle/>
             <a:p>
-              <a:pPr marL="0" marR="0" indent="0" algn="l">
+              <a:pPr algn="l" indent="0" marR="0" marL="0">
                 <a:lnSpc>
                   <a:spcPts val="960"/>
                 </a:lnSpc>
@@ -8372,14 +8372,14 @@
         </p:sp>
         <p:sp>
           <p:nvSpPr>
-            <p:cNvPr id="194" name="Text 194"/>
+            <p:cNvPr name="Text 194" id="194"/>
             <p:cNvSpPr/>
             <p:nvPr/>
           </p:nvSpPr>
           <p:spPr>
             <a:xfrm rot="0">
-              <a:off x="5555472" y="2365735"/>
-              <a:ext cx="676910" cy="121920"/>
+              <a:off y="2371450" x="5568172"/>
+              <a:ext cy="121920" cx="660400"/>
             </a:xfrm>
             <a:prstGeom prst="rect">
               <a:avLst/>
@@ -8387,12 +8387,12 @@
             <a:noFill/>
           </p:spPr>
           <p:txBody>
-            <a:bodyPr lIns="0" tIns="0" rIns="0" bIns="0" anchor="b">
+            <a:bodyPr anchor="b" bIns="0" rIns="0" tIns="0" lIns="0">
               <a:spAutoFit/>
             </a:bodyPr>
             <a:lstStyle/>
             <a:p>
-              <a:pPr marL="0" marR="0" indent="0" algn="l">
+              <a:pPr algn="l" indent="0" marR="0" marL="0">
                 <a:lnSpc>
                   <a:spcPts val="960"/>
                 </a:lnSpc>
@@ -8420,14 +8420,14 @@
         </p:sp>
         <p:sp>
           <p:nvSpPr>
-            <p:cNvPr id="195" name="Text 195"/>
+            <p:cNvPr name="Text 195" id="195"/>
             <p:cNvSpPr/>
             <p:nvPr/>
           </p:nvSpPr>
           <p:spPr>
             <a:xfrm rot="0">
-              <a:off x="5555472" y="2567462"/>
-              <a:ext cx="592667" cy="121920"/>
+              <a:off y="2573177" x="5568172"/>
+              <a:ext cy="121920" cx="575733"/>
             </a:xfrm>
             <a:prstGeom prst="rect">
               <a:avLst/>
@@ -8435,12 +8435,12 @@
             <a:noFill/>
           </p:spPr>
           <p:txBody>
-            <a:bodyPr lIns="0" tIns="0" rIns="0" bIns="0" anchor="b">
+            <a:bodyPr anchor="b" bIns="0" rIns="0" tIns="0" lIns="0">
               <a:spAutoFit/>
             </a:bodyPr>
             <a:lstStyle/>
             <a:p>
-              <a:pPr marL="0" marR="0" indent="0" algn="l">
+              <a:pPr algn="l" indent="0" marR="0" marL="0">
                 <a:lnSpc>
                   <a:spcPts val="960"/>
                 </a:lnSpc>
@@ -8468,14 +8468,14 @@
         </p:sp>
         <p:sp>
           <p:nvSpPr>
-            <p:cNvPr id="196" name="Rectangle 196"/>
-            <p:cNvSpPr/>
-            <p:nvPr/>
-          </p:nvSpPr>
-          <p:spPr>
-            <a:xfrm>
-              <a:off x="5274379" y="2877013"/>
-              <a:ext cx="768700" cy="1285109"/>
+            <p:cNvPr name="Rectangle 196" id="196"/>
+            <p:cNvSpPr/>
+            <p:nvPr/>
+          </p:nvSpPr>
+          <p:spPr>
+            <a:xfrm>
+              <a:off y="2882728" x="5287079"/>
+              <a:ext cy="1285109" cx="730600"/>
             </a:xfrm>
             <a:prstGeom prst="rect">
               <a:avLst/>
@@ -8494,14 +8494,14 @@
         </p:sp>
         <p:sp>
           <p:nvSpPr>
-            <p:cNvPr id="197" name="Text 197"/>
+            <p:cNvPr name="Text 197" id="197"/>
             <p:cNvSpPr/>
             <p:nvPr/>
           </p:nvSpPr>
           <p:spPr>
             <a:xfrm rot="0">
-              <a:off x="5328529" y="2912113"/>
-              <a:ext cx="840509" cy="121920"/>
+              <a:off y="2917828" x="5341229"/>
+              <a:ext cy="121920" cx="792018"/>
             </a:xfrm>
             <a:prstGeom prst="rect">
               <a:avLst/>
@@ -8509,12 +8509,12 @@
             <a:noFill/>
           </p:spPr>
           <p:txBody>
-            <a:bodyPr lIns="0" tIns="0" rIns="0" bIns="0" anchor="b">
+            <a:bodyPr anchor="b" bIns="0" rIns="0" tIns="0" lIns="0">
               <a:spAutoFit/>
             </a:bodyPr>
             <a:lstStyle/>
             <a:p>
-              <a:pPr marL="0" marR="0" indent="0" algn="l">
+              <a:pPr algn="l" indent="0" marR="0" marL="0">
                 <a:lnSpc>
                   <a:spcPts val="960"/>
                 </a:lnSpc>
@@ -8526,7 +8526,7 @@
                 </a:spcAft>
               </a:pPr>
               <a:r>
-                <a:rPr sz="960" b="true">
+                <a:rPr b="true" sz="960">
                   <a:solidFill>
                     <a:srgbClr val="000000">
                       <a:alpha val="100000"/>
@@ -8542,14 +8542,14 @@
         </p:sp>
         <p:sp>
           <p:nvSpPr>
-            <p:cNvPr id="198" name="Rectangle 198"/>
-            <p:cNvSpPr/>
-            <p:nvPr/>
-          </p:nvSpPr>
-          <p:spPr>
-            <a:xfrm>
-              <a:off x="5328529" y="3084465"/>
-              <a:ext cx="216600" cy="201727"/>
+            <p:cNvPr name="Rectangle 198" id="198"/>
+            <p:cNvSpPr/>
+            <p:nvPr/>
+          </p:nvSpPr>
+          <p:spPr>
+            <a:xfrm>
+              <a:off y="3090180" x="5341229"/>
+              <a:ext cy="201727" cx="216600"/>
             </a:xfrm>
             <a:prstGeom prst="rect">
               <a:avLst/>
@@ -8577,14 +8577,14 @@
         </p:sp>
         <p:sp>
           <p:nvSpPr>
-            <p:cNvPr id="199" name="Point 199"/>
-            <p:cNvSpPr/>
-            <p:nvPr/>
-          </p:nvSpPr>
-          <p:spPr>
-            <a:xfrm>
-              <a:off x="5412055" y="3160554"/>
-              <a:ext cx="49547" cy="49547"/>
+            <p:cNvPr name="Point 199" id="199"/>
+            <p:cNvSpPr/>
+            <p:nvPr/>
+          </p:nvSpPr>
+          <p:spPr>
+            <a:xfrm>
+              <a:off y="3166269" x="5424755"/>
+              <a:ext cy="49547" cx="49547"/>
             </a:xfrm>
             <a:prstGeom prst="ellipse">
               <a:avLst/>
@@ -8603,14 +8603,14 @@
         </p:sp>
         <p:sp>
           <p:nvSpPr>
-            <p:cNvPr id="200" name="Rectangle 200"/>
-            <p:cNvSpPr/>
-            <p:nvPr/>
-          </p:nvSpPr>
-          <p:spPr>
-            <a:xfrm>
-              <a:off x="5328529" y="3286192"/>
-              <a:ext cx="216600" cy="201727"/>
+            <p:cNvPr name="Rectangle 200" id="200"/>
+            <p:cNvSpPr/>
+            <p:nvPr/>
+          </p:nvSpPr>
+          <p:spPr>
+            <a:xfrm>
+              <a:off y="3291907" x="5341229"/>
+              <a:ext cy="201727" cx="216600"/>
             </a:xfrm>
             <a:prstGeom prst="rect">
               <a:avLst/>
@@ -8638,14 +8638,14 @@
         </p:sp>
         <p:sp>
           <p:nvSpPr>
-            <p:cNvPr id="201" name="Point 201"/>
-            <p:cNvSpPr/>
-            <p:nvPr/>
-          </p:nvSpPr>
-          <p:spPr>
-            <a:xfrm>
-              <a:off x="5397841" y="3348067"/>
-              <a:ext cx="77976" cy="77976"/>
+            <p:cNvPr name="Point 201" id="201"/>
+            <p:cNvSpPr/>
+            <p:nvPr/>
+          </p:nvSpPr>
+          <p:spPr>
+            <a:xfrm>
+              <a:off y="3353782" x="5410541"/>
+              <a:ext cy="77976" cx="77976"/>
             </a:xfrm>
             <a:prstGeom prst="ellipse">
               <a:avLst/>
@@ -8664,14 +8664,14 @@
         </p:sp>
         <p:sp>
           <p:nvSpPr>
-            <p:cNvPr id="202" name="Rectangle 202"/>
-            <p:cNvSpPr/>
-            <p:nvPr/>
-          </p:nvSpPr>
-          <p:spPr>
-            <a:xfrm>
-              <a:off x="5328529" y="3487918"/>
-              <a:ext cx="216600" cy="201727"/>
+            <p:cNvPr name="Rectangle 202" id="202"/>
+            <p:cNvSpPr/>
+            <p:nvPr/>
+          </p:nvSpPr>
+          <p:spPr>
+            <a:xfrm>
+              <a:off y="3493633" x="5341229"/>
+              <a:ext cy="201727" cx="216600"/>
             </a:xfrm>
             <a:prstGeom prst="rect">
               <a:avLst/>
@@ -8699,14 +8699,14 @@
         </p:sp>
         <p:sp>
           <p:nvSpPr>
-            <p:cNvPr id="203" name="Point 203"/>
-            <p:cNvSpPr/>
-            <p:nvPr/>
-          </p:nvSpPr>
-          <p:spPr>
-            <a:xfrm>
-              <a:off x="5383762" y="3535715"/>
-              <a:ext cx="106134" cy="106134"/>
+            <p:cNvPr name="Point 203" id="203"/>
+            <p:cNvSpPr/>
+            <p:nvPr/>
+          </p:nvSpPr>
+          <p:spPr>
+            <a:xfrm>
+              <a:off y="3541430" x="5396462"/>
+              <a:ext cy="106134" cx="106134"/>
             </a:xfrm>
             <a:prstGeom prst="ellipse">
               <a:avLst/>
@@ -8725,14 +8725,14 @@
         </p:sp>
         <p:sp>
           <p:nvSpPr>
-            <p:cNvPr id="204" name="Rectangle 204"/>
-            <p:cNvSpPr/>
-            <p:nvPr/>
-          </p:nvSpPr>
-          <p:spPr>
-            <a:xfrm>
-              <a:off x="5328529" y="3689645"/>
-              <a:ext cx="216600" cy="201727"/>
+            <p:cNvPr name="Rectangle 204" id="204"/>
+            <p:cNvSpPr/>
+            <p:nvPr/>
+          </p:nvSpPr>
+          <p:spPr>
+            <a:xfrm>
+              <a:off y="3695360" x="5341229"/>
+              <a:ext cy="201727" cx="216600"/>
             </a:xfrm>
             <a:prstGeom prst="rect">
               <a:avLst/>
@@ -8760,14 +8760,14 @@
         </p:sp>
         <p:sp>
           <p:nvSpPr>
-            <p:cNvPr id="205" name="Point 205"/>
-            <p:cNvSpPr/>
-            <p:nvPr/>
-          </p:nvSpPr>
-          <p:spPr>
-            <a:xfrm>
-              <a:off x="5369683" y="3723363"/>
-              <a:ext cx="134292" cy="134292"/>
+            <p:cNvPr name="Point 205" id="205"/>
+            <p:cNvSpPr/>
+            <p:nvPr/>
+          </p:nvSpPr>
+          <p:spPr>
+            <a:xfrm>
+              <a:off y="3729078" x="5382383"/>
+              <a:ext cy="134292" cx="134292"/>
             </a:xfrm>
             <a:prstGeom prst="ellipse">
               <a:avLst/>
@@ -8786,14 +8786,14 @@
         </p:sp>
         <p:sp>
           <p:nvSpPr>
-            <p:cNvPr id="206" name="Rectangle 206"/>
-            <p:cNvSpPr/>
-            <p:nvPr/>
-          </p:nvSpPr>
-          <p:spPr>
-            <a:xfrm>
-              <a:off x="5328529" y="3891372"/>
-              <a:ext cx="216600" cy="216600"/>
+            <p:cNvPr name="Rectangle 206" id="206"/>
+            <p:cNvSpPr/>
+            <p:nvPr/>
+          </p:nvSpPr>
+          <p:spPr>
+            <a:xfrm>
+              <a:off y="3897087" x="5341229"/>
+              <a:ext cy="216600" cx="216600"/>
             </a:xfrm>
             <a:prstGeom prst="rect">
               <a:avLst/>
@@ -8821,14 +8821,14 @@
         </p:sp>
         <p:sp>
           <p:nvSpPr>
-            <p:cNvPr id="207" name="Point 207"/>
-            <p:cNvSpPr/>
-            <p:nvPr/>
-          </p:nvSpPr>
-          <p:spPr>
-            <a:xfrm>
-              <a:off x="5355604" y="3918447"/>
-              <a:ext cx="162450" cy="162450"/>
+            <p:cNvPr name="Point 207" id="207"/>
+            <p:cNvSpPr/>
+            <p:nvPr/>
+          </p:nvSpPr>
+          <p:spPr>
+            <a:xfrm>
+              <a:off y="3924162" x="5368304"/>
+              <a:ext cy="162450" cx="162450"/>
             </a:xfrm>
             <a:prstGeom prst="ellipse">
               <a:avLst/>
@@ -8847,14 +8847,14 @@
         </p:sp>
         <p:sp>
           <p:nvSpPr>
-            <p:cNvPr id="208" name="Text 208"/>
+            <p:cNvPr name="Text 208" id="208"/>
             <p:cNvSpPr/>
             <p:nvPr/>
           </p:nvSpPr>
           <p:spPr>
             <a:xfrm rot="0">
-              <a:off x="5570345" y="3114843"/>
-              <a:ext cx="330200" cy="121920"/>
+              <a:off y="3120558" x="5583045"/>
+              <a:ext cy="121920" cx="330200"/>
             </a:xfrm>
             <a:prstGeom prst="rect">
               <a:avLst/>
@@ -8862,12 +8862,12 @@
             <a:noFill/>
           </p:spPr>
           <p:txBody>
-            <a:bodyPr lIns="0" tIns="0" rIns="0" bIns="0" anchor="b">
+            <a:bodyPr anchor="b" bIns="0" rIns="0" tIns="0" lIns="0">
               <a:spAutoFit/>
             </a:bodyPr>
             <a:lstStyle/>
             <a:p>
-              <a:pPr marL="0" marR="0" indent="0" algn="l">
+              <a:pPr algn="l" indent="0" marR="0" marL="0">
                 <a:lnSpc>
                   <a:spcPts val="960"/>
                 </a:lnSpc>
@@ -8895,14 +8895,14 @@
         </p:sp>
         <p:sp>
           <p:nvSpPr>
-            <p:cNvPr id="209" name="Text 209"/>
+            <p:cNvPr name="Text 209" id="209"/>
             <p:cNvSpPr/>
             <p:nvPr/>
           </p:nvSpPr>
           <p:spPr>
             <a:xfrm rot="0">
-              <a:off x="5570345" y="3316570"/>
-              <a:ext cx="330200" cy="121920"/>
+              <a:off y="3322285" x="5583045"/>
+              <a:ext cy="121920" cx="330200"/>
             </a:xfrm>
             <a:prstGeom prst="rect">
               <a:avLst/>
@@ -8910,12 +8910,12 @@
             <a:noFill/>
           </p:spPr>
           <p:txBody>
-            <a:bodyPr lIns="0" tIns="0" rIns="0" bIns="0" anchor="b">
+            <a:bodyPr anchor="b" bIns="0" rIns="0" tIns="0" lIns="0">
               <a:spAutoFit/>
             </a:bodyPr>
             <a:lstStyle/>
             <a:p>
-              <a:pPr marL="0" marR="0" indent="0" algn="l">
+              <a:pPr algn="l" indent="0" marR="0" marL="0">
                 <a:lnSpc>
                   <a:spcPts val="960"/>
                 </a:lnSpc>
@@ -8943,14 +8943,14 @@
         </p:sp>
         <p:sp>
           <p:nvSpPr>
-            <p:cNvPr id="210" name="Text 210"/>
+            <p:cNvPr name="Text 210" id="210"/>
             <p:cNvSpPr/>
             <p:nvPr/>
           </p:nvSpPr>
           <p:spPr>
             <a:xfrm rot="0">
-              <a:off x="5570345" y="3518297"/>
-              <a:ext cx="330200" cy="121920"/>
+              <a:off y="3524012" x="5583045"/>
+              <a:ext cy="121920" cx="330200"/>
             </a:xfrm>
             <a:prstGeom prst="rect">
               <a:avLst/>
@@ -8958,12 +8958,12 @@
             <a:noFill/>
           </p:spPr>
           <p:txBody>
-            <a:bodyPr lIns="0" tIns="0" rIns="0" bIns="0" anchor="b">
+            <a:bodyPr anchor="b" bIns="0" rIns="0" tIns="0" lIns="0">
               <a:spAutoFit/>
             </a:bodyPr>
             <a:lstStyle/>
             <a:p>
-              <a:pPr marL="0" marR="0" indent="0" algn="l">
+              <a:pPr algn="l" indent="0" marR="0" marL="0">
                 <a:lnSpc>
                   <a:spcPts val="960"/>
                 </a:lnSpc>
@@ -8991,14 +8991,14 @@
         </p:sp>
         <p:sp>
           <p:nvSpPr>
-            <p:cNvPr id="211" name="Text 211"/>
+            <p:cNvPr name="Text 211" id="211"/>
             <p:cNvSpPr/>
             <p:nvPr/>
           </p:nvSpPr>
           <p:spPr>
             <a:xfrm rot="0">
-              <a:off x="5570345" y="3720024"/>
-              <a:ext cx="330200" cy="121920"/>
+              <a:off y="3725739" x="5583045"/>
+              <a:ext cy="121920" cx="330200"/>
             </a:xfrm>
             <a:prstGeom prst="rect">
               <a:avLst/>
@@ -9006,12 +9006,12 @@
             <a:noFill/>
           </p:spPr>
           <p:txBody>
-            <a:bodyPr lIns="0" tIns="0" rIns="0" bIns="0" anchor="b">
+            <a:bodyPr anchor="b" bIns="0" rIns="0" tIns="0" lIns="0">
               <a:spAutoFit/>
             </a:bodyPr>
             <a:lstStyle/>
             <a:p>
-              <a:pPr marL="0" marR="0" indent="0" algn="l">
+              <a:pPr algn="l" indent="0" marR="0" marL="0">
                 <a:lnSpc>
                   <a:spcPts val="960"/>
                 </a:lnSpc>
@@ -9039,14 +9039,14 @@
         </p:sp>
         <p:sp>
           <p:nvSpPr>
-            <p:cNvPr id="212" name="Text 212"/>
+            <p:cNvPr name="Text 212" id="212"/>
             <p:cNvSpPr/>
             <p:nvPr/>
           </p:nvSpPr>
           <p:spPr>
             <a:xfrm rot="0">
-              <a:off x="5570345" y="3929187"/>
-              <a:ext cx="330200" cy="121920"/>
+              <a:off y="3934902" x="5583045"/>
+              <a:ext cy="121920" cx="330200"/>
             </a:xfrm>
             <a:prstGeom prst="rect">
               <a:avLst/>
@@ -9054,12 +9054,12 @@
             <a:noFill/>
           </p:spPr>
           <p:txBody>
-            <a:bodyPr lIns="0" tIns="0" rIns="0" bIns="0" anchor="b">
+            <a:bodyPr anchor="b" bIns="0" rIns="0" tIns="0" lIns="0">
               <a:spAutoFit/>
             </a:bodyPr>
             <a:lstStyle/>
             <a:p>
-              <a:pPr marL="0" marR="0" indent="0" algn="l">
+              <a:pPr algn="l" indent="0" marR="0" marL="0">
                 <a:lnSpc>
                   <a:spcPts val="960"/>
                 </a:lnSpc>
@@ -9088,15 +9088,15 @@
       </p:grpSp>
       <p:graphicFrame>
         <p:nvGraphicFramePr>
-          <p:cNvPr id="2" name="nvGraphicFrame 2"/>
+          <p:cNvPr name="nvGraphicFrame 2" id="2"/>
           <p:cNvGraphicFramePr>
             <a:graphicFrameLocks noGrp="true"/>
           </p:cNvGraphicFramePr>
           <p:nvPr/>
         </p:nvGraphicFramePr>
-        <p:xfrm>
-          <a:off x="7315200" y="1828800"/>
-          <a:ext cx="4114800" cy="2743200"/>
+        <p:xfrm rot="0">
+          <a:off y="1828800" x="7315200"/>
+          <a:ext cy="2743200" cx="4114800"/>
         </p:xfrm>
         <a:graphic>
           <a:graphicData uri="http://schemas.openxmlformats.org/drawingml/2006/table">
@@ -9115,7 +9115,7 @@
                     <a:bodyPr/>
                     <a:lstStyle/>
                     <a:p>
-                      <a:pPr marL="0" marR="0" indent="0" algn="l">
+                      <a:pPr algn="l" indent="0" marR="0" marL="0">
                         <a:spcBef>
                           <a:spcPts val="0"/>
                         </a:spcBef>
@@ -9125,7 +9125,7 @@
                         <a:buNone/>
                       </a:pPr>
                       <a:r>
-                        <a:rPr sz="1100" b="true">
+                        <a:rPr b="true" sz="1100">
                           <a:solidFill>
                             <a:srgbClr val="000000"/>
                           </a:solidFill>
@@ -9137,7 +9137,7 @@
                       </a:r>
                     </a:p>
                   </a:txBody>
-                  <a:tcPr anchor="ctr">
+                  <a:tcPr anchor="ctr" marB="0" marT="0" marR="0" marL="0">
                     <a:lnL w="12700">
                       <a:solidFill>
                         <a:srgbClr val="000000"/>
@@ -9172,7 +9172,7 @@
                     <a:bodyPr/>
                     <a:lstStyle/>
                     <a:p>
-                      <a:pPr marL="0" marR="0" indent="0" algn="l">
+                      <a:pPr algn="l" indent="0" marR="0" marL="0">
                         <a:spcBef>
                           <a:spcPts val="0"/>
                         </a:spcBef>
@@ -9182,7 +9182,7 @@
                         <a:buNone/>
                       </a:pPr>
                       <a:r>
-                        <a:rPr sz="1100" b="true">
+                        <a:rPr b="true" sz="1100">
                           <a:solidFill>
                             <a:srgbClr val="000000"/>
                           </a:solidFill>
@@ -9194,7 +9194,7 @@
                       </a:r>
                     </a:p>
                   </a:txBody>
-                  <a:tcPr anchor="ctr">
+                  <a:tcPr anchor="ctr" marB="0" marT="0" marR="0" marL="0">
                     <a:lnL w="12700">
                       <a:solidFill>
                         <a:srgbClr val="000000"/>
@@ -9229,7 +9229,7 @@
                     <a:bodyPr/>
                     <a:lstStyle/>
                     <a:p>
-                      <a:pPr marL="0" marR="0" indent="0" algn="l">
+                      <a:pPr algn="l" indent="0" marR="0" marL="0">
                         <a:spcBef>
                           <a:spcPts val="0"/>
                         </a:spcBef>
@@ -9239,7 +9239,7 @@
                         <a:buNone/>
                       </a:pPr>
                       <a:r>
-                        <a:rPr sz="1100" b="true">
+                        <a:rPr b="true" sz="1100">
                           <a:solidFill>
                             <a:srgbClr val="000000"/>
                           </a:solidFill>
@@ -9251,7 +9251,7 @@
                       </a:r>
                     </a:p>
                   </a:txBody>
-                  <a:tcPr anchor="ctr">
+                  <a:tcPr anchor="ctr" marB="0" marT="0" marR="0" marL="0">
                     <a:lnL w="12700">
                       <a:solidFill>
                         <a:srgbClr val="000000"/>
@@ -9286,7 +9286,7 @@
                     <a:bodyPr/>
                     <a:lstStyle/>
                     <a:p>
-                      <a:pPr marL="0" marR="0" indent="0" algn="l">
+                      <a:pPr algn="l" indent="0" marR="0" marL="0">
                         <a:spcBef>
                           <a:spcPts val="0"/>
                         </a:spcBef>
@@ -9296,7 +9296,7 @@
                         <a:buNone/>
                       </a:pPr>
                       <a:r>
-                        <a:rPr sz="1100" b="true">
+                        <a:rPr b="true" sz="1100">
                           <a:solidFill>
                             <a:srgbClr val="000000"/>
                           </a:solidFill>
@@ -9308,7 +9308,7 @@
                       </a:r>
                     </a:p>
                   </a:txBody>
-                  <a:tcPr anchor="ctr">
+                  <a:tcPr anchor="ctr" marB="0" marT="0" marR="0" marL="0">
                     <a:lnL w="12700">
                       <a:solidFill>
                         <a:srgbClr val="000000"/>
@@ -9343,7 +9343,7 @@
                     <a:bodyPr/>
                     <a:lstStyle/>
                     <a:p>
-                      <a:pPr marL="0" marR="0" indent="0" algn="l">
+                      <a:pPr algn="l" indent="0" marR="0" marL="0">
                         <a:spcBef>
                           <a:spcPts val="0"/>
                         </a:spcBef>
@@ -9353,7 +9353,7 @@
                         <a:buNone/>
                       </a:pPr>
                       <a:r>
-                        <a:rPr sz="1100" b="true">
+                        <a:rPr b="true" sz="1100">
                           <a:solidFill>
                             <a:srgbClr val="000000"/>
                           </a:solidFill>
@@ -9365,7 +9365,7 @@
                       </a:r>
                     </a:p>
                   </a:txBody>
-                  <a:tcPr anchor="ctr">
+                  <a:tcPr anchor="ctr" marB="0" marT="0" marR="0" marL="0">
                     <a:lnL w="12700">
                       <a:solidFill>
                         <a:srgbClr val="000000"/>
@@ -9402,7 +9402,7 @@
                     <a:bodyPr/>
                     <a:lstStyle/>
                     <a:p>
-                      <a:pPr marL="0" marR="0" indent="0" algn="l">
+                      <a:pPr algn="l" indent="0" marR="0" marL="0">
                         <a:spcBef>
                           <a:spcPts val="0"/>
                         </a:spcBef>
@@ -9435,7 +9435,7 @@
                       </a:r>
                     </a:p>
                   </a:txBody>
-                  <a:tcPr anchor="ctr">
+                  <a:tcPr anchor="ctr" marB="0" marT="0" marR="0" marL="0">
                     <a:lnL w="12700">
                       <a:solidFill>
                         <a:srgbClr val="000000"/>
@@ -9470,7 +9470,7 @@
                     <a:bodyPr/>
                     <a:lstStyle/>
                     <a:p>
-                      <a:pPr marL="0" marR="0" indent="0" algn="l">
+                      <a:pPr algn="l" indent="0" marR="0" marL="0">
                         <a:spcBef>
                           <a:spcPts val="0"/>
                         </a:spcBef>
@@ -9503,7 +9503,7 @@
                       </a:r>
                     </a:p>
                   </a:txBody>
-                  <a:tcPr anchor="ctr">
+                  <a:tcPr anchor="ctr" marB="0" marT="0" marR="0" marL="0">
                     <a:lnL w="12700">
                       <a:solidFill>
                         <a:srgbClr val="000000"/>
@@ -9538,7 +9538,7 @@
                     <a:bodyPr/>
                     <a:lstStyle/>
                     <a:p>
-                      <a:pPr marL="0" marR="0" indent="0" algn="l">
+                      <a:pPr algn="l" indent="0" marR="0" marL="0">
                         <a:spcBef>
                           <a:spcPts val="0"/>
                         </a:spcBef>
@@ -9571,7 +9571,7 @@
                       </a:r>
                     </a:p>
                   </a:txBody>
-                  <a:tcPr anchor="ctr">
+                  <a:tcPr anchor="ctr" marB="0" marT="0" marR="0" marL="0">
                     <a:lnL w="12700">
                       <a:solidFill>
                         <a:srgbClr val="000000"/>
@@ -9606,7 +9606,7 @@
                     <a:bodyPr/>
                     <a:lstStyle/>
                     <a:p>
-                      <a:pPr marL="0" marR="0" indent="0" algn="l">
+                      <a:pPr algn="l" indent="0" marR="0" marL="0">
                         <a:spcBef>
                           <a:spcPts val="0"/>
                         </a:spcBef>
@@ -9639,7 +9639,7 @@
                       </a:r>
                     </a:p>
                   </a:txBody>
-                  <a:tcPr anchor="ctr">
+                  <a:tcPr anchor="ctr" marB="0" marT="0" marR="0" marL="0">
                     <a:lnL w="12700">
                       <a:solidFill>
                         <a:srgbClr val="000000"/>
@@ -9674,7 +9674,7 @@
                     <a:bodyPr/>
                     <a:lstStyle/>
                     <a:p>
-                      <a:pPr marL="0" marR="0" indent="0" algn="l">
+                      <a:pPr algn="l" indent="0" marR="0" marL="0">
                         <a:spcBef>
                           <a:spcPts val="0"/>
                         </a:spcBef>
@@ -9707,7 +9707,7 @@
                       </a:r>
                     </a:p>
                   </a:txBody>
-                  <a:tcPr anchor="ctr">
+                  <a:tcPr anchor="ctr" marB="0" marT="0" marR="0" marL="0">
                     <a:lnL w="12700">
                       <a:solidFill>
                         <a:srgbClr val="000000"/>
@@ -9744,7 +9744,7 @@
                     <a:bodyPr/>
                     <a:lstStyle/>
                     <a:p>
-                      <a:pPr marL="0" marR="0" indent="0" algn="l">
+                      <a:pPr algn="l" indent="0" marR="0" marL="0">
                         <a:spcBef>
                           <a:spcPts val="0"/>
                         </a:spcBef>
@@ -9777,7 +9777,7 @@
                       </a:r>
                     </a:p>
                   </a:txBody>
-                  <a:tcPr anchor="ctr">
+                  <a:tcPr anchor="ctr" marB="0" marT="0" marR="0" marL="0">
                     <a:lnL w="12700">
                       <a:solidFill>
                         <a:srgbClr val="000000"/>
@@ -9812,7 +9812,7 @@
                     <a:bodyPr/>
                     <a:lstStyle/>
                     <a:p>
-                      <a:pPr marL="0" marR="0" indent="0" algn="l">
+                      <a:pPr algn="l" indent="0" marR="0" marL="0">
                         <a:spcBef>
                           <a:spcPts val="0"/>
                         </a:spcBef>
@@ -9845,7 +9845,7 @@
                       </a:r>
                     </a:p>
                   </a:txBody>
-                  <a:tcPr anchor="ctr">
+                  <a:tcPr anchor="ctr" marB="0" marT="0" marR="0" marL="0">
                     <a:lnL w="12700">
                       <a:solidFill>
                         <a:srgbClr val="000000"/>
@@ -9880,7 +9880,7 @@
                     <a:bodyPr/>
                     <a:lstStyle/>
                     <a:p>
-                      <a:pPr marL="0" marR="0" indent="0" algn="l">
+                      <a:pPr algn="l" indent="0" marR="0" marL="0">
                         <a:spcBef>
                           <a:spcPts val="0"/>
                         </a:spcBef>
@@ -9913,7 +9913,7 @@
                       </a:r>
                     </a:p>
                   </a:txBody>
-                  <a:tcPr anchor="ctr">
+                  <a:tcPr anchor="ctr" marB="0" marT="0" marR="0" marL="0">
                     <a:lnL w="12700">
                       <a:solidFill>
                         <a:srgbClr val="000000"/>
@@ -9948,7 +9948,7 @@
                     <a:bodyPr/>
                     <a:lstStyle/>
                     <a:p>
-                      <a:pPr marL="0" marR="0" indent="0" algn="l">
+                      <a:pPr algn="l" indent="0" marR="0" marL="0">
                         <a:spcBef>
                           <a:spcPts val="0"/>
                         </a:spcBef>
@@ -9981,7 +9981,7 @@
                       </a:r>
                     </a:p>
                   </a:txBody>
-                  <a:tcPr anchor="ctr">
+                  <a:tcPr anchor="ctr" marB="0" marT="0" marR="0" marL="0">
                     <a:lnL w="12700">
                       <a:solidFill>
                         <a:srgbClr val="000000"/>
@@ -10016,7 +10016,7 @@
                     <a:bodyPr/>
                     <a:lstStyle/>
                     <a:p>
-                      <a:pPr marL="0" marR="0" indent="0" algn="l">
+                      <a:pPr algn="l" indent="0" marR="0" marL="0">
                         <a:spcBef>
                           <a:spcPts val="0"/>
                         </a:spcBef>
@@ -10049,7 +10049,7 @@
                       </a:r>
                     </a:p>
                   </a:txBody>
-                  <a:tcPr anchor="ctr">
+                  <a:tcPr anchor="ctr" marB="0" marT="0" marR="0" marL="0">
                     <a:lnL w="12700">
                       <a:solidFill>
                         <a:srgbClr val="000000"/>
@@ -10086,7 +10086,7 @@
                     <a:bodyPr/>
                     <a:lstStyle/>
                     <a:p>
-                      <a:pPr marL="0" marR="0" indent="0" algn="l">
+                      <a:pPr algn="l" indent="0" marR="0" marL="0">
                         <a:spcBef>
                           <a:spcPts val="0"/>
                         </a:spcBef>
@@ -10119,7 +10119,7 @@
                       </a:r>
                     </a:p>
                   </a:txBody>
-                  <a:tcPr anchor="ctr">
+                  <a:tcPr anchor="ctr" marB="0" marT="0" marR="0" marL="0">
                     <a:lnL w="12700">
                       <a:solidFill>
                         <a:srgbClr val="000000"/>
@@ -10154,7 +10154,7 @@
                     <a:bodyPr/>
                     <a:lstStyle/>
                     <a:p>
-                      <a:pPr marL="0" marR="0" indent="0" algn="l">
+                      <a:pPr algn="l" indent="0" marR="0" marL="0">
                         <a:spcBef>
                           <a:spcPts val="0"/>
                         </a:spcBef>
@@ -10187,7 +10187,7 @@
                       </a:r>
                     </a:p>
                   </a:txBody>
-                  <a:tcPr anchor="ctr">
+                  <a:tcPr anchor="ctr" marB="0" marT="0" marR="0" marL="0">
                     <a:lnL w="12700">
                       <a:solidFill>
                         <a:srgbClr val="000000"/>
@@ -10222,7 +10222,7 @@
                     <a:bodyPr/>
                     <a:lstStyle/>
                     <a:p>
-                      <a:pPr marL="0" marR="0" indent="0" algn="l">
+                      <a:pPr algn="l" indent="0" marR="0" marL="0">
                         <a:spcBef>
                           <a:spcPts val="0"/>
                         </a:spcBef>
@@ -10255,7 +10255,7 @@
                       </a:r>
                     </a:p>
                   </a:txBody>
-                  <a:tcPr anchor="ctr">
+                  <a:tcPr anchor="ctr" marB="0" marT="0" marR="0" marL="0">
                     <a:lnL w="12700">
                       <a:solidFill>
                         <a:srgbClr val="000000"/>
@@ -10290,7 +10290,7 @@
                     <a:bodyPr/>
                     <a:lstStyle/>
                     <a:p>
-                      <a:pPr marL="0" marR="0" indent="0" algn="l">
+                      <a:pPr algn="l" indent="0" marR="0" marL="0">
                         <a:spcBef>
                           <a:spcPts val="0"/>
                         </a:spcBef>
@@ -10323,7 +10323,7 @@
                       </a:r>
                     </a:p>
                   </a:txBody>
-                  <a:tcPr anchor="ctr">
+                  <a:tcPr anchor="ctr" marB="0" marT="0" marR="0" marL="0">
                     <a:lnL w="12700">
                       <a:solidFill>
                         <a:srgbClr val="000000"/>
@@ -10358,7 +10358,7 @@
                     <a:bodyPr/>
                     <a:lstStyle/>
                     <a:p>
-                      <a:pPr marL="0" marR="0" indent="0" algn="l">
+                      <a:pPr algn="l" indent="0" marR="0" marL="0">
                         <a:spcBef>
                           <a:spcPts val="0"/>
                         </a:spcBef>
@@ -10391,7 +10391,7 @@
                       </a:r>
                     </a:p>
                   </a:txBody>
-                  <a:tcPr anchor="ctr">
+                  <a:tcPr anchor="ctr" marB="0" marT="0" marR="0" marL="0">
                     <a:lnL w="12700">
                       <a:solidFill>
                         <a:srgbClr val="000000"/>
@@ -10428,7 +10428,7 @@
                     <a:bodyPr/>
                     <a:lstStyle/>
                     <a:p>
-                      <a:pPr marL="0" marR="0" indent="0" algn="l">
+                      <a:pPr algn="l" indent="0" marR="0" marL="0">
                         <a:spcBef>
                           <a:spcPts val="0"/>
                         </a:spcBef>
@@ -10461,7 +10461,7 @@
                       </a:r>
                     </a:p>
                   </a:txBody>
-                  <a:tcPr anchor="ctr">
+                  <a:tcPr anchor="ctr" marB="0" marT="0" marR="0" marL="0">
                     <a:lnL w="12700">
                       <a:solidFill>
                         <a:srgbClr val="000000"/>
@@ -10496,7 +10496,7 @@
                     <a:bodyPr/>
                     <a:lstStyle/>
                     <a:p>
-                      <a:pPr marL="0" marR="0" indent="0" algn="l">
+                      <a:pPr algn="l" indent="0" marR="0" marL="0">
                         <a:spcBef>
                           <a:spcPts val="0"/>
                         </a:spcBef>
@@ -10529,7 +10529,7 @@
                       </a:r>
                     </a:p>
                   </a:txBody>
-                  <a:tcPr anchor="ctr">
+                  <a:tcPr anchor="ctr" marB="0" marT="0" marR="0" marL="0">
                     <a:lnL w="12700">
                       <a:solidFill>
                         <a:srgbClr val="000000"/>
@@ -10564,7 +10564,7 @@
                     <a:bodyPr/>
                     <a:lstStyle/>
                     <a:p>
-                      <a:pPr marL="0" marR="0" indent="0" algn="l">
+                      <a:pPr algn="l" indent="0" marR="0" marL="0">
                         <a:spcBef>
                           <a:spcPts val="0"/>
                         </a:spcBef>
@@ -10597,7 +10597,7 @@
                       </a:r>
                     </a:p>
                   </a:txBody>
-                  <a:tcPr anchor="ctr">
+                  <a:tcPr anchor="ctr" marB="0" marT="0" marR="0" marL="0">
                     <a:lnL w="12700">
                       <a:solidFill>
                         <a:srgbClr val="000000"/>
@@ -10632,7 +10632,7 @@
                     <a:bodyPr/>
                     <a:lstStyle/>
                     <a:p>
-                      <a:pPr marL="0" marR="0" indent="0" algn="l">
+                      <a:pPr algn="l" indent="0" marR="0" marL="0">
                         <a:spcBef>
                           <a:spcPts val="0"/>
                         </a:spcBef>
@@ -10665,7 +10665,7 @@
                       </a:r>
                     </a:p>
                   </a:txBody>
-                  <a:tcPr anchor="ctr">
+                  <a:tcPr anchor="ctr" marB="0" marT="0" marR="0" marL="0">
                     <a:lnL w="12700">
                       <a:solidFill>
                         <a:srgbClr val="000000"/>
@@ -10700,7 +10700,7 @@
                     <a:bodyPr/>
                     <a:lstStyle/>
                     <a:p>
-                      <a:pPr marL="0" marR="0" indent="0" algn="l">
+                      <a:pPr algn="l" indent="0" marR="0" marL="0">
                         <a:spcBef>
                           <a:spcPts val="0"/>
                         </a:spcBef>
@@ -10733,7 +10733,7 @@
                       </a:r>
                     </a:p>
                   </a:txBody>
-                  <a:tcPr anchor="ctr">
+                  <a:tcPr anchor="ctr" marB="0" marT="0" marR="0" marL="0">
                     <a:lnL w="12700">
                       <a:solidFill>
                         <a:srgbClr val="000000"/>
@@ -10770,7 +10770,7 @@
                     <a:bodyPr/>
                     <a:lstStyle/>
                     <a:p>
-                      <a:pPr marL="0" marR="0" indent="0" algn="l">
+                      <a:pPr algn="l" indent="0" marR="0" marL="0">
                         <a:spcBef>
                           <a:spcPts val="0"/>
                         </a:spcBef>
@@ -10803,7 +10803,7 @@
                       </a:r>
                     </a:p>
                   </a:txBody>
-                  <a:tcPr anchor="ctr">
+                  <a:tcPr anchor="ctr" marB="0" marT="0" marR="0" marL="0">
                     <a:lnL w="12700">
                       <a:solidFill>
                         <a:srgbClr val="000000"/>
@@ -10838,7 +10838,7 @@
                     <a:bodyPr/>
                     <a:lstStyle/>
                     <a:p>
-                      <a:pPr marL="0" marR="0" indent="0" algn="l">
+                      <a:pPr algn="l" indent="0" marR="0" marL="0">
                         <a:spcBef>
                           <a:spcPts val="0"/>
                         </a:spcBef>
@@ -10871,7 +10871,7 @@
                       </a:r>
                     </a:p>
                   </a:txBody>
-                  <a:tcPr anchor="ctr">
+                  <a:tcPr anchor="ctr" marB="0" marT="0" marR="0" marL="0">
                     <a:lnL w="12700">
                       <a:solidFill>
                         <a:srgbClr val="000000"/>
@@ -10906,7 +10906,7 @@
                     <a:bodyPr/>
                     <a:lstStyle/>
                     <a:p>
-                      <a:pPr marL="0" marR="0" indent="0" algn="l">
+                      <a:pPr algn="l" indent="0" marR="0" marL="0">
                         <a:spcBef>
                           <a:spcPts val="0"/>
                         </a:spcBef>
@@ -10939,7 +10939,7 @@
                       </a:r>
                     </a:p>
                   </a:txBody>
-                  <a:tcPr anchor="ctr">
+                  <a:tcPr anchor="ctr" marB="0" marT="0" marR="0" marL="0">
                     <a:lnL w="12700">
                       <a:solidFill>
                         <a:srgbClr val="000000"/>
@@ -10974,7 +10974,7 @@
                     <a:bodyPr/>
                     <a:lstStyle/>
                     <a:p>
-                      <a:pPr marL="0" marR="0" indent="0" algn="l">
+                      <a:pPr algn="l" indent="0" marR="0" marL="0">
                         <a:spcBef>
                           <a:spcPts val="0"/>
                         </a:spcBef>
@@ -11007,7 +11007,7 @@
                       </a:r>
                     </a:p>
                   </a:txBody>
-                  <a:tcPr anchor="ctr">
+                  <a:tcPr anchor="ctr" marB="0" marT="0" marR="0" marL="0">
                     <a:lnL w="12700">
                       <a:solidFill>
                         <a:srgbClr val="000000"/>
@@ -11042,7 +11042,7 @@
                     <a:bodyPr/>
                     <a:lstStyle/>
                     <a:p>
-                      <a:pPr marL="0" marR="0" indent="0" algn="l">
+                      <a:pPr algn="l" indent="0" marR="0" marL="0">
                         <a:spcBef>
                           <a:spcPts val="0"/>
                         </a:spcBef>
@@ -11075,7 +11075,7 @@
                       </a:r>
                     </a:p>
                   </a:txBody>
-                  <a:tcPr anchor="ctr">
+                  <a:tcPr anchor="ctr" marB="0" marT="0" marR="0" marL="0">
                     <a:lnL w="12700">
                       <a:solidFill>
                         <a:srgbClr val="000000"/>
@@ -11112,7 +11112,7 @@
                     <a:bodyPr/>
                     <a:lstStyle/>
                     <a:p>
-                      <a:pPr marL="0" marR="0" indent="0" algn="l">
+                      <a:pPr algn="l" indent="0" marR="0" marL="0">
                         <a:spcBef>
                           <a:spcPts val="0"/>
                         </a:spcBef>
@@ -11145,7 +11145,7 @@
                       </a:r>
                     </a:p>
                   </a:txBody>
-                  <a:tcPr anchor="ctr">
+                  <a:tcPr anchor="ctr" marB="0" marT="0" marR="0" marL="0">
                     <a:lnL w="12700">
                       <a:solidFill>
                         <a:srgbClr val="000000"/>
@@ -11180,7 +11180,7 @@
                     <a:bodyPr/>
                     <a:lstStyle/>
                     <a:p>
-                      <a:pPr marL="0" marR="0" indent="0" algn="l">
+                      <a:pPr algn="l" indent="0" marR="0" marL="0">
                         <a:spcBef>
                           <a:spcPts val="0"/>
                         </a:spcBef>
@@ -11213,7 +11213,7 @@
                       </a:r>
                     </a:p>
                   </a:txBody>
-                  <a:tcPr anchor="ctr">
+                  <a:tcPr anchor="ctr" marB="0" marT="0" marR="0" marL="0">
                     <a:lnL w="12700">
                       <a:solidFill>
                         <a:srgbClr val="000000"/>
@@ -11248,7 +11248,7 @@
                     <a:bodyPr/>
                     <a:lstStyle/>
                     <a:p>
-                      <a:pPr marL="0" marR="0" indent="0" algn="l">
+                      <a:pPr algn="l" indent="0" marR="0" marL="0">
                         <a:spcBef>
                           <a:spcPts val="0"/>
                         </a:spcBef>
@@ -11281,7 +11281,7 @@
                       </a:r>
                     </a:p>
                   </a:txBody>
-                  <a:tcPr anchor="ctr">
+                  <a:tcPr anchor="ctr" marB="0" marT="0" marR="0" marL="0">
                     <a:lnL w="12700">
                       <a:solidFill>
                         <a:srgbClr val="000000"/>
@@ -11316,7 +11316,7 @@
                     <a:bodyPr/>
                     <a:lstStyle/>
                     <a:p>
-                      <a:pPr marL="0" marR="0" indent="0" algn="l">
+                      <a:pPr algn="l" indent="0" marR="0" marL="0">
                         <a:spcBef>
                           <a:spcPts val="0"/>
                         </a:spcBef>
@@ -11349,7 +11349,7 @@
                       </a:r>
                     </a:p>
                   </a:txBody>
-                  <a:tcPr anchor="ctr">
+                  <a:tcPr anchor="ctr" marB="0" marT="0" marR="0" marL="0">
                     <a:lnL w="12700">
                       <a:solidFill>
                         <a:srgbClr val="000000"/>
@@ -11384,7 +11384,7 @@
                     <a:bodyPr/>
                     <a:lstStyle/>
                     <a:p>
-                      <a:pPr marL="0" marR="0" indent="0" algn="l">
+                      <a:pPr algn="l" indent="0" marR="0" marL="0">
                         <a:spcBef>
                           <a:spcPts val="0"/>
                         </a:spcBef>
@@ -11417,7 +11417,7 @@
                       </a:r>
                     </a:p>
                   </a:txBody>
-                  <a:tcPr anchor="ctr">
+                  <a:tcPr anchor="ctr" marB="0" marT="0" marR="0" marL="0">
                     <a:lnL w="12700">
                       <a:solidFill>
                         <a:srgbClr val="000000"/>

--- a/examples/pp_force_pos.pptx
+++ b/examples/pp_force_pos.pptx
@@ -5,7 +5,7 @@
     <p:sldMasterId r:id="rId1" id="2147483648"/>
   </p:sldMasterIdLst>
   <p:sldIdLst>
-    <p:sldId r:id="rId6" id="741458059"/>
+    <p:sldId r:id="rId6" id="716396207"/>
   </p:sldIdLst>
   <p:sldSz cy="6858000" cx="12192000"/>
   <p:notesSz cy="9144000" cx="6858000"/>

--- a/examples/pp_force_pos.pptx
+++ b/examples/pp_force_pos.pptx
@@ -5,7 +5,7 @@
     <p:sldMasterId r:id="rId1" id="2147483648"/>
   </p:sldMasterIdLst>
   <p:sldIdLst>
-    <p:sldId r:id="rId6" id="716396207"/>
+    <p:sldId r:id="rId6" id="1469301350"/>
   </p:sldIdLst>
   <p:sldSz cy="6858000" cx="12192000"/>
   <p:notesSz cy="9144000" cx="6858000"/>
